--- a/Video/RFC-HyPGCN.pptx
+++ b/Video/RFC-HyPGCN.pptx
@@ -6,19 +6,23 @@
     <p:sldMasterId id="2147483666" r:id="rId2"/>
   </p:sldMasterIdLst>
   <p:notesMasterIdLst>
-    <p:notesMasterId r:id="rId13"/>
+    <p:notesMasterId r:id="rId17"/>
   </p:notesMasterIdLst>
   <p:sldIdLst>
     <p:sldId id="1874" r:id="rId3"/>
     <p:sldId id="1878" r:id="rId4"/>
-    <p:sldId id="1940" r:id="rId5"/>
-    <p:sldId id="1941" r:id="rId6"/>
-    <p:sldId id="1942" r:id="rId7"/>
-    <p:sldId id="1944" r:id="rId8"/>
-    <p:sldId id="1943" r:id="rId9"/>
-    <p:sldId id="1945" r:id="rId10"/>
-    <p:sldId id="1946" r:id="rId11"/>
-    <p:sldId id="1947" r:id="rId12"/>
+    <p:sldId id="1949" r:id="rId5"/>
+    <p:sldId id="1950" r:id="rId6"/>
+    <p:sldId id="1951" r:id="rId7"/>
+    <p:sldId id="1948" r:id="rId8"/>
+    <p:sldId id="1941" r:id="rId9"/>
+    <p:sldId id="1942" r:id="rId10"/>
+    <p:sldId id="1944" r:id="rId11"/>
+    <p:sldId id="1943" r:id="rId12"/>
+    <p:sldId id="1945" r:id="rId13"/>
+    <p:sldId id="1952" r:id="rId14"/>
+    <p:sldId id="1946" r:id="rId15"/>
+    <p:sldId id="1947" r:id="rId16"/>
   </p:sldIdLst>
   <p:sldSz cx="12192000" cy="6858000"/>
   <p:notesSz cx="6858000" cy="9144000"/>
@@ -219,7 +223,7 @@
             <a:fld id="{B303542C-E0FF-4323-BD7B-927F26D6BFBD}" type="datetimeFigureOut">
               <a:rPr lang="zh-CN" altLang="en-US" smtClean="0"/>
               <a:pPr/>
-              <a:t>2021/6/19</a:t>
+              <a:t>2021/6/20</a:t>
             </a:fld>
             <a:endParaRPr lang="zh-CN" altLang="en-US"/>
           </a:p>
@@ -649,6 +653,33 @@
               <a:tabLst/>
               <a:defRPr/>
             </a:pPr>
+            <a:r>
+              <a:rPr lang="en-US" altLang="zh-CN" dirty="0"/>
+              <a:t>Our architecture is a layer-by-layer pipeline. There are ten conv blocks in neural networks, so there are ten function modules on our accelerator, and one module takes one block.</a:t>
+            </a:r>
+          </a:p>
+          <a:p>
+            <a:pPr marL="0" marR="0" lvl="0" indent="0" algn="l" defTabSz="914400" rtl="0" eaLnBrk="1" fontAlgn="auto" latinLnBrk="0" hangingPunct="1">
+              <a:lnSpc>
+                <a:spcPct val="100000"/>
+              </a:lnSpc>
+              <a:spcBef>
+                <a:spcPts val="0"/>
+              </a:spcBef>
+              <a:spcAft>
+                <a:spcPts val="0"/>
+              </a:spcAft>
+              <a:buClrTx/>
+              <a:buSzTx/>
+              <a:buFontTx/>
+              <a:buNone/>
+              <a:tabLst/>
+              <a:defRPr/>
+            </a:pPr>
+            <a:r>
+              <a:rPr lang="en-US" altLang="zh-CN" dirty="0"/>
+              <a:t>One module is divided into SCM, TCM, and RFC between two conv modules.</a:t>
+            </a:r>
             <a:endParaRPr lang="zh-CN" altLang="en-US" dirty="0"/>
           </a:p>
         </p:txBody>
@@ -671,6 +702,710 @@
             <a:fld id="{39536814-D824-4C75-B553-1EAE7F7B5508}" type="slidenum">
               <a:rPr lang="zh-CN" altLang="en-US" smtClean="0"/>
               <a:t>10</a:t>
+            </a:fld>
+            <a:endParaRPr lang="zh-CN" altLang="en-US"/>
+          </a:p>
+        </p:txBody>
+      </p:sp>
+    </p:spTree>
+    <p:extLst>
+      <p:ext uri="{BB962C8B-B14F-4D97-AF65-F5344CB8AC3E}">
+        <p14:creationId xmlns:p14="http://schemas.microsoft.com/office/powerpoint/2010/main" val="2966781682"/>
+      </p:ext>
+    </p:extLst>
+  </p:cSld>
+  <p:clrMapOvr>
+    <a:masterClrMapping/>
+  </p:clrMapOvr>
+</p:notes>
+</file>
+
+<file path=ppt/notesSlides/notesSlide11.xml><?xml version="1.0" encoding="utf-8"?>
+<p:notes xmlns:a="http://schemas.openxmlformats.org/drawingml/2006/main" xmlns:r="http://schemas.openxmlformats.org/officeDocument/2006/relationships" xmlns:p="http://schemas.openxmlformats.org/presentationml/2006/main">
+  <p:cSld>
+    <p:spTree>
+      <p:nvGrpSpPr>
+        <p:cNvPr id="1" name=""/>
+        <p:cNvGrpSpPr/>
+        <p:nvPr/>
+      </p:nvGrpSpPr>
+      <p:grpSpPr>
+        <a:xfrm>
+          <a:off x="0" y="0"/>
+          <a:ext cx="0" cy="0"/>
+          <a:chOff x="0" y="0"/>
+          <a:chExt cx="0" cy="0"/>
+        </a:xfrm>
+      </p:grpSpPr>
+      <p:sp>
+        <p:nvSpPr>
+          <p:cNvPr id="2" name="幻灯片图像占位符 1"/>
+          <p:cNvSpPr>
+            <a:spLocks noGrp="1" noRot="1" noChangeAspect="1"/>
+          </p:cNvSpPr>
+          <p:nvPr>
+            <p:ph type="sldImg"/>
+          </p:nvPr>
+        </p:nvSpPr>
+        <p:spPr/>
+      </p:sp>
+      <p:sp>
+        <p:nvSpPr>
+          <p:cNvPr id="3" name="备注占位符 2"/>
+          <p:cNvSpPr>
+            <a:spLocks noGrp="1"/>
+          </p:cNvSpPr>
+          <p:nvPr>
+            <p:ph type="body" idx="1"/>
+          </p:nvPr>
+        </p:nvSpPr>
+        <p:spPr/>
+        <p:txBody>
+          <a:bodyPr/>
+          <a:lstStyle/>
+          <a:p>
+            <a:pPr marL="0" marR="0" lvl="0" indent="0" algn="l" defTabSz="914400" rtl="0" eaLnBrk="1" fontAlgn="auto" latinLnBrk="0" hangingPunct="1">
+              <a:lnSpc>
+                <a:spcPct val="100000"/>
+              </a:lnSpc>
+              <a:spcBef>
+                <a:spcPts val="0"/>
+              </a:spcBef>
+              <a:spcAft>
+                <a:spcPts val="0"/>
+              </a:spcAft>
+              <a:buClrTx/>
+              <a:buSzTx/>
+              <a:buFontTx/>
+              <a:buNone/>
+              <a:tabLst/>
+              <a:defRPr/>
+            </a:pPr>
+            <a:r>
+              <a:rPr lang="en-US" altLang="zh-CN" dirty="0"/>
+              <a:t>Thanks for data reorganization, we can directly skip feature-graph computation on some channels, and also save storage volume for we compress weights in structured pruning ways. This further provides a structured dataflow on spatial convolution filters.</a:t>
+            </a:r>
+            <a:endParaRPr lang="zh-CN" altLang="en-US" dirty="0"/>
+          </a:p>
+        </p:txBody>
+      </p:sp>
+      <p:sp>
+        <p:nvSpPr>
+          <p:cNvPr id="4" name="灯片编号占位符 3"/>
+          <p:cNvSpPr>
+            <a:spLocks noGrp="1"/>
+          </p:cNvSpPr>
+          <p:nvPr>
+            <p:ph type="sldNum" sz="quarter" idx="5"/>
+          </p:nvPr>
+        </p:nvSpPr>
+        <p:spPr/>
+        <p:txBody>
+          <a:bodyPr/>
+          <a:lstStyle/>
+          <a:p>
+            <a:fld id="{39536814-D824-4C75-B553-1EAE7F7B5508}" type="slidenum">
+              <a:rPr lang="zh-CN" altLang="en-US" smtClean="0"/>
+              <a:t>11</a:t>
+            </a:fld>
+            <a:endParaRPr lang="zh-CN" altLang="en-US"/>
+          </a:p>
+        </p:txBody>
+      </p:sp>
+    </p:spTree>
+    <p:extLst>
+      <p:ext uri="{BB962C8B-B14F-4D97-AF65-F5344CB8AC3E}">
+        <p14:creationId xmlns:p14="http://schemas.microsoft.com/office/powerpoint/2010/main" val="1590979699"/>
+      </p:ext>
+    </p:extLst>
+  </p:cSld>
+  <p:clrMapOvr>
+    <a:masterClrMapping/>
+  </p:clrMapOvr>
+</p:notes>
+</file>
+
+<file path=ppt/notesSlides/notesSlide12.xml><?xml version="1.0" encoding="utf-8"?>
+<p:notes xmlns:a="http://schemas.openxmlformats.org/drawingml/2006/main" xmlns:r="http://schemas.openxmlformats.org/officeDocument/2006/relationships" xmlns:p="http://schemas.openxmlformats.org/presentationml/2006/main">
+  <p:cSld>
+    <p:spTree>
+      <p:nvGrpSpPr>
+        <p:cNvPr id="1" name=""/>
+        <p:cNvGrpSpPr/>
+        <p:nvPr/>
+      </p:nvGrpSpPr>
+      <p:grpSpPr>
+        <a:xfrm>
+          <a:off x="0" y="0"/>
+          <a:ext cx="0" cy="0"/>
+          <a:chOff x="0" y="0"/>
+          <a:chExt cx="0" cy="0"/>
+        </a:xfrm>
+      </p:grpSpPr>
+      <p:sp>
+        <p:nvSpPr>
+          <p:cNvPr id="2" name="幻灯片图像占位符 1"/>
+          <p:cNvSpPr>
+            <a:spLocks noGrp="1" noRot="1" noChangeAspect="1"/>
+          </p:cNvSpPr>
+          <p:nvPr>
+            <p:ph type="sldImg"/>
+          </p:nvPr>
+        </p:nvSpPr>
+        <p:spPr/>
+      </p:sp>
+      <p:sp>
+        <p:nvSpPr>
+          <p:cNvPr id="3" name="备注占位符 2"/>
+          <p:cNvSpPr>
+            <a:spLocks noGrp="1"/>
+          </p:cNvSpPr>
+          <p:nvPr>
+            <p:ph type="body" idx="1"/>
+          </p:nvPr>
+        </p:nvSpPr>
+        <p:spPr/>
+        <p:txBody>
+          <a:bodyPr/>
+          <a:lstStyle/>
+          <a:p>
+            <a:pPr marL="0" marR="0" lvl="0" indent="0" algn="l" defTabSz="914400" rtl="0" eaLnBrk="1" fontAlgn="auto" latinLnBrk="0" hangingPunct="1">
+              <a:lnSpc>
+                <a:spcPct val="100000"/>
+              </a:lnSpc>
+              <a:spcBef>
+                <a:spcPts val="0"/>
+              </a:spcBef>
+              <a:spcAft>
+                <a:spcPts val="0"/>
+              </a:spcAft>
+              <a:buClrTx/>
+              <a:buSzTx/>
+              <a:buFontTx/>
+              <a:buNone/>
+              <a:tabLst/>
+              <a:defRPr/>
+            </a:pPr>
+            <a:r>
+              <a:rPr lang="en-US" altLang="zh-CN" dirty="0"/>
+              <a:t>For temporal conv module, design is more complex for both coarse-grained and fine-grained pruning is performed. To save DSP utilization and raises its using efficiency, we applied dynamic scheduling in TCM. After </a:t>
+            </a:r>
+            <a:r>
+              <a:rPr lang="en-US" altLang="zh-CN" dirty="0" err="1"/>
+              <a:t>relu</a:t>
+            </a:r>
+            <a:r>
+              <a:rPr lang="en-US" altLang="zh-CN" dirty="0"/>
+              <a:t> activation, feature itself is sparse, while conv parameter is also sparse after pruning. It is a typical sparse computing task. The accelerator generates the feature hot-code during </a:t>
+            </a:r>
+            <a:r>
+              <a:rPr lang="en-US" altLang="zh-CN" dirty="0" err="1"/>
+              <a:t>relu</a:t>
+            </a:r>
+            <a:r>
+              <a:rPr lang="en-US" altLang="zh-CN" dirty="0"/>
+              <a:t> process, indicating whether feature data is zero or not. Weight mask is decided by our fine-grained pruning pattern, and then conduct logical and with feature hot-code, choosing valid feature data. These data enters waiting queues to be computed by DSP. </a:t>
+            </a:r>
+          </a:p>
+          <a:p>
+            <a:pPr marL="0" marR="0" lvl="0" indent="0" algn="l" defTabSz="914400" rtl="0" eaLnBrk="1" fontAlgn="auto" latinLnBrk="0" hangingPunct="1">
+              <a:lnSpc>
+                <a:spcPct val="100000"/>
+              </a:lnSpc>
+              <a:spcBef>
+                <a:spcPts val="0"/>
+              </a:spcBef>
+              <a:spcAft>
+                <a:spcPts val="0"/>
+              </a:spcAft>
+              <a:buClrTx/>
+              <a:buSzTx/>
+              <a:buFontTx/>
+              <a:buNone/>
+              <a:tabLst/>
+              <a:defRPr/>
+            </a:pPr>
+            <a:r>
+              <a:rPr lang="en-US" altLang="zh-CN" dirty="0"/>
+              <a:t>Here, our fine-grained pruning method provides a static and loop pruning patterns and masks, which greatly reduce the complexity of dataflow. Last but not least, such pruning method embeds a statistic sparsity, and based on the offline feature sparsity of  training set, we can calculate the number of DSP in on dynamic </a:t>
+            </a:r>
+            <a:r>
+              <a:rPr lang="en-US" altLang="zh-CN" dirty="0" err="1"/>
+              <a:t>mult</a:t>
+            </a:r>
+            <a:r>
+              <a:rPr lang="en-US" altLang="zh-CN" dirty="0"/>
+              <a:t>-pe, it is a possibility calculation.</a:t>
+            </a:r>
+          </a:p>
+          <a:p>
+            <a:pPr marL="0" marR="0" lvl="0" indent="0" algn="l" defTabSz="914400" rtl="0" eaLnBrk="1" fontAlgn="auto" latinLnBrk="0" hangingPunct="1">
+              <a:lnSpc>
+                <a:spcPct val="100000"/>
+              </a:lnSpc>
+              <a:spcBef>
+                <a:spcPts val="0"/>
+              </a:spcBef>
+              <a:spcAft>
+                <a:spcPts val="0"/>
+              </a:spcAft>
+              <a:buClrTx/>
+              <a:buSzTx/>
+              <a:buFontTx/>
+              <a:buNone/>
+              <a:tabLst/>
+              <a:defRPr/>
+            </a:pPr>
+            <a:r>
+              <a:rPr lang="en-US" altLang="zh-CN" dirty="0"/>
+              <a:t>It turns out our design save 23.24% of DSPs, but only cost 7.40% max-delay.</a:t>
+            </a:r>
+            <a:endParaRPr lang="zh-CN" altLang="en-US" dirty="0"/>
+          </a:p>
+        </p:txBody>
+      </p:sp>
+      <p:sp>
+        <p:nvSpPr>
+          <p:cNvPr id="4" name="灯片编号占位符 3"/>
+          <p:cNvSpPr>
+            <a:spLocks noGrp="1"/>
+          </p:cNvSpPr>
+          <p:nvPr>
+            <p:ph type="sldNum" sz="quarter" idx="5"/>
+          </p:nvPr>
+        </p:nvSpPr>
+        <p:spPr/>
+        <p:txBody>
+          <a:bodyPr/>
+          <a:lstStyle/>
+          <a:p>
+            <a:fld id="{39536814-D824-4C75-B553-1EAE7F7B5508}" type="slidenum">
+              <a:rPr lang="zh-CN" altLang="en-US" smtClean="0"/>
+              <a:t>12</a:t>
+            </a:fld>
+            <a:endParaRPr lang="zh-CN" altLang="en-US"/>
+          </a:p>
+        </p:txBody>
+      </p:sp>
+    </p:spTree>
+    <p:extLst>
+      <p:ext uri="{BB962C8B-B14F-4D97-AF65-F5344CB8AC3E}">
+        <p14:creationId xmlns:p14="http://schemas.microsoft.com/office/powerpoint/2010/main" val="3361878910"/>
+      </p:ext>
+    </p:extLst>
+  </p:cSld>
+  <p:clrMapOvr>
+    <a:masterClrMapping/>
+  </p:clrMapOvr>
+</p:notes>
+</file>
+
+<file path=ppt/notesSlides/notesSlide13.xml><?xml version="1.0" encoding="utf-8"?>
+<p:notes xmlns:a="http://schemas.openxmlformats.org/drawingml/2006/main" xmlns:r="http://schemas.openxmlformats.org/officeDocument/2006/relationships" xmlns:p="http://schemas.openxmlformats.org/presentationml/2006/main">
+  <p:cSld>
+    <p:spTree>
+      <p:nvGrpSpPr>
+        <p:cNvPr id="1" name=""/>
+        <p:cNvGrpSpPr/>
+        <p:nvPr/>
+      </p:nvGrpSpPr>
+      <p:grpSpPr>
+        <a:xfrm>
+          <a:off x="0" y="0"/>
+          <a:ext cx="0" cy="0"/>
+          <a:chOff x="0" y="0"/>
+          <a:chExt cx="0" cy="0"/>
+        </a:xfrm>
+      </p:grpSpPr>
+      <p:sp>
+        <p:nvSpPr>
+          <p:cNvPr id="2" name="幻灯片图像占位符 1"/>
+          <p:cNvSpPr>
+            <a:spLocks noGrp="1" noRot="1" noChangeAspect="1"/>
+          </p:cNvSpPr>
+          <p:nvPr>
+            <p:ph type="sldImg"/>
+          </p:nvPr>
+        </p:nvSpPr>
+        <p:spPr/>
+      </p:sp>
+      <p:sp>
+        <p:nvSpPr>
+          <p:cNvPr id="3" name="备注占位符 2"/>
+          <p:cNvSpPr>
+            <a:spLocks noGrp="1"/>
+          </p:cNvSpPr>
+          <p:nvPr>
+            <p:ph type="body" idx="1"/>
+          </p:nvPr>
+        </p:nvSpPr>
+        <p:spPr/>
+        <p:txBody>
+          <a:bodyPr/>
+          <a:lstStyle/>
+          <a:p>
+            <a:pPr marL="0" marR="0" lvl="0" indent="0" algn="l" defTabSz="914400" rtl="0" eaLnBrk="1" fontAlgn="auto" latinLnBrk="0" hangingPunct="1">
+              <a:lnSpc>
+                <a:spcPct val="100000"/>
+              </a:lnSpc>
+              <a:spcBef>
+                <a:spcPts val="0"/>
+              </a:spcBef>
+              <a:spcAft>
+                <a:spcPts val="0"/>
+              </a:spcAft>
+              <a:buClrTx/>
+              <a:buSzTx/>
+              <a:buFontTx/>
+              <a:buNone/>
+              <a:tabLst/>
+              <a:defRPr/>
+            </a:pPr>
+            <a:r>
+              <a:rPr lang="en-US" altLang="zh-CN" dirty="0"/>
+              <a:t>This is our runtime feature compress module design.</a:t>
+            </a:r>
+            <a:r>
+              <a:rPr lang="zh-CN" altLang="en-US" dirty="0"/>
+              <a:t> </a:t>
+            </a:r>
+            <a:r>
+              <a:rPr lang="en-US" altLang="zh-CN" dirty="0"/>
+              <a:t>Feature</a:t>
+            </a:r>
+            <a:r>
+              <a:rPr lang="zh-CN" altLang="en-US" dirty="0"/>
+              <a:t> </a:t>
+            </a:r>
+            <a:r>
+              <a:rPr lang="en-US" altLang="zh-CN" dirty="0"/>
+              <a:t>is</a:t>
+            </a:r>
+            <a:r>
+              <a:rPr lang="zh-CN" altLang="en-US" dirty="0"/>
+              <a:t> </a:t>
+            </a:r>
+            <a:r>
+              <a:rPr lang="en-US" altLang="zh-CN" dirty="0"/>
+              <a:t>divided into several banks along channels, every sixteen data consists a bank.</a:t>
+            </a:r>
+          </a:p>
+          <a:p>
+            <a:pPr marL="0" marR="0" lvl="0" indent="0" algn="l" defTabSz="914400" rtl="0" eaLnBrk="1" fontAlgn="auto" latinLnBrk="0" hangingPunct="1">
+              <a:lnSpc>
+                <a:spcPct val="100000"/>
+              </a:lnSpc>
+              <a:spcBef>
+                <a:spcPts val="0"/>
+              </a:spcBef>
+              <a:spcAft>
+                <a:spcPts val="0"/>
+              </a:spcAft>
+              <a:buClrTx/>
+              <a:buSzTx/>
+              <a:buFontTx/>
+              <a:buNone/>
+              <a:tabLst/>
+              <a:defRPr/>
+            </a:pPr>
+            <a:r>
+              <a:rPr lang="en-US" altLang="zh-CN" dirty="0"/>
+              <a:t>A bank further contains four </a:t>
+            </a:r>
+            <a:r>
+              <a:rPr lang="en-US" altLang="zh-CN" dirty="0" err="1"/>
+              <a:t>minibanks</a:t>
+            </a:r>
+            <a:r>
+              <a:rPr lang="en-US" altLang="zh-CN" dirty="0"/>
+              <a:t>, each </a:t>
+            </a:r>
+            <a:r>
+              <a:rPr lang="en-US" altLang="zh-CN" dirty="0" err="1"/>
+              <a:t>minibanks</a:t>
+            </a:r>
+            <a:r>
+              <a:rPr lang="en-US" altLang="zh-CN" dirty="0"/>
+              <a:t> may vary from depth but with same data width.  </a:t>
+            </a:r>
+          </a:p>
+          <a:p>
+            <a:pPr marL="0" marR="0" lvl="0" indent="0" algn="l" defTabSz="914400" rtl="0" eaLnBrk="1" fontAlgn="auto" latinLnBrk="0" hangingPunct="1">
+              <a:lnSpc>
+                <a:spcPct val="100000"/>
+              </a:lnSpc>
+              <a:spcBef>
+                <a:spcPts val="0"/>
+              </a:spcBef>
+              <a:spcAft>
+                <a:spcPts val="0"/>
+              </a:spcAft>
+              <a:buClrTx/>
+              <a:buSzTx/>
+              <a:buFontTx/>
+              <a:buNone/>
+              <a:tabLst/>
+              <a:defRPr/>
+            </a:pPr>
+            <a:r>
+              <a:rPr lang="en-US" altLang="zh-CN" dirty="0"/>
+              <a:t>Considers a bank of feature with this feature hot, there are five valid data in this feature bank. So we can get the </a:t>
+            </a:r>
+            <a:r>
+              <a:rPr lang="en-US" altLang="zh-CN" dirty="0" err="1"/>
+              <a:t>mbhot</a:t>
+            </a:r>
+            <a:r>
+              <a:rPr lang="en-US" altLang="zh-CN" dirty="0"/>
+              <a:t> code of this feature, means that the valid data in this feature bank need two </a:t>
+            </a:r>
+            <a:r>
+              <a:rPr lang="en-US" altLang="zh-CN" dirty="0" err="1"/>
+              <a:t>minibanks</a:t>
+            </a:r>
+            <a:r>
+              <a:rPr lang="en-US" altLang="zh-CN" dirty="0"/>
+              <a:t> to store. Finally, we </a:t>
+            </a:r>
+            <a:r>
+              <a:rPr lang="en-US" altLang="zh-CN" dirty="0" err="1"/>
+              <a:t>accmuluate</a:t>
+            </a:r>
+            <a:r>
+              <a:rPr lang="en-US" altLang="zh-CN" dirty="0"/>
+              <a:t> all five valid data to the head of bank and sends them to first two </a:t>
+            </a:r>
+            <a:r>
+              <a:rPr lang="en-US" altLang="zh-CN" dirty="0" err="1"/>
+              <a:t>minibanks</a:t>
+            </a:r>
+            <a:r>
+              <a:rPr lang="en-US" altLang="zh-CN" dirty="0"/>
+              <a:t>. In this way, we can save precious on-chip storage resources. Also feature hot is stored and in the decoding process, it helps feature in compressed format return to original shape. </a:t>
+            </a:r>
+          </a:p>
+          <a:p>
+            <a:pPr marL="0" marR="0" lvl="0" indent="0" algn="l" defTabSz="914400" rtl="0" eaLnBrk="1" fontAlgn="auto" latinLnBrk="0" hangingPunct="1">
+              <a:lnSpc>
+                <a:spcPct val="100000"/>
+              </a:lnSpc>
+              <a:spcBef>
+                <a:spcPts val="0"/>
+              </a:spcBef>
+              <a:spcAft>
+                <a:spcPts val="0"/>
+              </a:spcAft>
+              <a:buClrTx/>
+              <a:buSzTx/>
+              <a:buFontTx/>
+              <a:buNone/>
+              <a:tabLst/>
+              <a:defRPr/>
+            </a:pPr>
+            <a:r>
+              <a:rPr lang="en-US" altLang="zh-CN" dirty="0"/>
+              <a:t>The depth of </a:t>
+            </a:r>
+            <a:r>
+              <a:rPr lang="en-US" altLang="zh-CN" dirty="0" err="1"/>
+              <a:t>minibank</a:t>
+            </a:r>
+            <a:r>
+              <a:rPr lang="en-US" altLang="zh-CN" dirty="0"/>
+              <a:t>, of course is an important issue. As well, we refer to the sparsity of feature in training set, as shown in the table. Different column stands for the </a:t>
+            </a:r>
+            <a:r>
+              <a:rPr lang="en-US" altLang="zh-CN" dirty="0" err="1"/>
+              <a:t>porpoation</a:t>
+            </a:r>
+            <a:r>
+              <a:rPr lang="en-US" altLang="zh-CN" dirty="0"/>
+              <a:t> of total banks with different sparsity. For example, in layer one’s spatial conv feature, 29.35% of feature has a sparsity between 50%-75% and 70.64% between 25%-50%. This information can guide us to adjust the depth of this layer’s </a:t>
+            </a:r>
+            <a:r>
+              <a:rPr lang="en-US" altLang="zh-CN" dirty="0" err="1"/>
+              <a:t>minibanks</a:t>
+            </a:r>
+            <a:r>
+              <a:rPr lang="en-US" altLang="zh-CN" dirty="0"/>
+              <a:t>.</a:t>
+            </a:r>
+          </a:p>
+          <a:p>
+            <a:pPr marL="0" marR="0" lvl="0" indent="0" algn="l" defTabSz="914400" rtl="0" eaLnBrk="1" fontAlgn="auto" latinLnBrk="0" hangingPunct="1">
+              <a:lnSpc>
+                <a:spcPct val="100000"/>
+              </a:lnSpc>
+              <a:spcBef>
+                <a:spcPts val="0"/>
+              </a:spcBef>
+              <a:spcAft>
+                <a:spcPts val="0"/>
+              </a:spcAft>
+              <a:buClrTx/>
+              <a:buSzTx/>
+              <a:buFontTx/>
+              <a:buNone/>
+              <a:tabLst/>
+              <a:defRPr/>
+            </a:pPr>
+            <a:r>
+              <a:rPr lang="en-US" altLang="zh-CN" dirty="0"/>
+              <a:t>In this way, our RFC structure can save lots of storage on-chip.</a:t>
+            </a:r>
+          </a:p>
+        </p:txBody>
+      </p:sp>
+      <p:sp>
+        <p:nvSpPr>
+          <p:cNvPr id="4" name="灯片编号占位符 3"/>
+          <p:cNvSpPr>
+            <a:spLocks noGrp="1"/>
+          </p:cNvSpPr>
+          <p:nvPr>
+            <p:ph type="sldNum" sz="quarter" idx="5"/>
+          </p:nvPr>
+        </p:nvSpPr>
+        <p:spPr/>
+        <p:txBody>
+          <a:bodyPr/>
+          <a:lstStyle/>
+          <a:p>
+            <a:fld id="{39536814-D824-4C75-B553-1EAE7F7B5508}" type="slidenum">
+              <a:rPr lang="zh-CN" altLang="en-US" smtClean="0"/>
+              <a:t>13</a:t>
+            </a:fld>
+            <a:endParaRPr lang="zh-CN" altLang="en-US"/>
+          </a:p>
+        </p:txBody>
+      </p:sp>
+    </p:spTree>
+    <p:extLst>
+      <p:ext uri="{BB962C8B-B14F-4D97-AF65-F5344CB8AC3E}">
+        <p14:creationId xmlns:p14="http://schemas.microsoft.com/office/powerpoint/2010/main" val="264070632"/>
+      </p:ext>
+    </p:extLst>
+  </p:cSld>
+  <p:clrMapOvr>
+    <a:masterClrMapping/>
+  </p:clrMapOvr>
+</p:notes>
+</file>
+
+<file path=ppt/notesSlides/notesSlide14.xml><?xml version="1.0" encoding="utf-8"?>
+<p:notes xmlns:a="http://schemas.openxmlformats.org/drawingml/2006/main" xmlns:r="http://schemas.openxmlformats.org/officeDocument/2006/relationships" xmlns:p="http://schemas.openxmlformats.org/presentationml/2006/main">
+  <p:cSld>
+    <p:spTree>
+      <p:nvGrpSpPr>
+        <p:cNvPr id="1" name=""/>
+        <p:cNvGrpSpPr/>
+        <p:nvPr/>
+      </p:nvGrpSpPr>
+      <p:grpSpPr>
+        <a:xfrm>
+          <a:off x="0" y="0"/>
+          <a:ext cx="0" cy="0"/>
+          <a:chOff x="0" y="0"/>
+          <a:chExt cx="0" cy="0"/>
+        </a:xfrm>
+      </p:grpSpPr>
+      <p:sp>
+        <p:nvSpPr>
+          <p:cNvPr id="2" name="幻灯片图像占位符 1"/>
+          <p:cNvSpPr>
+            <a:spLocks noGrp="1" noRot="1" noChangeAspect="1"/>
+          </p:cNvSpPr>
+          <p:nvPr>
+            <p:ph type="sldImg"/>
+          </p:nvPr>
+        </p:nvSpPr>
+        <p:spPr/>
+      </p:sp>
+      <p:sp>
+        <p:nvSpPr>
+          <p:cNvPr id="3" name="备注占位符 2"/>
+          <p:cNvSpPr>
+            <a:spLocks noGrp="1"/>
+          </p:cNvSpPr>
+          <p:nvPr>
+            <p:ph type="body" idx="1"/>
+          </p:nvPr>
+        </p:nvSpPr>
+        <p:spPr/>
+        <p:txBody>
+          <a:bodyPr/>
+          <a:lstStyle/>
+          <a:p>
+            <a:pPr marL="0" marR="0" lvl="0" indent="0" algn="l" defTabSz="914400" rtl="0" eaLnBrk="1" fontAlgn="auto" latinLnBrk="0" hangingPunct="1">
+              <a:lnSpc>
+                <a:spcPct val="100000"/>
+              </a:lnSpc>
+              <a:spcBef>
+                <a:spcPts val="0"/>
+              </a:spcBef>
+              <a:spcAft>
+                <a:spcPts val="0"/>
+              </a:spcAft>
+              <a:buClrTx/>
+              <a:buSzTx/>
+              <a:buFontTx/>
+              <a:buNone/>
+              <a:tabLst/>
+              <a:defRPr/>
+            </a:pPr>
+            <a:r>
+              <a:rPr lang="en-US" altLang="zh-CN" dirty="0"/>
+              <a:t>The last chapter is the performance. Compared with former work, we exceed in almost all dimension. </a:t>
+            </a:r>
+          </a:p>
+          <a:p>
+            <a:pPr marL="0" marR="0" lvl="0" indent="0" algn="l" defTabSz="914400" rtl="0" eaLnBrk="1" fontAlgn="auto" latinLnBrk="0" hangingPunct="1">
+              <a:lnSpc>
+                <a:spcPct val="100000"/>
+              </a:lnSpc>
+              <a:spcBef>
+                <a:spcPts val="0"/>
+              </a:spcBef>
+              <a:spcAft>
+                <a:spcPts val="0"/>
+              </a:spcAft>
+              <a:buClrTx/>
+              <a:buSzTx/>
+              <a:buFontTx/>
+              <a:buNone/>
+              <a:tabLst/>
+              <a:defRPr/>
+            </a:pPr>
+            <a:r>
+              <a:rPr lang="en-US" altLang="zh-CN" dirty="0"/>
+              <a:t>And when compared with high-end GPUs, we can also achieve a good speed-up on throughput with lower </a:t>
+            </a:r>
+            <a:r>
+              <a:rPr lang="en-US" altLang="zh-CN"/>
+              <a:t>power consumption.</a:t>
+            </a:r>
+            <a:endParaRPr lang="zh-CN" altLang="en-US" dirty="0"/>
+          </a:p>
+        </p:txBody>
+      </p:sp>
+      <p:sp>
+        <p:nvSpPr>
+          <p:cNvPr id="4" name="灯片编号占位符 3"/>
+          <p:cNvSpPr>
+            <a:spLocks noGrp="1"/>
+          </p:cNvSpPr>
+          <p:nvPr>
+            <p:ph type="sldNum" sz="quarter" idx="5"/>
+          </p:nvPr>
+        </p:nvSpPr>
+        <p:spPr/>
+        <p:txBody>
+          <a:bodyPr/>
+          <a:lstStyle/>
+          <a:p>
+            <a:fld id="{39536814-D824-4C75-B553-1EAE7F7B5508}" type="slidenum">
+              <a:rPr lang="zh-CN" altLang="en-US" smtClean="0"/>
+              <a:t>14</a:t>
             </a:fld>
             <a:endParaRPr lang="zh-CN" altLang="en-US"/>
           </a:p>
@@ -851,6 +1586,56 @@
               <a:tabLst/>
               <a:defRPr/>
             </a:pPr>
+            <a:r>
+              <a:rPr lang="en-US" altLang="zh-CN" dirty="0"/>
+              <a:t>Human skeleton is modeled by a graph with 25 points. Joints is seen as the points, and the main skeletons are seen as the edge with no direction.</a:t>
+            </a:r>
+          </a:p>
+          <a:p>
+            <a:pPr marL="0" marR="0" lvl="0" indent="0" algn="l" defTabSz="914400" rtl="0" eaLnBrk="1" fontAlgn="auto" latinLnBrk="0" hangingPunct="1">
+              <a:lnSpc>
+                <a:spcPct val="100000"/>
+              </a:lnSpc>
+              <a:spcBef>
+                <a:spcPts val="0"/>
+              </a:spcBef>
+              <a:spcAft>
+                <a:spcPts val="0"/>
+              </a:spcAft>
+              <a:buClrTx/>
+              <a:buSzTx/>
+              <a:buFontTx/>
+              <a:buNone/>
+              <a:tabLst/>
+              <a:defRPr/>
+            </a:pPr>
+            <a:r>
+              <a:rPr lang="en-US" altLang="zh-CN" dirty="0"/>
+              <a:t>Using pose estimation technology, such as open-pose from CMU and alpha-pose from SJTU, we can take human skeletons from video stream and actual circumstances</a:t>
+            </a:r>
+          </a:p>
+          <a:p>
+            <a:pPr marL="0" marR="0" lvl="0" indent="0" algn="l" defTabSz="914400" rtl="0" eaLnBrk="1" fontAlgn="auto" latinLnBrk="0" hangingPunct="1">
+              <a:lnSpc>
+                <a:spcPct val="100000"/>
+              </a:lnSpc>
+              <a:spcBef>
+                <a:spcPts val="0"/>
+              </a:spcBef>
+              <a:spcAft>
+                <a:spcPts val="0"/>
+              </a:spcAft>
+              <a:buClrTx/>
+              <a:buSzTx/>
+              <a:buFontTx/>
+              <a:buNone/>
+              <a:tabLst/>
+              <a:defRPr/>
+            </a:pPr>
+            <a:r>
+              <a:rPr lang="en-US" altLang="zh-CN" dirty="0"/>
+              <a:t>Human skeletons’ feature is then be processed into tensors, and GCN action recognition models take such skeleton features as global input and output the prediction of body action, such as walking, drinking, sitting.</a:t>
+            </a:r>
             <a:endParaRPr lang="zh-CN" altLang="en-US" dirty="0"/>
           </a:p>
         </p:txBody>
@@ -881,7 +1666,7 @@
     </p:spTree>
     <p:extLst>
       <p:ext uri="{BB962C8B-B14F-4D97-AF65-F5344CB8AC3E}">
-        <p14:creationId xmlns:p14="http://schemas.microsoft.com/office/powerpoint/2010/main" val="3509715634"/>
+        <p14:creationId xmlns:p14="http://schemas.microsoft.com/office/powerpoint/2010/main" val="53889778"/>
       </p:ext>
     </p:extLst>
   </p:cSld>
@@ -952,6 +1737,92 @@
               <a:tabLst/>
               <a:defRPr/>
             </a:pPr>
+            <a:r>
+              <a:rPr lang="en-US" altLang="zh-CN" dirty="0"/>
+              <a:t>Like helping disabled people to prevent danger situation or protect children in </a:t>
+            </a:r>
+            <a:r>
+              <a:rPr lang="en-US" altLang="zh-CN" dirty="0" err="1"/>
+              <a:t>kindergarden</a:t>
+            </a:r>
+            <a:r>
+              <a:rPr lang="en-US" altLang="zh-CN" dirty="0"/>
+              <a:t> away from subconscious danger actions</a:t>
+            </a:r>
+          </a:p>
+          <a:p>
+            <a:pPr marL="0" marR="0" lvl="0" indent="0" algn="l" defTabSz="914400" rtl="0" eaLnBrk="1" fontAlgn="auto" latinLnBrk="0" hangingPunct="1">
+              <a:lnSpc>
+                <a:spcPct val="100000"/>
+              </a:lnSpc>
+              <a:spcBef>
+                <a:spcPts val="0"/>
+              </a:spcBef>
+              <a:spcAft>
+                <a:spcPts val="0"/>
+              </a:spcAft>
+              <a:buClrTx/>
+              <a:buSzTx/>
+              <a:buFontTx/>
+              <a:buNone/>
+              <a:tabLst/>
+              <a:defRPr/>
+            </a:pPr>
+            <a:r>
+              <a:rPr lang="en-US" altLang="zh-CN" dirty="0"/>
+              <a:t>Also this algorithm can be applied in sports to detect fouls in physical contact.</a:t>
+            </a:r>
+          </a:p>
+          <a:p>
+            <a:pPr marL="0" marR="0" lvl="0" indent="0" algn="l" defTabSz="914400" rtl="0" eaLnBrk="1" fontAlgn="auto" latinLnBrk="0" hangingPunct="1">
+              <a:lnSpc>
+                <a:spcPct val="100000"/>
+              </a:lnSpc>
+              <a:spcBef>
+                <a:spcPts val="0"/>
+              </a:spcBef>
+              <a:spcAft>
+                <a:spcPts val="0"/>
+              </a:spcAft>
+              <a:buClrTx/>
+              <a:buSzTx/>
+              <a:buFontTx/>
+              <a:buNone/>
+              <a:tabLst/>
+              <a:defRPr/>
+            </a:pPr>
+            <a:endParaRPr lang="en-US" altLang="zh-CN" dirty="0"/>
+          </a:p>
+          <a:p>
+            <a:pPr marL="0" marR="0" lvl="0" indent="0" algn="l" defTabSz="914400" rtl="0" eaLnBrk="1" fontAlgn="auto" latinLnBrk="0" hangingPunct="1">
+              <a:lnSpc>
+                <a:spcPct val="100000"/>
+              </a:lnSpc>
+              <a:spcBef>
+                <a:spcPts val="0"/>
+              </a:spcBef>
+              <a:spcAft>
+                <a:spcPts val="0"/>
+              </a:spcAft>
+              <a:buClrTx/>
+              <a:buSzTx/>
+              <a:buFontTx/>
+              <a:buNone/>
+              <a:tabLst/>
+              <a:defRPr/>
+            </a:pPr>
+            <a:r>
+              <a:rPr lang="en-US" altLang="zh-CN" dirty="0"/>
+              <a:t>As shown in the table, 2s-AGCN model needs high-end GPU platforms for deploy, and having a big gap between pose-estimation algorithms on </a:t>
+            </a:r>
+            <a:r>
+              <a:rPr lang="en-US" altLang="zh-CN" dirty="0" err="1"/>
+              <a:t>throughtput</a:t>
+            </a:r>
+            <a:r>
+              <a:rPr lang="en-US" altLang="zh-CN" dirty="0"/>
+              <a:t> and power-efficiency due to its computing complexity.</a:t>
+            </a:r>
             <a:endParaRPr lang="zh-CN" altLang="en-US" dirty="0"/>
           </a:p>
         </p:txBody>
@@ -982,7 +1853,7 @@
     </p:spTree>
     <p:extLst>
       <p:ext uri="{BB962C8B-B14F-4D97-AF65-F5344CB8AC3E}">
-        <p14:creationId xmlns:p14="http://schemas.microsoft.com/office/powerpoint/2010/main" val="3182322551"/>
+        <p14:creationId xmlns:p14="http://schemas.microsoft.com/office/powerpoint/2010/main" val="1036692052"/>
       </p:ext>
     </p:extLst>
   </p:cSld>
@@ -1053,6 +1924,68 @@
               <a:tabLst/>
               <a:defRPr/>
             </a:pPr>
+            <a:r>
+              <a:rPr lang="en-US" altLang="zh-CN" dirty="0"/>
+              <a:t>First, human skeleton graph is static and unchangeable, while some other graphs have less important edge and points, which are ignored in some works. </a:t>
+            </a:r>
+          </a:p>
+          <a:p>
+            <a:pPr marL="0" marR="0" lvl="0" indent="0" algn="l" defTabSz="914400" rtl="0" eaLnBrk="1" fontAlgn="auto" latinLnBrk="0" hangingPunct="1">
+              <a:lnSpc>
+                <a:spcPct val="100000"/>
+              </a:lnSpc>
+              <a:spcBef>
+                <a:spcPts val="0"/>
+              </a:spcBef>
+              <a:spcAft>
+                <a:spcPts val="0"/>
+              </a:spcAft>
+              <a:buClrTx/>
+              <a:buSzTx/>
+              <a:buFontTx/>
+              <a:buNone/>
+              <a:tabLst/>
+              <a:defRPr/>
+            </a:pPr>
+            <a:r>
+              <a:rPr lang="en-US" altLang="zh-CN" dirty="0"/>
+              <a:t>Also, there’re relation graph in </a:t>
+            </a:r>
+            <a:r>
+              <a:rPr lang="en-US" altLang="zh-CN" sz="1200" dirty="0">
+                <a:latin typeface="Times New Roman" panose="02020603050405020304" pitchFamily="18" charset="0"/>
+                <a:ea typeface="微软雅黑" panose="020B0503020204020204" pitchFamily="34" charset="-122"/>
+                <a:cs typeface="Times New Roman" panose="02020603050405020304" pitchFamily="18" charset="0"/>
+              </a:rPr>
+              <a:t>GCN action recognition models, which learns global relationship between points and edges. This graph is dense and positive to prediction accuracy.</a:t>
+            </a:r>
+          </a:p>
+          <a:p>
+            <a:pPr marL="0" marR="0" lvl="0" indent="0" algn="l" defTabSz="914400" rtl="0" eaLnBrk="1" fontAlgn="auto" latinLnBrk="0" hangingPunct="1">
+              <a:lnSpc>
+                <a:spcPct val="100000"/>
+              </a:lnSpc>
+              <a:spcBef>
+                <a:spcPts val="0"/>
+              </a:spcBef>
+              <a:spcAft>
+                <a:spcPts val="0"/>
+              </a:spcAft>
+              <a:buClrTx/>
+              <a:buSzTx/>
+              <a:buFontTx/>
+              <a:buNone/>
+              <a:tabLst/>
+              <a:defRPr/>
+            </a:pPr>
+            <a:r>
+              <a:rPr lang="en-US" altLang="zh-CN" sz="1200" dirty="0">
+                <a:latin typeface="Times New Roman" panose="02020603050405020304" pitchFamily="18" charset="0"/>
+                <a:ea typeface="微软雅黑" panose="020B0503020204020204" pitchFamily="34" charset="-122"/>
+                <a:cs typeface="Times New Roman" panose="02020603050405020304" pitchFamily="18" charset="0"/>
+              </a:rPr>
+              <a:t>Computing scale of this algorithms put great challenges to edge and embedded device.</a:t>
+            </a:r>
             <a:endParaRPr lang="zh-CN" altLang="en-US" dirty="0"/>
           </a:p>
         </p:txBody>
@@ -1083,7 +2016,7 @@
     </p:spTree>
     <p:extLst>
       <p:ext uri="{BB962C8B-B14F-4D97-AF65-F5344CB8AC3E}">
-        <p14:creationId xmlns:p14="http://schemas.microsoft.com/office/powerpoint/2010/main" val="2507162988"/>
+        <p14:creationId xmlns:p14="http://schemas.microsoft.com/office/powerpoint/2010/main" val="1521157591"/>
       </p:ext>
     </p:extLst>
   </p:cSld>
@@ -1154,6 +2087,56 @@
               <a:tabLst/>
               <a:defRPr/>
             </a:pPr>
+            <a:r>
+              <a:rPr lang="en-US" altLang="zh-CN" dirty="0"/>
+              <a:t>The basic function block of 2s-AGCN contains XXX, and ten blocks consist the whole nets.</a:t>
+            </a:r>
+          </a:p>
+          <a:p>
+            <a:pPr marL="0" marR="0" lvl="0" indent="0" algn="l" defTabSz="914400" rtl="0" eaLnBrk="1" fontAlgn="auto" latinLnBrk="0" hangingPunct="1">
+              <a:lnSpc>
+                <a:spcPct val="100000"/>
+              </a:lnSpc>
+              <a:spcBef>
+                <a:spcPts val="0"/>
+              </a:spcBef>
+              <a:spcAft>
+                <a:spcPts val="0"/>
+              </a:spcAft>
+              <a:buClrTx/>
+              <a:buSzTx/>
+              <a:buFontTx/>
+              <a:buNone/>
+              <a:tabLst/>
+              <a:defRPr/>
+            </a:pPr>
+            <a:r>
+              <a:rPr lang="en-US" altLang="zh-CN" dirty="0"/>
+              <a:t>Fc layer’s output is a prediction of sixty kinds of actions.</a:t>
+            </a:r>
+          </a:p>
+          <a:p>
+            <a:pPr marL="0" marR="0" lvl="0" indent="0" algn="l" defTabSz="914400" rtl="0" eaLnBrk="1" fontAlgn="auto" latinLnBrk="0" hangingPunct="1">
+              <a:lnSpc>
+                <a:spcPct val="100000"/>
+              </a:lnSpc>
+              <a:spcBef>
+                <a:spcPts val="0"/>
+              </a:spcBef>
+              <a:spcAft>
+                <a:spcPts val="0"/>
+              </a:spcAft>
+              <a:buClrTx/>
+              <a:buSzTx/>
+              <a:buFontTx/>
+              <a:buNone/>
+              <a:tabLst/>
+              <a:defRPr/>
+            </a:pPr>
+            <a:r>
+              <a:rPr lang="en-US" altLang="zh-CN" dirty="0"/>
+              <a:t>The right part of the figure shows the dimension change of the feature tensor in each block. </a:t>
+            </a:r>
             <a:endParaRPr lang="zh-CN" altLang="en-US" dirty="0"/>
           </a:p>
         </p:txBody>
@@ -1184,7 +2167,7 @@
     </p:spTree>
     <p:extLst>
       <p:ext uri="{BB962C8B-B14F-4D97-AF65-F5344CB8AC3E}">
-        <p14:creationId xmlns:p14="http://schemas.microsoft.com/office/powerpoint/2010/main" val="2237742145"/>
+        <p14:creationId xmlns:p14="http://schemas.microsoft.com/office/powerpoint/2010/main" val="4140605857"/>
       </p:ext>
     </p:extLst>
   </p:cSld>
@@ -1255,6 +2238,33 @@
               <a:tabLst/>
               <a:defRPr/>
             </a:pPr>
+            <a:r>
+              <a:rPr lang="en-US" altLang="zh-CN" dirty="0"/>
+              <a:t>The ck is the self-similarity matrix. It is produced by procedures in red circle, which contains high-dimension matrix transposition and multiplication.</a:t>
+            </a:r>
+          </a:p>
+          <a:p>
+            <a:pPr marL="0" marR="0" lvl="0" indent="0" algn="l" defTabSz="914400" rtl="0" eaLnBrk="1" fontAlgn="auto" latinLnBrk="0" hangingPunct="1">
+              <a:lnSpc>
+                <a:spcPct val="100000"/>
+              </a:lnSpc>
+              <a:spcBef>
+                <a:spcPts val="0"/>
+              </a:spcBef>
+              <a:spcAft>
+                <a:spcPts val="0"/>
+              </a:spcAft>
+              <a:buClrTx/>
+              <a:buSzTx/>
+              <a:buFontTx/>
+              <a:buNone/>
+              <a:tabLst/>
+              <a:defRPr/>
+            </a:pPr>
+            <a:r>
+              <a:rPr lang="en-US" altLang="zh-CN" dirty="0"/>
+              <a:t>In the experiment we found that on Nvidia 2080Ti, this ck is computed online and only provides 0.3% accuracy evaluation, but decreases the throughput by 42.50%. It is reasonable to trade ck for a better computing performance.</a:t>
+            </a:r>
             <a:endParaRPr lang="zh-CN" altLang="en-US" dirty="0"/>
           </a:p>
         </p:txBody>
@@ -1285,7 +2295,7 @@
     </p:spTree>
     <p:extLst>
       <p:ext uri="{BB962C8B-B14F-4D97-AF65-F5344CB8AC3E}">
-        <p14:creationId xmlns:p14="http://schemas.microsoft.com/office/powerpoint/2010/main" val="2966781682"/>
+        <p14:creationId xmlns:p14="http://schemas.microsoft.com/office/powerpoint/2010/main" val="3182322551"/>
       </p:ext>
     </p:extLst>
   </p:cSld>
@@ -1356,6 +2366,96 @@
               <a:tabLst/>
               <a:defRPr/>
             </a:pPr>
+            <a:r>
+              <a:rPr lang="en-US" altLang="zh-CN" dirty="0"/>
+              <a:t>Without </a:t>
+            </a:r>
+            <a:r>
+              <a:rPr lang="en-US" altLang="zh-CN" dirty="0" err="1"/>
+              <a:t>c_k</a:t>
+            </a:r>
+            <a:r>
+              <a:rPr lang="en-US" altLang="zh-CN" dirty="0"/>
+              <a:t>, the graph convolution can be depicted by this formula. </a:t>
+            </a:r>
+            <a:r>
+              <a:rPr lang="en-US" altLang="zh-CN" dirty="0" err="1"/>
+              <a:t>Gk</a:t>
+            </a:r>
+            <a:r>
+              <a:rPr lang="en-US" altLang="zh-CN" dirty="0"/>
+              <a:t> is the sum of </a:t>
+            </a:r>
+            <a:r>
+              <a:rPr lang="en-US" altLang="zh-CN" dirty="0" err="1"/>
+              <a:t>Ak+Bk</a:t>
+            </a:r>
+            <a:r>
+              <a:rPr lang="en-US" altLang="zh-CN" dirty="0"/>
+              <a:t>, and </a:t>
+            </a:r>
+            <a:r>
+              <a:rPr lang="en-US" altLang="zh-CN" dirty="0" err="1"/>
+              <a:t>Wk</a:t>
+            </a:r>
+            <a:r>
+              <a:rPr lang="en-US" altLang="zh-CN" dirty="0"/>
+              <a:t> is network parameter.</a:t>
+            </a:r>
+          </a:p>
+          <a:p>
+            <a:pPr marL="0" marR="0" lvl="0" indent="0" algn="l" defTabSz="914400" rtl="0" eaLnBrk="1" fontAlgn="auto" latinLnBrk="0" hangingPunct="1">
+              <a:lnSpc>
+                <a:spcPct val="100000"/>
+              </a:lnSpc>
+              <a:spcBef>
+                <a:spcPts val="0"/>
+              </a:spcBef>
+              <a:spcAft>
+                <a:spcPts val="0"/>
+              </a:spcAft>
+              <a:buClrTx/>
+              <a:buSzTx/>
+              <a:buFontTx/>
+              <a:buNone/>
+              <a:tabLst/>
+              <a:defRPr/>
+            </a:pPr>
+            <a:r>
+              <a:rPr lang="en-US" altLang="zh-CN" dirty="0"/>
+              <a:t>Considering the spatial conv layer of l+1, the input features first multiply with graph matrix in the order of channel, the graph-computing result then works with spatial conv filters, whose kernel size is one. If we set all parameter in the same channel as zero, as we see, the darker </a:t>
+            </a:r>
+            <a:r>
+              <a:rPr lang="en-US" altLang="zh-CN" dirty="0" err="1"/>
+              <a:t>colour’s</a:t>
+            </a:r>
+            <a:r>
+              <a:rPr lang="en-US" altLang="zh-CN" dirty="0"/>
+              <a:t> elements in the pictures, then we can not only skip the convolution computation, but also ignore the graph task here. However, if we apply the conventional random pruning method, only the convolution computation is optimized, graph task still need to be carried out. The reduction shows that, but reorganize the multiply order of weight elements and graph elements, it offers a chance of skipping both graph and convolution computing.</a:t>
+            </a:r>
+          </a:p>
+          <a:p>
+            <a:pPr marL="0" marR="0" lvl="0" indent="0" algn="l" defTabSz="914400" rtl="0" eaLnBrk="1" fontAlgn="auto" latinLnBrk="0" hangingPunct="1">
+              <a:lnSpc>
+                <a:spcPct val="100000"/>
+              </a:lnSpc>
+              <a:spcBef>
+                <a:spcPts val="0"/>
+              </a:spcBef>
+              <a:spcAft>
+                <a:spcPts val="0"/>
+              </a:spcAft>
+              <a:buClrTx/>
+              <a:buSzTx/>
+              <a:buFontTx/>
+              <a:buNone/>
+              <a:tabLst/>
+              <a:defRPr/>
+            </a:pPr>
+            <a:r>
+              <a:rPr lang="en-US" altLang="zh-CN" dirty="0"/>
+              <a:t>The input of layer 1+1’s spatial conv is generated by l layer’s temporal conv layer. Since the reorganization drops the whole channel of feature, it is naturally to prune the corresponding temporal conv filters. It can compress 49%-88% of weight in all temporal filters, depends on the channel pruning rate in reorganization phases</a:t>
+            </a:r>
             <a:endParaRPr lang="zh-CN" altLang="en-US" dirty="0"/>
           </a:p>
         </p:txBody>
@@ -1386,7 +2486,7 @@
     </p:spTree>
     <p:extLst>
       <p:ext uri="{BB962C8B-B14F-4D97-AF65-F5344CB8AC3E}">
-        <p14:creationId xmlns:p14="http://schemas.microsoft.com/office/powerpoint/2010/main" val="1590979699"/>
+        <p14:creationId xmlns:p14="http://schemas.microsoft.com/office/powerpoint/2010/main" val="2507162988"/>
       </p:ext>
     </p:extLst>
   </p:cSld>
@@ -1457,6 +2557,41 @@
               <a:tabLst/>
               <a:defRPr/>
             </a:pPr>
+            <a:r>
+              <a:rPr lang="en-US" altLang="zh-CN" dirty="0"/>
+              <a:t>The input of temporal conv are skeleton vectors stacked by time order, and the temporal kernel size is nine multiplies one. The nine stands for the reception field in time dimension. The insight of fine-grained pruning here is like sampling. Zero weight in kernel not only means ‘pruned’, but also means ‘not sampled’. By set some elements as zero, we can control the sampling frequency, starting points and schemes. </a:t>
+            </a:r>
+          </a:p>
+          <a:p>
+            <a:pPr marL="0" marR="0" lvl="0" indent="0" algn="l" defTabSz="914400" rtl="0" eaLnBrk="1" fontAlgn="auto" latinLnBrk="0" hangingPunct="1">
+              <a:lnSpc>
+                <a:spcPct val="100000"/>
+              </a:lnSpc>
+              <a:spcBef>
+                <a:spcPts val="0"/>
+              </a:spcBef>
+              <a:spcAft>
+                <a:spcPts val="0"/>
+              </a:spcAft>
+              <a:buClrTx/>
+              <a:buSzTx/>
+              <a:buFontTx/>
+              <a:buNone/>
+              <a:tabLst/>
+              <a:defRPr/>
+            </a:pPr>
+            <a:r>
+              <a:rPr lang="en-US" altLang="zh-CN" dirty="0"/>
+              <a:t>By trying several pruning schemes, we got the best pruning pattern which can keep balance between compression rate and accuracy. We found that the sampling pattern plays a vital role here, with similar pruning rate, a more balanced sampling scheme can obviously take the better accuracy, like AA and BB. In AA, every elements has three or two chances to </a:t>
+            </a:r>
+            <a:r>
+              <a:rPr lang="en-US" altLang="zh-CN" dirty="0" err="1"/>
+              <a:t>participitad</a:t>
+            </a:r>
+            <a:r>
+              <a:rPr lang="en-US" altLang="zh-CN" dirty="0"/>
+              <a:t> in sampling, while BB  </a:t>
+            </a:r>
             <a:endParaRPr lang="zh-CN" altLang="en-US" dirty="0"/>
           </a:p>
         </p:txBody>
@@ -1487,7 +2622,7 @@
     </p:spTree>
     <p:extLst>
       <p:ext uri="{BB962C8B-B14F-4D97-AF65-F5344CB8AC3E}">
-        <p14:creationId xmlns:p14="http://schemas.microsoft.com/office/powerpoint/2010/main" val="264070632"/>
+        <p14:creationId xmlns:p14="http://schemas.microsoft.com/office/powerpoint/2010/main" val="2237742145"/>
       </p:ext>
     </p:extLst>
   </p:cSld>
@@ -1637,7 +2772,7 @@
             <a:fld id="{7BF848B7-73DC-4AD7-BD1B-EAECB32EB00A}" type="datetimeFigureOut">
               <a:rPr lang="zh-CN" altLang="en-US" smtClean="0"/>
               <a:pPr/>
-              <a:t>2021/6/19</a:t>
+              <a:t>2021/6/20</a:t>
             </a:fld>
             <a:endParaRPr lang="zh-CN" altLang="en-US"/>
           </a:p>
@@ -2026,7 +3161,7 @@
                 </a:solidFill>
               </a:rPr>
               <a:pPr/>
-              <a:t>2021/6/19</a:t>
+              <a:t>2021/6/20</a:t>
             </a:fld>
             <a:endParaRPr lang="zh-CN" altLang="en-US">
               <a:solidFill>
@@ -2534,7 +3669,7 @@
                 </a:solidFill>
               </a:rPr>
               <a:pPr/>
-              <a:t>2021/6/19</a:t>
+              <a:t>2021/6/20</a:t>
             </a:fld>
             <a:endParaRPr lang="zh-CN" altLang="en-US">
               <a:solidFill>
@@ -2696,7 +3831,7 @@
                 </a:solidFill>
               </a:rPr>
               <a:pPr/>
-              <a:t>2021/6/19</a:t>
+              <a:t>2021/6/20</a:t>
             </a:fld>
             <a:endParaRPr lang="zh-CN" altLang="en-US">
               <a:solidFill>
@@ -2905,7 +4040,7 @@
                 </a:solidFill>
               </a:rPr>
               <a:pPr/>
-              <a:t>2021/6/19</a:t>
+              <a:t>2021/6/20</a:t>
             </a:fld>
             <a:endParaRPr lang="zh-CN" altLang="en-US">
               <a:solidFill>
@@ -3320,7 +4455,7 @@
                 </a:solidFill>
               </a:rPr>
               <a:pPr/>
-              <a:t>2021/6/19</a:t>
+              <a:t>2021/6/20</a:t>
             </a:fld>
             <a:endParaRPr lang="zh-CN" altLang="en-US">
               <a:solidFill>
@@ -3723,7 +4858,7 @@
                 </a:solidFill>
               </a:rPr>
               <a:pPr/>
-              <a:t>2021/6/19</a:t>
+              <a:t>2021/6/20</a:t>
             </a:fld>
             <a:endParaRPr lang="zh-CN" altLang="en-US">
               <a:solidFill>
@@ -3979,7 +5114,7 @@
                 </a:solidFill>
               </a:rPr>
               <a:pPr/>
-              <a:t>2021/6/19</a:t>
+              <a:t>2021/6/20</a:t>
             </a:fld>
             <a:endParaRPr lang="zh-CN" altLang="en-US">
               <a:solidFill>
@@ -4302,7 +5437,7 @@
                 </a:solidFill>
               </a:rPr>
               <a:pPr/>
-              <a:t>2021/6/19</a:t>
+              <a:t>2021/6/20</a:t>
             </a:fld>
             <a:endParaRPr lang="zh-CN" altLang="en-US">
               <a:solidFill>
@@ -4467,7 +5602,7 @@
                 </a:solidFill>
               </a:rPr>
               <a:pPr/>
-              <a:t>2021/6/19</a:t>
+              <a:t>2021/6/20</a:t>
             </a:fld>
             <a:endParaRPr lang="zh-CN" altLang="en-US">
               <a:solidFill>
@@ -4902,7 +6037,7 @@
                 </a:solidFill>
               </a:rPr>
               <a:pPr/>
-              <a:t>2021/6/19</a:t>
+              <a:t>2021/6/20</a:t>
             </a:fld>
             <a:endParaRPr lang="zh-CN" altLang="en-US">
               <a:solidFill>
@@ -5586,7 +6721,7 @@
             <a:fld id="{7BF848B7-73DC-4AD7-BD1B-EAECB32EB00A}" type="datetimeFigureOut">
               <a:rPr lang="zh-CN" altLang="en-US" smtClean="0"/>
               <a:pPr/>
-              <a:t>2021/6/19</a:t>
+              <a:t>2021/6/20</a:t>
             </a:fld>
             <a:endParaRPr lang="zh-CN" altLang="en-US"/>
           </a:p>
@@ -6014,7 +7149,7 @@
                 </a:solidFill>
               </a:rPr>
               <a:pPr/>
-              <a:t>2021/6/19</a:t>
+              <a:t>2021/6/20</a:t>
             </a:fld>
             <a:endParaRPr lang="zh-CN" altLang="en-US">
               <a:solidFill>
@@ -6265,7 +7400,7 @@
                 </a:solidFill>
               </a:rPr>
               <a:pPr/>
-              <a:t>2021/6/19</a:t>
+              <a:t>2021/6/20</a:t>
             </a:fld>
             <a:endParaRPr lang="zh-CN" altLang="en-US">
               <a:solidFill>
@@ -6682,7 +7817,7 @@
                 </a:solidFill>
               </a:rPr>
               <a:pPr/>
-              <a:t>2021/6/19</a:t>
+              <a:t>2021/6/20</a:t>
             </a:fld>
             <a:endParaRPr lang="zh-CN" altLang="en-US">
               <a:solidFill>
@@ -8141,7 +9276,7 @@
         <p:spPr>
           <a:xfrm>
             <a:off x="441841" y="1563841"/>
-            <a:ext cx="10907852" cy="4191981"/>
+            <a:ext cx="10907852" cy="4457952"/>
           </a:xfrm>
           <a:prstGeom prst="rect">
             <a:avLst/>
@@ -8239,7 +9374,7 @@
               </a:lnSpc>
             </a:pPr>
             <a:r>
-              <a:rPr lang="en-US" altLang="zh-CN" sz="2000" dirty="0">
+              <a:rPr lang="en-US" altLang="zh-CN" sz="2400" dirty="0">
                 <a:solidFill>
                   <a:srgbClr val="000000"/>
                 </a:solidFill>
@@ -8257,7 +9392,7 @@
               </a:lnSpc>
             </a:pPr>
             <a:r>
-              <a:rPr lang="en-US" altLang="zh-CN" sz="2000" dirty="0">
+              <a:rPr lang="en-US" altLang="zh-CN" sz="2400" dirty="0">
                 <a:solidFill>
                   <a:srgbClr val="000000"/>
                 </a:solidFill>
@@ -8275,7 +9410,7 @@
               </a:lnSpc>
             </a:pPr>
             <a:r>
-              <a:rPr lang="en-US" altLang="zh-CN" sz="2000" dirty="0">
+              <a:rPr lang="en-US" altLang="zh-CN" sz="2400" dirty="0">
                 <a:solidFill>
                   <a:srgbClr val="000000"/>
                 </a:solidFill>
@@ -8285,6 +9420,14 @@
               </a:rPr>
               <a:t>National University of Defense Technology</a:t>
             </a:r>
+            <a:endParaRPr lang="en-US" altLang="zh-CN" sz="2000" dirty="0">
+              <a:solidFill>
+                <a:srgbClr val="000000"/>
+              </a:solidFill>
+              <a:latin typeface="Times New Roman" panose="02020603050405020304" pitchFamily="18" charset="0"/>
+              <a:ea typeface="微软雅黑" panose="020B0503020204020204" pitchFamily="34" charset="-122"/>
+              <a:cs typeface="Times New Roman" panose="02020603050405020304" pitchFamily="18" charset="0"/>
+            </a:endParaRPr>
           </a:p>
         </p:txBody>
       </p:sp>
@@ -8424,10 +9567,10 @@
                 <a:latin typeface="Arial Rounded MT Bold" pitchFamily="34" charset="0"/>
                 <a:cs typeface="Arial" charset="0"/>
               </a:rPr>
-              <a:t>7.</a:t>
-            </a:r>
-            <a:r>
-              <a:rPr lang="zh-CN" altLang="en-US" sz="2800" b="1" dirty="0">
+              <a:t>6. </a:t>
+            </a:r>
+            <a:r>
+              <a:rPr lang="en-US" altLang="zh-CN" sz="2800" b="1" dirty="0">
                 <a:ln w="11430"/>
                 <a:solidFill>
                   <a:srgbClr val="FFFF00"/>
@@ -8442,7 +9585,7 @@
                 <a:latin typeface="Arial Rounded MT Bold" pitchFamily="34" charset="0"/>
                 <a:cs typeface="Arial" charset="0"/>
               </a:rPr>
-              <a:t>针对姿态识别图卷积算法的软硬件加速设计</a:t>
+              <a:t>Architecture</a:t>
             </a:r>
             <a:endParaRPr lang="en-US" sz="2800" b="1" dirty="0">
               <a:ln w="11430"/>
@@ -8476,8 +9619,8 @@
         </p:nvSpPr>
         <p:spPr>
           <a:xfrm>
-            <a:off x="-169029" y="1204298"/>
-            <a:ext cx="10907852" cy="499624"/>
+            <a:off x="-527376" y="1080728"/>
+            <a:ext cx="12421885" cy="579967"/>
           </a:xfrm>
           <a:prstGeom prst="rect">
             <a:avLst/>
@@ -8495,16 +9638,2054 @@
               </a:lnSpc>
             </a:pPr>
             <a:r>
-              <a:rPr lang="zh-CN" altLang="en-US" sz="2000" dirty="0">
-                <a:latin typeface="微软雅黑" panose="020B0503020204020204" pitchFamily="34" charset="-122"/>
+              <a:rPr lang="en-US" altLang="zh-CN" sz="2400" dirty="0">
+                <a:latin typeface="Times New Roman" panose="02020603050405020304" pitchFamily="18" charset="0"/>
                 <a:ea typeface="微软雅黑" panose="020B0503020204020204" pitchFamily="34" charset="-122"/>
+                <a:cs typeface="Times New Roman" panose="02020603050405020304" pitchFamily="18" charset="0"/>
               </a:rPr>
-              <a:t>性能对比</a:t>
+              <a:t>Overall</a:t>
+            </a:r>
+            <a:r>
+              <a:rPr lang="en-US" altLang="zh-CN" sz="2000" dirty="0">
+                <a:latin typeface="Times New Roman" panose="02020603050405020304" pitchFamily="18" charset="0"/>
+                <a:ea typeface="微软雅黑" panose="020B0503020204020204" pitchFamily="34" charset="-122"/>
+                <a:cs typeface="Times New Roman" panose="02020603050405020304" pitchFamily="18" charset="0"/>
+              </a:rPr>
+              <a:t> </a:t>
+            </a:r>
+            <a:r>
+              <a:rPr lang="en-US" altLang="zh-CN" sz="2400" dirty="0">
+                <a:latin typeface="Times New Roman" panose="02020603050405020304" pitchFamily="18" charset="0"/>
+                <a:ea typeface="微软雅黑" panose="020B0503020204020204" pitchFamily="34" charset="-122"/>
+                <a:cs typeface="Times New Roman" panose="02020603050405020304" pitchFamily="18" charset="0"/>
+              </a:rPr>
+              <a:t>architecture: </a:t>
+            </a:r>
+            <a:r>
+              <a:rPr lang="en-US" altLang="zh-CN" sz="2400" dirty="0">
+                <a:solidFill>
+                  <a:srgbClr val="FF0000"/>
+                </a:solidFill>
+                <a:latin typeface="Times New Roman" panose="02020603050405020304" pitchFamily="18" charset="0"/>
+                <a:ea typeface="微软雅黑" panose="020B0503020204020204" pitchFamily="34" charset="-122"/>
+                <a:cs typeface="Times New Roman" panose="02020603050405020304" pitchFamily="18" charset="0"/>
+              </a:rPr>
+              <a:t>S</a:t>
+            </a:r>
+            <a:r>
+              <a:rPr lang="en-US" altLang="zh-CN" sz="2400" dirty="0">
+                <a:latin typeface="Times New Roman" panose="02020603050405020304" pitchFamily="18" charset="0"/>
+                <a:ea typeface="微软雅黑" panose="020B0503020204020204" pitchFamily="34" charset="-122"/>
+                <a:cs typeface="Times New Roman" panose="02020603050405020304" pitchFamily="18" charset="0"/>
+              </a:rPr>
+              <a:t>patial </a:t>
+            </a:r>
+            <a:r>
+              <a:rPr lang="en-US" altLang="zh-CN" sz="2400" dirty="0">
+                <a:solidFill>
+                  <a:srgbClr val="FF0000"/>
+                </a:solidFill>
+                <a:latin typeface="Times New Roman" panose="02020603050405020304" pitchFamily="18" charset="0"/>
+                <a:ea typeface="微软雅黑" panose="020B0503020204020204" pitchFamily="34" charset="-122"/>
+                <a:cs typeface="Times New Roman" panose="02020603050405020304" pitchFamily="18" charset="0"/>
+              </a:rPr>
+              <a:t>C</a:t>
+            </a:r>
+            <a:r>
+              <a:rPr lang="en-US" altLang="zh-CN" sz="2400" dirty="0">
+                <a:latin typeface="Times New Roman" panose="02020603050405020304" pitchFamily="18" charset="0"/>
+                <a:ea typeface="微软雅黑" panose="020B0503020204020204" pitchFamily="34" charset="-122"/>
+                <a:cs typeface="Times New Roman" panose="02020603050405020304" pitchFamily="18" charset="0"/>
+              </a:rPr>
+              <a:t>onv </a:t>
+            </a:r>
+            <a:r>
+              <a:rPr lang="en-US" altLang="zh-CN" sz="2400" dirty="0">
+                <a:solidFill>
+                  <a:srgbClr val="FF0000"/>
+                </a:solidFill>
+                <a:latin typeface="Times New Roman" panose="02020603050405020304" pitchFamily="18" charset="0"/>
+                <a:ea typeface="微软雅黑" panose="020B0503020204020204" pitchFamily="34" charset="-122"/>
+                <a:cs typeface="Times New Roman" panose="02020603050405020304" pitchFamily="18" charset="0"/>
+              </a:rPr>
+              <a:t>M</a:t>
+            </a:r>
+            <a:r>
+              <a:rPr lang="en-US" altLang="zh-CN" sz="2400" dirty="0">
+                <a:latin typeface="Times New Roman" panose="02020603050405020304" pitchFamily="18" charset="0"/>
+                <a:ea typeface="微软雅黑" panose="020B0503020204020204" pitchFamily="34" charset="-122"/>
+                <a:cs typeface="Times New Roman" panose="02020603050405020304" pitchFamily="18" charset="0"/>
+              </a:rPr>
+              <a:t>odule, </a:t>
+            </a:r>
+            <a:r>
+              <a:rPr lang="en-US" altLang="zh-CN" sz="2400" dirty="0">
+                <a:solidFill>
+                  <a:srgbClr val="0070C0"/>
+                </a:solidFill>
+                <a:latin typeface="Times New Roman" panose="02020603050405020304" pitchFamily="18" charset="0"/>
+                <a:ea typeface="微软雅黑" panose="020B0503020204020204" pitchFamily="34" charset="-122"/>
+                <a:cs typeface="Times New Roman" panose="02020603050405020304" pitchFamily="18" charset="0"/>
+              </a:rPr>
+              <a:t>T</a:t>
+            </a:r>
+            <a:r>
+              <a:rPr lang="en-US" altLang="zh-CN" sz="2400" dirty="0">
+                <a:latin typeface="Times New Roman" panose="02020603050405020304" pitchFamily="18" charset="0"/>
+                <a:ea typeface="微软雅黑" panose="020B0503020204020204" pitchFamily="34" charset="-122"/>
+                <a:cs typeface="Times New Roman" panose="02020603050405020304" pitchFamily="18" charset="0"/>
+              </a:rPr>
+              <a:t>emporal </a:t>
+            </a:r>
+            <a:r>
+              <a:rPr lang="en-US" altLang="zh-CN" sz="2400" dirty="0">
+                <a:solidFill>
+                  <a:srgbClr val="0070C0"/>
+                </a:solidFill>
+                <a:latin typeface="Times New Roman" panose="02020603050405020304" pitchFamily="18" charset="0"/>
+                <a:ea typeface="微软雅黑" panose="020B0503020204020204" pitchFamily="34" charset="-122"/>
+                <a:cs typeface="Times New Roman" panose="02020603050405020304" pitchFamily="18" charset="0"/>
+              </a:rPr>
+              <a:t>C</a:t>
+            </a:r>
+            <a:r>
+              <a:rPr lang="en-US" altLang="zh-CN" sz="2400" dirty="0">
+                <a:latin typeface="Times New Roman" panose="02020603050405020304" pitchFamily="18" charset="0"/>
+                <a:ea typeface="微软雅黑" panose="020B0503020204020204" pitchFamily="34" charset="-122"/>
+                <a:cs typeface="Times New Roman" panose="02020603050405020304" pitchFamily="18" charset="0"/>
+              </a:rPr>
+              <a:t>onv </a:t>
+            </a:r>
+            <a:r>
+              <a:rPr lang="en-US" altLang="zh-CN" sz="2400" dirty="0">
+                <a:solidFill>
+                  <a:srgbClr val="0070C0"/>
+                </a:solidFill>
+                <a:latin typeface="Times New Roman" panose="02020603050405020304" pitchFamily="18" charset="0"/>
+                <a:ea typeface="微软雅黑" panose="020B0503020204020204" pitchFamily="34" charset="-122"/>
+                <a:cs typeface="Times New Roman" panose="02020603050405020304" pitchFamily="18" charset="0"/>
+              </a:rPr>
+              <a:t>M</a:t>
+            </a:r>
+            <a:r>
+              <a:rPr lang="en-US" altLang="zh-CN" sz="2400" dirty="0">
+                <a:latin typeface="Times New Roman" panose="02020603050405020304" pitchFamily="18" charset="0"/>
+                <a:ea typeface="微软雅黑" panose="020B0503020204020204" pitchFamily="34" charset="-122"/>
+                <a:cs typeface="Times New Roman" panose="02020603050405020304" pitchFamily="18" charset="0"/>
+              </a:rPr>
+              <a:t>odule, </a:t>
+            </a:r>
+            <a:r>
+              <a:rPr lang="en-US" altLang="zh-CN" sz="2400" dirty="0">
+                <a:solidFill>
+                  <a:srgbClr val="00B050"/>
+                </a:solidFill>
+                <a:latin typeface="Times New Roman" panose="02020603050405020304" pitchFamily="18" charset="0"/>
+                <a:ea typeface="微软雅黑" panose="020B0503020204020204" pitchFamily="34" charset="-122"/>
+                <a:cs typeface="Times New Roman" panose="02020603050405020304" pitchFamily="18" charset="0"/>
+              </a:rPr>
+              <a:t>R</a:t>
+            </a:r>
+            <a:r>
+              <a:rPr lang="en-US" altLang="zh-CN" sz="2400" dirty="0">
+                <a:latin typeface="Times New Roman" panose="02020603050405020304" pitchFamily="18" charset="0"/>
+                <a:ea typeface="微软雅黑" panose="020B0503020204020204" pitchFamily="34" charset="-122"/>
+                <a:cs typeface="Times New Roman" panose="02020603050405020304" pitchFamily="18" charset="0"/>
+              </a:rPr>
+              <a:t>untime </a:t>
+            </a:r>
+            <a:r>
+              <a:rPr lang="en-US" altLang="zh-CN" sz="2400" dirty="0">
+                <a:solidFill>
+                  <a:srgbClr val="00B050"/>
+                </a:solidFill>
+                <a:latin typeface="Times New Roman" panose="02020603050405020304" pitchFamily="18" charset="0"/>
+                <a:ea typeface="微软雅黑" panose="020B0503020204020204" pitchFamily="34" charset="-122"/>
+                <a:cs typeface="Times New Roman" panose="02020603050405020304" pitchFamily="18" charset="0"/>
+              </a:rPr>
+              <a:t>F</a:t>
+            </a:r>
+            <a:r>
+              <a:rPr lang="en-US" altLang="zh-CN" sz="2400" dirty="0">
+                <a:latin typeface="Times New Roman" panose="02020603050405020304" pitchFamily="18" charset="0"/>
+                <a:ea typeface="微软雅黑" panose="020B0503020204020204" pitchFamily="34" charset="-122"/>
+                <a:cs typeface="Times New Roman" panose="02020603050405020304" pitchFamily="18" charset="0"/>
+              </a:rPr>
+              <a:t>eature </a:t>
+            </a:r>
+            <a:r>
+              <a:rPr lang="en-US" altLang="zh-CN" sz="2400" dirty="0">
+                <a:solidFill>
+                  <a:srgbClr val="00B050"/>
+                </a:solidFill>
+                <a:latin typeface="Times New Roman" panose="02020603050405020304" pitchFamily="18" charset="0"/>
+                <a:ea typeface="微软雅黑" panose="020B0503020204020204" pitchFamily="34" charset="-122"/>
+                <a:cs typeface="Times New Roman" panose="02020603050405020304" pitchFamily="18" charset="0"/>
+              </a:rPr>
+              <a:t>C</a:t>
+            </a:r>
+            <a:r>
+              <a:rPr lang="en-US" altLang="zh-CN" sz="2400" dirty="0">
+                <a:latin typeface="Times New Roman" panose="02020603050405020304" pitchFamily="18" charset="0"/>
+                <a:ea typeface="微软雅黑" panose="020B0503020204020204" pitchFamily="34" charset="-122"/>
+                <a:cs typeface="Times New Roman" panose="02020603050405020304" pitchFamily="18" charset="0"/>
+              </a:rPr>
+              <a:t>ompress</a:t>
             </a:r>
             <a:endParaRPr lang="en-US" altLang="zh-CN" sz="2000" dirty="0">
+              <a:latin typeface="Times New Roman" panose="02020603050405020304" pitchFamily="18" charset="0"/>
+              <a:ea typeface="微软雅黑" panose="020B0503020204020204" pitchFamily="34" charset="-122"/>
+              <a:cs typeface="Times New Roman" panose="02020603050405020304" pitchFamily="18" charset="0"/>
+            </a:endParaRPr>
+          </a:p>
+        </p:txBody>
+      </p:sp>
+      <p:pic>
+        <p:nvPicPr>
+          <p:cNvPr id="3" name="图片 2">
+            <a:extLst>
+              <a:ext uri="{FF2B5EF4-FFF2-40B4-BE49-F238E27FC236}">
+                <a16:creationId xmlns:a16="http://schemas.microsoft.com/office/drawing/2014/main" id="{7CA14EE3-7558-4AED-8C05-149DB3E7C62E}"/>
+              </a:ext>
+            </a:extLst>
+          </p:cNvPr>
+          <p:cNvPicPr>
+            <a:picLocks noChangeAspect="1"/>
+          </p:cNvPicPr>
+          <p:nvPr/>
+        </p:nvPicPr>
+        <p:blipFill>
+          <a:blip r:embed="rId3"/>
+          <a:stretch>
+            <a:fillRect/>
+          </a:stretch>
+        </p:blipFill>
+        <p:spPr>
+          <a:xfrm>
+            <a:off x="297490" y="1641230"/>
+            <a:ext cx="11859341" cy="4900369"/>
+          </a:xfrm>
+          <a:prstGeom prst="rect">
+            <a:avLst/>
+          </a:prstGeom>
+        </p:spPr>
+      </p:pic>
+    </p:spTree>
+    <p:extLst>
+      <p:ext uri="{BB962C8B-B14F-4D97-AF65-F5344CB8AC3E}">
+        <p14:creationId xmlns:p14="http://schemas.microsoft.com/office/powerpoint/2010/main" val="3418905996"/>
+      </p:ext>
+    </p:extLst>
+  </p:cSld>
+  <p:clrMapOvr>
+    <a:masterClrMapping/>
+  </p:clrMapOvr>
+  <p:timing>
+    <p:tnLst>
+      <p:par>
+        <p:cTn id="1" dur="indefinite" restart="never" nodeType="tmRoot">
+          <p:childTnLst>
+            <p:seq concurrent="1" nextAc="seek">
+              <p:cTn id="2" dur="indefinite" nodeType="mainSeq">
+                <p:childTnLst>
+                  <p:par>
+                    <p:cTn id="3" fill="hold">
+                      <p:stCondLst>
+                        <p:cond delay="indefinite"/>
+                      </p:stCondLst>
+                      <p:childTnLst>
+                        <p:par>
+                          <p:cTn id="4" fill="hold">
+                            <p:stCondLst>
+                              <p:cond delay="0"/>
+                            </p:stCondLst>
+                            <p:childTnLst>
+                              <p:par>
+                                <p:cTn id="5" presetID="42" presetClass="entr" presetSubtype="0" fill="hold" nodeType="clickEffect">
+                                  <p:stCondLst>
+                                    <p:cond delay="0"/>
+                                  </p:stCondLst>
+                                  <p:childTnLst>
+                                    <p:set>
+                                      <p:cBhvr>
+                                        <p:cTn id="6" dur="1" fill="hold">
+                                          <p:stCondLst>
+                                            <p:cond delay="0"/>
+                                          </p:stCondLst>
+                                        </p:cTn>
+                                        <p:tgtEl>
+                                          <p:spTgt spid="3"/>
+                                        </p:tgtEl>
+                                        <p:attrNameLst>
+                                          <p:attrName>style.visibility</p:attrName>
+                                        </p:attrNameLst>
+                                      </p:cBhvr>
+                                      <p:to>
+                                        <p:strVal val="visible"/>
+                                      </p:to>
+                                    </p:set>
+                                    <p:animEffect transition="in" filter="fade">
+                                      <p:cBhvr>
+                                        <p:cTn id="7" dur="1000"/>
+                                        <p:tgtEl>
+                                          <p:spTgt spid="3"/>
+                                        </p:tgtEl>
+                                      </p:cBhvr>
+                                    </p:animEffect>
+                                    <p:anim calcmode="lin" valueType="num">
+                                      <p:cBhvr>
+                                        <p:cTn id="8" dur="1000" fill="hold"/>
+                                        <p:tgtEl>
+                                          <p:spTgt spid="3"/>
+                                        </p:tgtEl>
+                                        <p:attrNameLst>
+                                          <p:attrName>ppt_x</p:attrName>
+                                        </p:attrNameLst>
+                                      </p:cBhvr>
+                                      <p:tavLst>
+                                        <p:tav tm="0">
+                                          <p:val>
+                                            <p:strVal val="#ppt_x"/>
+                                          </p:val>
+                                        </p:tav>
+                                        <p:tav tm="100000">
+                                          <p:val>
+                                            <p:strVal val="#ppt_x"/>
+                                          </p:val>
+                                        </p:tav>
+                                      </p:tavLst>
+                                    </p:anim>
+                                    <p:anim calcmode="lin" valueType="num">
+                                      <p:cBhvr>
+                                        <p:cTn id="9" dur="1000" fill="hold"/>
+                                        <p:tgtEl>
+                                          <p:spTgt spid="3"/>
+                                        </p:tgtEl>
+                                        <p:attrNameLst>
+                                          <p:attrName>ppt_y</p:attrName>
+                                        </p:attrNameLst>
+                                      </p:cBhvr>
+                                      <p:tavLst>
+                                        <p:tav tm="0">
+                                          <p:val>
+                                            <p:strVal val="#ppt_y+.1"/>
+                                          </p:val>
+                                        </p:tav>
+                                        <p:tav tm="100000">
+                                          <p:val>
+                                            <p:strVal val="#ppt_y"/>
+                                          </p:val>
+                                        </p:tav>
+                                      </p:tavLst>
+                                    </p:anim>
+                                  </p:childTnLst>
+                                </p:cTn>
+                              </p:par>
+                            </p:childTnLst>
+                          </p:cTn>
+                        </p:par>
+                      </p:childTnLst>
+                    </p:cTn>
+                  </p:par>
+                </p:childTnLst>
+              </p:cTn>
+              <p:prevCondLst>
+                <p:cond evt="onPrev" delay="0">
+                  <p:tgtEl>
+                    <p:sldTgt/>
+                  </p:tgtEl>
+                </p:cond>
+              </p:prevCondLst>
+              <p:nextCondLst>
+                <p:cond evt="onNext" delay="0">
+                  <p:tgtEl>
+                    <p:sldTgt/>
+                  </p:tgtEl>
+                </p:cond>
+              </p:nextCondLst>
+            </p:seq>
+          </p:childTnLst>
+        </p:cTn>
+      </p:par>
+    </p:tnLst>
+  </p:timing>
+</p:sld>
+</file>
+
+<file path=ppt/slides/slide11.xml><?xml version="1.0" encoding="utf-8"?>
+<p:sld xmlns:a="http://schemas.openxmlformats.org/drawingml/2006/main" xmlns:r="http://schemas.openxmlformats.org/officeDocument/2006/relationships" xmlns:p="http://schemas.openxmlformats.org/presentationml/2006/main">
+  <p:cSld>
+    <p:spTree>
+      <p:nvGrpSpPr>
+        <p:cNvPr id="1" name=""/>
+        <p:cNvGrpSpPr/>
+        <p:nvPr/>
+      </p:nvGrpSpPr>
+      <p:grpSpPr>
+        <a:xfrm>
+          <a:off x="0" y="0"/>
+          <a:ext cx="0" cy="0"/>
+          <a:chOff x="0" y="0"/>
+          <a:chExt cx="0" cy="0"/>
+        </a:xfrm>
+      </p:grpSpPr>
+      <p:sp>
+        <p:nvSpPr>
+          <p:cNvPr id="166" name="object 2">
+            <a:extLst>
+              <a:ext uri="{FF2B5EF4-FFF2-40B4-BE49-F238E27FC236}">
+                <a16:creationId xmlns:a16="http://schemas.microsoft.com/office/drawing/2014/main" id="{DA3D3201-782B-49B5-87ED-679053B4483C}"/>
+              </a:ext>
+            </a:extLst>
+          </p:cNvPr>
+          <p:cNvSpPr txBox="1">
+            <a:spLocks noGrp="1"/>
+          </p:cNvSpPr>
+          <p:nvPr>
+            <p:ph type="title"/>
+          </p:nvPr>
+        </p:nvSpPr>
+        <p:spPr>
+          <a:xfrm>
+            <a:off x="377048" y="363293"/>
+            <a:ext cx="11110443" cy="505405"/>
+          </a:xfrm>
+        </p:spPr>
+        <p:txBody>
+          <a:bodyPr>
+            <a:noAutofit/>
+          </a:bodyPr>
+          <a:lstStyle/>
+          <a:p>
+            <a:pPr algn="ctr" defTabSz="1095167"/>
+            <a:r>
+              <a:rPr lang="en-US" altLang="zh-CN" sz="2800" b="1" dirty="0">
+                <a:ln w="11430"/>
+                <a:solidFill>
+                  <a:srgbClr val="FFFF00"/>
+                </a:solidFill>
+                <a:effectLst>
+                  <a:outerShdw blurRad="50800" dist="39000" dir="5460000" algn="tl">
+                    <a:srgbClr val="000000">
+                      <a:alpha val="38000"/>
+                    </a:srgbClr>
+                  </a:outerShdw>
+                </a:effectLst>
+                <a:latin typeface="Arial Rounded MT Bold" pitchFamily="34" charset="0"/>
+                <a:cs typeface="Arial" charset="0"/>
+              </a:rPr>
+              <a:t>6. Architecture</a:t>
+            </a:r>
+            <a:endParaRPr lang="en-US" sz="2800" b="1" dirty="0">
+              <a:ln w="11430"/>
+              <a:solidFill>
+                <a:srgbClr val="FFFF00"/>
+              </a:solidFill>
+              <a:effectLst>
+                <a:outerShdw blurRad="50800" dist="39000" dir="5460000" algn="tl">
+                  <a:srgbClr val="000000">
+                    <a:alpha val="38000"/>
+                  </a:srgbClr>
+                </a:outerShdw>
+              </a:effectLst>
+              <a:latin typeface="Arial Rounded MT Bold" pitchFamily="34" charset="0"/>
+              <a:cs typeface="Arial" charset="0"/>
+            </a:endParaRPr>
+          </a:p>
+        </p:txBody>
+      </p:sp>
+      <p:pic>
+        <p:nvPicPr>
+          <p:cNvPr id="4" name="图片 3">
+            <a:extLst>
+              <a:ext uri="{FF2B5EF4-FFF2-40B4-BE49-F238E27FC236}">
+                <a16:creationId xmlns:a16="http://schemas.microsoft.com/office/drawing/2014/main" id="{31AC39FC-251E-4204-9620-8767664301D8}"/>
+              </a:ext>
+            </a:extLst>
+          </p:cNvPr>
+          <p:cNvPicPr>
+            <a:picLocks noChangeAspect="1"/>
+          </p:cNvPicPr>
+          <p:nvPr/>
+        </p:nvPicPr>
+        <p:blipFill>
+          <a:blip r:embed="rId3"/>
+          <a:stretch>
+            <a:fillRect/>
+          </a:stretch>
+        </p:blipFill>
+        <p:spPr>
+          <a:xfrm>
+            <a:off x="1151809" y="1660695"/>
+            <a:ext cx="9063514" cy="4473254"/>
+          </a:xfrm>
+          <a:prstGeom prst="rect">
+            <a:avLst/>
+          </a:prstGeom>
+        </p:spPr>
+      </p:pic>
+      <p:sp>
+        <p:nvSpPr>
+          <p:cNvPr id="10" name="矩形 9">
+            <a:extLst>
+              <a:ext uri="{FF2B5EF4-FFF2-40B4-BE49-F238E27FC236}">
+                <a16:creationId xmlns:a16="http://schemas.microsoft.com/office/drawing/2014/main" id="{FCF592FF-5B67-496B-972F-1B94AC61AD58}"/>
+              </a:ext>
+            </a:extLst>
+          </p:cNvPr>
+          <p:cNvSpPr/>
+          <p:nvPr/>
+        </p:nvSpPr>
+        <p:spPr>
+          <a:xfrm>
+            <a:off x="-193741" y="1216655"/>
+            <a:ext cx="12421885" cy="579967"/>
+          </a:xfrm>
+          <a:prstGeom prst="rect">
+            <a:avLst/>
+          </a:prstGeom>
+        </p:spPr>
+        <p:txBody>
+          <a:bodyPr wrap="square">
+            <a:spAutoFit/>
+          </a:bodyPr>
+          <a:lstStyle/>
+          <a:p>
+            <a:pPr lvl="1">
+              <a:lnSpc>
+                <a:spcPct val="150000"/>
+              </a:lnSpc>
+            </a:pPr>
+            <a:r>
+              <a:rPr lang="en-US" altLang="zh-CN" sz="2400" dirty="0">
+                <a:solidFill>
+                  <a:srgbClr val="FF0000"/>
+                </a:solidFill>
+                <a:latin typeface="Times New Roman" panose="02020603050405020304" pitchFamily="18" charset="0"/>
+                <a:ea typeface="微软雅黑" panose="020B0503020204020204" pitchFamily="34" charset="-122"/>
+                <a:cs typeface="Times New Roman" panose="02020603050405020304" pitchFamily="18" charset="0"/>
+              </a:rPr>
+              <a:t>S</a:t>
+            </a:r>
+            <a:r>
+              <a:rPr lang="en-US" altLang="zh-CN" sz="2400" dirty="0">
+                <a:latin typeface="Times New Roman" panose="02020603050405020304" pitchFamily="18" charset="0"/>
+                <a:ea typeface="微软雅黑" panose="020B0503020204020204" pitchFamily="34" charset="-122"/>
+                <a:cs typeface="Times New Roman" panose="02020603050405020304" pitchFamily="18" charset="0"/>
+              </a:rPr>
+              <a:t>patial </a:t>
+            </a:r>
+            <a:r>
+              <a:rPr lang="en-US" altLang="zh-CN" sz="2400" dirty="0">
+                <a:solidFill>
+                  <a:srgbClr val="FF0000"/>
+                </a:solidFill>
+                <a:latin typeface="Times New Roman" panose="02020603050405020304" pitchFamily="18" charset="0"/>
+                <a:ea typeface="微软雅黑" panose="020B0503020204020204" pitchFamily="34" charset="-122"/>
+                <a:cs typeface="Times New Roman" panose="02020603050405020304" pitchFamily="18" charset="0"/>
+              </a:rPr>
+              <a:t>C</a:t>
+            </a:r>
+            <a:r>
+              <a:rPr lang="en-US" altLang="zh-CN" sz="2400" dirty="0">
+                <a:latin typeface="Times New Roman" panose="02020603050405020304" pitchFamily="18" charset="0"/>
+                <a:ea typeface="微软雅黑" panose="020B0503020204020204" pitchFamily="34" charset="-122"/>
+                <a:cs typeface="Times New Roman" panose="02020603050405020304" pitchFamily="18" charset="0"/>
+              </a:rPr>
+              <a:t>onv </a:t>
+            </a:r>
+            <a:r>
+              <a:rPr lang="en-US" altLang="zh-CN" sz="2400" dirty="0">
+                <a:solidFill>
+                  <a:srgbClr val="FF0000"/>
+                </a:solidFill>
+                <a:latin typeface="Times New Roman" panose="02020603050405020304" pitchFamily="18" charset="0"/>
+                <a:ea typeface="微软雅黑" panose="020B0503020204020204" pitchFamily="34" charset="-122"/>
+                <a:cs typeface="Times New Roman" panose="02020603050405020304" pitchFamily="18" charset="0"/>
+              </a:rPr>
+              <a:t>M</a:t>
+            </a:r>
+            <a:r>
+              <a:rPr lang="en-US" altLang="zh-CN" sz="2400" dirty="0">
+                <a:latin typeface="Times New Roman" panose="02020603050405020304" pitchFamily="18" charset="0"/>
+                <a:ea typeface="微软雅黑" panose="020B0503020204020204" pitchFamily="34" charset="-122"/>
+                <a:cs typeface="Times New Roman" panose="02020603050405020304" pitchFamily="18" charset="0"/>
+              </a:rPr>
+              <a:t>odule</a:t>
+            </a:r>
+            <a:endParaRPr lang="en-US" altLang="zh-CN" sz="2000" dirty="0">
+              <a:latin typeface="Times New Roman" panose="02020603050405020304" pitchFamily="18" charset="0"/>
+              <a:ea typeface="微软雅黑" panose="020B0503020204020204" pitchFamily="34" charset="-122"/>
+              <a:cs typeface="Times New Roman" panose="02020603050405020304" pitchFamily="18" charset="0"/>
+            </a:endParaRPr>
+          </a:p>
+        </p:txBody>
+      </p:sp>
+    </p:spTree>
+    <p:extLst>
+      <p:ext uri="{BB962C8B-B14F-4D97-AF65-F5344CB8AC3E}">
+        <p14:creationId xmlns:p14="http://schemas.microsoft.com/office/powerpoint/2010/main" val="92699865"/>
+      </p:ext>
+    </p:extLst>
+  </p:cSld>
+  <p:clrMapOvr>
+    <a:masterClrMapping/>
+  </p:clrMapOvr>
+  <p:timing>
+    <p:tnLst>
+      <p:par>
+        <p:cTn id="1" dur="indefinite" restart="never" nodeType="tmRoot">
+          <p:childTnLst>
+            <p:seq concurrent="1" nextAc="seek">
+              <p:cTn id="2" dur="indefinite" nodeType="mainSeq">
+                <p:childTnLst>
+                  <p:par>
+                    <p:cTn id="3" fill="hold">
+                      <p:stCondLst>
+                        <p:cond delay="indefinite"/>
+                      </p:stCondLst>
+                      <p:childTnLst>
+                        <p:par>
+                          <p:cTn id="4" fill="hold">
+                            <p:stCondLst>
+                              <p:cond delay="0"/>
+                            </p:stCondLst>
+                            <p:childTnLst>
+                              <p:par>
+                                <p:cTn id="5" presetID="42" presetClass="entr" presetSubtype="0" fill="hold" nodeType="clickEffect">
+                                  <p:stCondLst>
+                                    <p:cond delay="0"/>
+                                  </p:stCondLst>
+                                  <p:childTnLst>
+                                    <p:set>
+                                      <p:cBhvr>
+                                        <p:cTn id="6" dur="1" fill="hold">
+                                          <p:stCondLst>
+                                            <p:cond delay="0"/>
+                                          </p:stCondLst>
+                                        </p:cTn>
+                                        <p:tgtEl>
+                                          <p:spTgt spid="4"/>
+                                        </p:tgtEl>
+                                        <p:attrNameLst>
+                                          <p:attrName>style.visibility</p:attrName>
+                                        </p:attrNameLst>
+                                      </p:cBhvr>
+                                      <p:to>
+                                        <p:strVal val="visible"/>
+                                      </p:to>
+                                    </p:set>
+                                    <p:animEffect transition="in" filter="fade">
+                                      <p:cBhvr>
+                                        <p:cTn id="7" dur="1000"/>
+                                        <p:tgtEl>
+                                          <p:spTgt spid="4"/>
+                                        </p:tgtEl>
+                                      </p:cBhvr>
+                                    </p:animEffect>
+                                    <p:anim calcmode="lin" valueType="num">
+                                      <p:cBhvr>
+                                        <p:cTn id="8" dur="1000" fill="hold"/>
+                                        <p:tgtEl>
+                                          <p:spTgt spid="4"/>
+                                        </p:tgtEl>
+                                        <p:attrNameLst>
+                                          <p:attrName>ppt_x</p:attrName>
+                                        </p:attrNameLst>
+                                      </p:cBhvr>
+                                      <p:tavLst>
+                                        <p:tav tm="0">
+                                          <p:val>
+                                            <p:strVal val="#ppt_x"/>
+                                          </p:val>
+                                        </p:tav>
+                                        <p:tav tm="100000">
+                                          <p:val>
+                                            <p:strVal val="#ppt_x"/>
+                                          </p:val>
+                                        </p:tav>
+                                      </p:tavLst>
+                                    </p:anim>
+                                    <p:anim calcmode="lin" valueType="num">
+                                      <p:cBhvr>
+                                        <p:cTn id="9" dur="1000" fill="hold"/>
+                                        <p:tgtEl>
+                                          <p:spTgt spid="4"/>
+                                        </p:tgtEl>
+                                        <p:attrNameLst>
+                                          <p:attrName>ppt_y</p:attrName>
+                                        </p:attrNameLst>
+                                      </p:cBhvr>
+                                      <p:tavLst>
+                                        <p:tav tm="0">
+                                          <p:val>
+                                            <p:strVal val="#ppt_y+.1"/>
+                                          </p:val>
+                                        </p:tav>
+                                        <p:tav tm="100000">
+                                          <p:val>
+                                            <p:strVal val="#ppt_y"/>
+                                          </p:val>
+                                        </p:tav>
+                                      </p:tavLst>
+                                    </p:anim>
+                                  </p:childTnLst>
+                                </p:cTn>
+                              </p:par>
+                            </p:childTnLst>
+                          </p:cTn>
+                        </p:par>
+                      </p:childTnLst>
+                    </p:cTn>
+                  </p:par>
+                </p:childTnLst>
+              </p:cTn>
+              <p:prevCondLst>
+                <p:cond evt="onPrev" delay="0">
+                  <p:tgtEl>
+                    <p:sldTgt/>
+                  </p:tgtEl>
+                </p:cond>
+              </p:prevCondLst>
+              <p:nextCondLst>
+                <p:cond evt="onNext" delay="0">
+                  <p:tgtEl>
+                    <p:sldTgt/>
+                  </p:tgtEl>
+                </p:cond>
+              </p:nextCondLst>
+            </p:seq>
+          </p:childTnLst>
+        </p:cTn>
+      </p:par>
+    </p:tnLst>
+  </p:timing>
+</p:sld>
+</file>
+
+<file path=ppt/slides/slide12.xml><?xml version="1.0" encoding="utf-8"?>
+<p:sld xmlns:a="http://schemas.openxmlformats.org/drawingml/2006/main" xmlns:r="http://schemas.openxmlformats.org/officeDocument/2006/relationships" xmlns:p="http://schemas.openxmlformats.org/presentationml/2006/main">
+  <p:cSld>
+    <p:spTree>
+      <p:nvGrpSpPr>
+        <p:cNvPr id="1" name=""/>
+        <p:cNvGrpSpPr/>
+        <p:nvPr/>
+      </p:nvGrpSpPr>
+      <p:grpSpPr>
+        <a:xfrm>
+          <a:off x="0" y="0"/>
+          <a:ext cx="0" cy="0"/>
+          <a:chOff x="0" y="0"/>
+          <a:chExt cx="0" cy="0"/>
+        </a:xfrm>
+      </p:grpSpPr>
+      <p:sp>
+        <p:nvSpPr>
+          <p:cNvPr id="166" name="object 2">
+            <a:extLst>
+              <a:ext uri="{FF2B5EF4-FFF2-40B4-BE49-F238E27FC236}">
+                <a16:creationId xmlns:a16="http://schemas.microsoft.com/office/drawing/2014/main" id="{DA3D3201-782B-49B5-87ED-679053B4483C}"/>
+              </a:ext>
+            </a:extLst>
+          </p:cNvPr>
+          <p:cNvSpPr txBox="1">
+            <a:spLocks noGrp="1"/>
+          </p:cNvSpPr>
+          <p:nvPr>
+            <p:ph type="title"/>
+          </p:nvPr>
+        </p:nvSpPr>
+        <p:spPr>
+          <a:xfrm>
+            <a:off x="377048" y="363293"/>
+            <a:ext cx="11110443" cy="505405"/>
+          </a:xfrm>
+        </p:spPr>
+        <p:txBody>
+          <a:bodyPr>
+            <a:noAutofit/>
+          </a:bodyPr>
+          <a:lstStyle/>
+          <a:p>
+            <a:pPr algn="ctr" defTabSz="1095167"/>
+            <a:r>
+              <a:rPr lang="en-US" altLang="zh-CN" sz="2800" b="1" dirty="0">
+                <a:ln w="11430"/>
+                <a:solidFill>
+                  <a:srgbClr val="FFFF00"/>
+                </a:solidFill>
+                <a:effectLst>
+                  <a:outerShdw blurRad="50800" dist="39000" dir="5460000" algn="tl">
+                    <a:srgbClr val="000000">
+                      <a:alpha val="38000"/>
+                    </a:srgbClr>
+                  </a:outerShdw>
+                </a:effectLst>
+                <a:latin typeface="Arial Rounded MT Bold" pitchFamily="34" charset="0"/>
+                <a:cs typeface="Arial" charset="0"/>
+              </a:rPr>
+              <a:t>6. Architecture</a:t>
+            </a:r>
+            <a:endParaRPr lang="en-US" sz="2800" b="1" dirty="0">
+              <a:ln w="11430"/>
+              <a:solidFill>
+                <a:srgbClr val="FFFF00"/>
+              </a:solidFill>
+              <a:effectLst>
+                <a:outerShdw blurRad="50800" dist="39000" dir="5460000" algn="tl">
+                  <a:srgbClr val="000000">
+                    <a:alpha val="38000"/>
+                  </a:srgbClr>
+                </a:outerShdw>
+              </a:effectLst>
+              <a:latin typeface="Arial Rounded MT Bold" pitchFamily="34" charset="0"/>
+              <a:cs typeface="Arial" charset="0"/>
+            </a:endParaRPr>
+          </a:p>
+        </p:txBody>
+      </p:sp>
+      <p:sp>
+        <p:nvSpPr>
+          <p:cNvPr id="14" name="矩形 13">
+            <a:extLst>
+              <a:ext uri="{FF2B5EF4-FFF2-40B4-BE49-F238E27FC236}">
+                <a16:creationId xmlns:a16="http://schemas.microsoft.com/office/drawing/2014/main" id="{C46C3BD4-468F-4BC4-9BFD-95DD405D8924}"/>
+              </a:ext>
+            </a:extLst>
+          </p:cNvPr>
+          <p:cNvSpPr/>
+          <p:nvPr/>
+        </p:nvSpPr>
+        <p:spPr>
+          <a:xfrm>
+            <a:off x="-169029" y="1204298"/>
+            <a:ext cx="10907852" cy="580865"/>
+          </a:xfrm>
+          <a:prstGeom prst="rect">
+            <a:avLst/>
+          </a:prstGeom>
+        </p:spPr>
+        <p:txBody>
+          <a:bodyPr wrap="square">
+            <a:spAutoFit/>
+          </a:bodyPr>
+          <a:lstStyle/>
+          <a:p>
+            <a:pPr lvl="1">
+              <a:lnSpc>
+                <a:spcPct val="150000"/>
+              </a:lnSpc>
+            </a:pPr>
+            <a:r>
+              <a:rPr lang="en-US" altLang="zh-CN" sz="2400" dirty="0">
+                <a:solidFill>
+                  <a:srgbClr val="0070C0"/>
+                </a:solidFill>
+                <a:latin typeface="Times New Roman" panose="02020603050405020304" pitchFamily="18" charset="0"/>
+                <a:ea typeface="微软雅黑" panose="020B0503020204020204" pitchFamily="34" charset="-122"/>
+                <a:cs typeface="Times New Roman" panose="02020603050405020304" pitchFamily="18" charset="0"/>
+              </a:rPr>
+              <a:t>T</a:t>
+            </a:r>
+            <a:r>
+              <a:rPr lang="en-US" altLang="zh-CN" sz="2400" dirty="0">
+                <a:latin typeface="Times New Roman" panose="02020603050405020304" pitchFamily="18" charset="0"/>
+                <a:ea typeface="微软雅黑" panose="020B0503020204020204" pitchFamily="34" charset="-122"/>
+                <a:cs typeface="Times New Roman" panose="02020603050405020304" pitchFamily="18" charset="0"/>
+              </a:rPr>
+              <a:t>emporal </a:t>
+            </a:r>
+            <a:r>
+              <a:rPr lang="en-US" altLang="zh-CN" sz="2400" dirty="0">
+                <a:solidFill>
+                  <a:srgbClr val="0070C0"/>
+                </a:solidFill>
+                <a:latin typeface="Times New Roman" panose="02020603050405020304" pitchFamily="18" charset="0"/>
+                <a:ea typeface="微软雅黑" panose="020B0503020204020204" pitchFamily="34" charset="-122"/>
+                <a:cs typeface="Times New Roman" panose="02020603050405020304" pitchFamily="18" charset="0"/>
+              </a:rPr>
+              <a:t>C</a:t>
+            </a:r>
+            <a:r>
+              <a:rPr lang="en-US" altLang="zh-CN" sz="2400" dirty="0">
+                <a:latin typeface="Times New Roman" panose="02020603050405020304" pitchFamily="18" charset="0"/>
+                <a:ea typeface="微软雅黑" panose="020B0503020204020204" pitchFamily="34" charset="-122"/>
+                <a:cs typeface="Times New Roman" panose="02020603050405020304" pitchFamily="18" charset="0"/>
+              </a:rPr>
+              <a:t>onv </a:t>
+            </a:r>
+            <a:r>
+              <a:rPr lang="en-US" altLang="zh-CN" sz="2400" dirty="0">
+                <a:solidFill>
+                  <a:srgbClr val="0070C0"/>
+                </a:solidFill>
+                <a:latin typeface="Times New Roman" panose="02020603050405020304" pitchFamily="18" charset="0"/>
+                <a:ea typeface="微软雅黑" panose="020B0503020204020204" pitchFamily="34" charset="-122"/>
+                <a:cs typeface="Times New Roman" panose="02020603050405020304" pitchFamily="18" charset="0"/>
+              </a:rPr>
+              <a:t>M</a:t>
+            </a:r>
+            <a:r>
+              <a:rPr lang="en-US" altLang="zh-CN" sz="2400" dirty="0">
+                <a:latin typeface="Times New Roman" panose="02020603050405020304" pitchFamily="18" charset="0"/>
+                <a:ea typeface="微软雅黑" panose="020B0503020204020204" pitchFamily="34" charset="-122"/>
+                <a:cs typeface="Times New Roman" panose="02020603050405020304" pitchFamily="18" charset="0"/>
+              </a:rPr>
+              <a:t>odule</a:t>
+            </a:r>
+            <a:endParaRPr lang="en-US" altLang="zh-CN" sz="2400" dirty="0">
               <a:latin typeface="微软雅黑" panose="020B0503020204020204" pitchFamily="34" charset="-122"/>
               <a:ea typeface="微软雅黑" panose="020B0503020204020204" pitchFamily="34" charset="-122"/>
             </a:endParaRPr>
+          </a:p>
+        </p:txBody>
+      </p:sp>
+      <p:pic>
+        <p:nvPicPr>
+          <p:cNvPr id="6" name="图片 5">
+            <a:extLst>
+              <a:ext uri="{FF2B5EF4-FFF2-40B4-BE49-F238E27FC236}">
+                <a16:creationId xmlns:a16="http://schemas.microsoft.com/office/drawing/2014/main" id="{4FD56CBE-9554-42AA-B908-767374BE624B}"/>
+              </a:ext>
+            </a:extLst>
+          </p:cNvPr>
+          <p:cNvPicPr>
+            <a:picLocks noChangeAspect="1"/>
+          </p:cNvPicPr>
+          <p:nvPr/>
+        </p:nvPicPr>
+        <p:blipFill>
+          <a:blip r:embed="rId3"/>
+          <a:stretch>
+            <a:fillRect/>
+          </a:stretch>
+        </p:blipFill>
+        <p:spPr>
+          <a:xfrm>
+            <a:off x="938568" y="1785163"/>
+            <a:ext cx="10314863" cy="4383567"/>
+          </a:xfrm>
+          <a:prstGeom prst="rect">
+            <a:avLst/>
+          </a:prstGeom>
+        </p:spPr>
+      </p:pic>
+      <p:pic>
+        <p:nvPicPr>
+          <p:cNvPr id="8" name="图片 7">
+            <a:extLst>
+              <a:ext uri="{FF2B5EF4-FFF2-40B4-BE49-F238E27FC236}">
+                <a16:creationId xmlns:a16="http://schemas.microsoft.com/office/drawing/2014/main" id="{A8D87057-7C73-4EC7-B835-E954909D53C4}"/>
+              </a:ext>
+            </a:extLst>
+          </p:cNvPr>
+          <p:cNvPicPr>
+            <a:picLocks noChangeAspect="1"/>
+          </p:cNvPicPr>
+          <p:nvPr/>
+        </p:nvPicPr>
+        <p:blipFill>
+          <a:blip r:embed="rId4"/>
+          <a:stretch>
+            <a:fillRect/>
+          </a:stretch>
+        </p:blipFill>
+        <p:spPr>
+          <a:xfrm>
+            <a:off x="1729850" y="2701628"/>
+            <a:ext cx="8109599" cy="2632552"/>
+          </a:xfrm>
+          <a:prstGeom prst="rect">
+            <a:avLst/>
+          </a:prstGeom>
+        </p:spPr>
+      </p:pic>
+    </p:spTree>
+    <p:extLst>
+      <p:ext uri="{BB962C8B-B14F-4D97-AF65-F5344CB8AC3E}">
+        <p14:creationId xmlns:p14="http://schemas.microsoft.com/office/powerpoint/2010/main" val="4071853763"/>
+      </p:ext>
+    </p:extLst>
+  </p:cSld>
+  <p:clrMapOvr>
+    <a:masterClrMapping/>
+  </p:clrMapOvr>
+  <p:timing>
+    <p:tnLst>
+      <p:par>
+        <p:cTn id="1" dur="indefinite" restart="never" nodeType="tmRoot">
+          <p:childTnLst>
+            <p:seq concurrent="1" nextAc="seek">
+              <p:cTn id="2" dur="indefinite" nodeType="mainSeq">
+                <p:childTnLst>
+                  <p:par>
+                    <p:cTn id="3" fill="hold">
+                      <p:stCondLst>
+                        <p:cond delay="indefinite"/>
+                      </p:stCondLst>
+                      <p:childTnLst>
+                        <p:par>
+                          <p:cTn id="4" fill="hold">
+                            <p:stCondLst>
+                              <p:cond delay="0"/>
+                            </p:stCondLst>
+                            <p:childTnLst>
+                              <p:par>
+                                <p:cTn id="5" presetID="42" presetClass="entr" presetSubtype="0" fill="hold" nodeType="clickEffect">
+                                  <p:stCondLst>
+                                    <p:cond delay="0"/>
+                                  </p:stCondLst>
+                                  <p:childTnLst>
+                                    <p:set>
+                                      <p:cBhvr>
+                                        <p:cTn id="6" dur="1" fill="hold">
+                                          <p:stCondLst>
+                                            <p:cond delay="0"/>
+                                          </p:stCondLst>
+                                        </p:cTn>
+                                        <p:tgtEl>
+                                          <p:spTgt spid="6"/>
+                                        </p:tgtEl>
+                                        <p:attrNameLst>
+                                          <p:attrName>style.visibility</p:attrName>
+                                        </p:attrNameLst>
+                                      </p:cBhvr>
+                                      <p:to>
+                                        <p:strVal val="visible"/>
+                                      </p:to>
+                                    </p:set>
+                                    <p:animEffect transition="in" filter="fade">
+                                      <p:cBhvr>
+                                        <p:cTn id="7" dur="1000"/>
+                                        <p:tgtEl>
+                                          <p:spTgt spid="6"/>
+                                        </p:tgtEl>
+                                      </p:cBhvr>
+                                    </p:animEffect>
+                                    <p:anim calcmode="lin" valueType="num">
+                                      <p:cBhvr>
+                                        <p:cTn id="8" dur="1000" fill="hold"/>
+                                        <p:tgtEl>
+                                          <p:spTgt spid="6"/>
+                                        </p:tgtEl>
+                                        <p:attrNameLst>
+                                          <p:attrName>ppt_x</p:attrName>
+                                        </p:attrNameLst>
+                                      </p:cBhvr>
+                                      <p:tavLst>
+                                        <p:tav tm="0">
+                                          <p:val>
+                                            <p:strVal val="#ppt_x"/>
+                                          </p:val>
+                                        </p:tav>
+                                        <p:tav tm="100000">
+                                          <p:val>
+                                            <p:strVal val="#ppt_x"/>
+                                          </p:val>
+                                        </p:tav>
+                                      </p:tavLst>
+                                    </p:anim>
+                                    <p:anim calcmode="lin" valueType="num">
+                                      <p:cBhvr>
+                                        <p:cTn id="9" dur="1000" fill="hold"/>
+                                        <p:tgtEl>
+                                          <p:spTgt spid="6"/>
+                                        </p:tgtEl>
+                                        <p:attrNameLst>
+                                          <p:attrName>ppt_y</p:attrName>
+                                        </p:attrNameLst>
+                                      </p:cBhvr>
+                                      <p:tavLst>
+                                        <p:tav tm="0">
+                                          <p:val>
+                                            <p:strVal val="#ppt_y+.1"/>
+                                          </p:val>
+                                        </p:tav>
+                                        <p:tav tm="100000">
+                                          <p:val>
+                                            <p:strVal val="#ppt_y"/>
+                                          </p:val>
+                                        </p:tav>
+                                      </p:tavLst>
+                                    </p:anim>
+                                  </p:childTnLst>
+                                </p:cTn>
+                              </p:par>
+                            </p:childTnLst>
+                          </p:cTn>
+                        </p:par>
+                      </p:childTnLst>
+                    </p:cTn>
+                  </p:par>
+                  <p:par>
+                    <p:cTn id="10" fill="hold">
+                      <p:stCondLst>
+                        <p:cond delay="indefinite"/>
+                      </p:stCondLst>
+                      <p:childTnLst>
+                        <p:par>
+                          <p:cTn id="11" fill="hold">
+                            <p:stCondLst>
+                              <p:cond delay="0"/>
+                            </p:stCondLst>
+                            <p:childTnLst>
+                              <p:par>
+                                <p:cTn id="12" presetID="22" presetClass="entr" presetSubtype="4" fill="hold" nodeType="clickEffect">
+                                  <p:stCondLst>
+                                    <p:cond delay="0"/>
+                                  </p:stCondLst>
+                                  <p:childTnLst>
+                                    <p:set>
+                                      <p:cBhvr>
+                                        <p:cTn id="13" dur="1" fill="hold">
+                                          <p:stCondLst>
+                                            <p:cond delay="0"/>
+                                          </p:stCondLst>
+                                        </p:cTn>
+                                        <p:tgtEl>
+                                          <p:spTgt spid="8"/>
+                                        </p:tgtEl>
+                                        <p:attrNameLst>
+                                          <p:attrName>style.visibility</p:attrName>
+                                        </p:attrNameLst>
+                                      </p:cBhvr>
+                                      <p:to>
+                                        <p:strVal val="visible"/>
+                                      </p:to>
+                                    </p:set>
+                                    <p:animEffect transition="in" filter="wipe(down)">
+                                      <p:cBhvr>
+                                        <p:cTn id="14" dur="500"/>
+                                        <p:tgtEl>
+                                          <p:spTgt spid="8"/>
+                                        </p:tgtEl>
+                                      </p:cBhvr>
+                                    </p:animEffect>
+                                  </p:childTnLst>
+                                </p:cTn>
+                              </p:par>
+                            </p:childTnLst>
+                          </p:cTn>
+                        </p:par>
+                      </p:childTnLst>
+                    </p:cTn>
+                  </p:par>
+                </p:childTnLst>
+              </p:cTn>
+              <p:prevCondLst>
+                <p:cond evt="onPrev" delay="0">
+                  <p:tgtEl>
+                    <p:sldTgt/>
+                  </p:tgtEl>
+                </p:cond>
+              </p:prevCondLst>
+              <p:nextCondLst>
+                <p:cond evt="onNext" delay="0">
+                  <p:tgtEl>
+                    <p:sldTgt/>
+                  </p:tgtEl>
+                </p:cond>
+              </p:nextCondLst>
+            </p:seq>
+          </p:childTnLst>
+        </p:cTn>
+      </p:par>
+    </p:tnLst>
+  </p:timing>
+</p:sld>
+</file>
+
+<file path=ppt/slides/slide13.xml><?xml version="1.0" encoding="utf-8"?>
+<p:sld xmlns:a="http://schemas.openxmlformats.org/drawingml/2006/main" xmlns:r="http://schemas.openxmlformats.org/officeDocument/2006/relationships" xmlns:p="http://schemas.openxmlformats.org/presentationml/2006/main">
+  <p:cSld>
+    <p:spTree>
+      <p:nvGrpSpPr>
+        <p:cNvPr id="1" name=""/>
+        <p:cNvGrpSpPr/>
+        <p:nvPr/>
+      </p:nvGrpSpPr>
+      <p:grpSpPr>
+        <a:xfrm>
+          <a:off x="0" y="0"/>
+          <a:ext cx="0" cy="0"/>
+          <a:chOff x="0" y="0"/>
+          <a:chExt cx="0" cy="0"/>
+        </a:xfrm>
+      </p:grpSpPr>
+      <p:sp>
+        <p:nvSpPr>
+          <p:cNvPr id="166" name="object 2">
+            <a:extLst>
+              <a:ext uri="{FF2B5EF4-FFF2-40B4-BE49-F238E27FC236}">
+                <a16:creationId xmlns:a16="http://schemas.microsoft.com/office/drawing/2014/main" id="{DA3D3201-782B-49B5-87ED-679053B4483C}"/>
+              </a:ext>
+            </a:extLst>
+          </p:cNvPr>
+          <p:cNvSpPr txBox="1">
+            <a:spLocks noGrp="1"/>
+          </p:cNvSpPr>
+          <p:nvPr>
+            <p:ph type="title"/>
+          </p:nvPr>
+        </p:nvSpPr>
+        <p:spPr>
+          <a:xfrm>
+            <a:off x="377048" y="363293"/>
+            <a:ext cx="11110443" cy="505405"/>
+          </a:xfrm>
+        </p:spPr>
+        <p:txBody>
+          <a:bodyPr>
+            <a:noAutofit/>
+          </a:bodyPr>
+          <a:lstStyle/>
+          <a:p>
+            <a:pPr algn="ctr" defTabSz="1095167"/>
+            <a:r>
+              <a:rPr lang="en-US" altLang="zh-CN" sz="2800" b="1" dirty="0">
+                <a:ln w="11430"/>
+                <a:solidFill>
+                  <a:srgbClr val="FFFF00"/>
+                </a:solidFill>
+                <a:effectLst>
+                  <a:outerShdw blurRad="50800" dist="39000" dir="5460000" algn="tl">
+                    <a:srgbClr val="000000">
+                      <a:alpha val="38000"/>
+                    </a:srgbClr>
+                  </a:outerShdw>
+                </a:effectLst>
+                <a:latin typeface="Arial Rounded MT Bold" pitchFamily="34" charset="0"/>
+                <a:cs typeface="Arial" charset="0"/>
+              </a:rPr>
+              <a:t>6. Architecture</a:t>
+            </a:r>
+            <a:endParaRPr lang="en-US" sz="2800" b="1" dirty="0">
+              <a:ln w="11430"/>
+              <a:solidFill>
+                <a:srgbClr val="FFFF00"/>
+              </a:solidFill>
+              <a:effectLst>
+                <a:outerShdw blurRad="50800" dist="39000" dir="5460000" algn="tl">
+                  <a:srgbClr val="000000">
+                    <a:alpha val="38000"/>
+                  </a:srgbClr>
+                </a:outerShdw>
+              </a:effectLst>
+              <a:latin typeface="Arial Rounded MT Bold" pitchFamily="34" charset="0"/>
+              <a:cs typeface="Arial" charset="0"/>
+            </a:endParaRPr>
+          </a:p>
+        </p:txBody>
+      </p:sp>
+      <p:sp>
+        <p:nvSpPr>
+          <p:cNvPr id="14" name="矩形 13">
+            <a:extLst>
+              <a:ext uri="{FF2B5EF4-FFF2-40B4-BE49-F238E27FC236}">
+                <a16:creationId xmlns:a16="http://schemas.microsoft.com/office/drawing/2014/main" id="{C46C3BD4-468F-4BC4-9BFD-95DD405D8924}"/>
+              </a:ext>
+            </a:extLst>
+          </p:cNvPr>
+          <p:cNvSpPr/>
+          <p:nvPr/>
+        </p:nvSpPr>
+        <p:spPr>
+          <a:xfrm>
+            <a:off x="-169029" y="1179584"/>
+            <a:ext cx="10907852" cy="580865"/>
+          </a:xfrm>
+          <a:prstGeom prst="rect">
+            <a:avLst/>
+          </a:prstGeom>
+        </p:spPr>
+        <p:txBody>
+          <a:bodyPr wrap="square">
+            <a:spAutoFit/>
+          </a:bodyPr>
+          <a:lstStyle/>
+          <a:p>
+            <a:pPr lvl="1">
+              <a:lnSpc>
+                <a:spcPct val="150000"/>
+              </a:lnSpc>
+            </a:pPr>
+            <a:r>
+              <a:rPr lang="en-US" altLang="zh-CN" sz="2400" dirty="0">
+                <a:latin typeface="Times New Roman" panose="02020603050405020304" pitchFamily="18" charset="0"/>
+                <a:ea typeface="微软雅黑" panose="020B0503020204020204" pitchFamily="34" charset="-122"/>
+                <a:cs typeface="Times New Roman" panose="02020603050405020304" pitchFamily="18" charset="0"/>
+              </a:rPr>
+              <a:t>RFC</a:t>
+            </a:r>
+            <a:r>
+              <a:rPr lang="zh-CN" altLang="en-US" sz="2400" dirty="0">
+                <a:latin typeface="Times New Roman" panose="02020603050405020304" pitchFamily="18" charset="0"/>
+                <a:ea typeface="微软雅黑" panose="020B0503020204020204" pitchFamily="34" charset="-122"/>
+                <a:cs typeface="Times New Roman" panose="02020603050405020304" pitchFamily="18" charset="0"/>
+              </a:rPr>
+              <a:t>：</a:t>
+            </a:r>
+            <a:r>
+              <a:rPr lang="en-US" altLang="zh-CN" sz="2400" dirty="0">
+                <a:latin typeface="Times New Roman" panose="02020603050405020304" pitchFamily="18" charset="0"/>
+                <a:ea typeface="微软雅黑" panose="020B0503020204020204" pitchFamily="34" charset="-122"/>
+                <a:cs typeface="Times New Roman" panose="02020603050405020304" pitchFamily="18" charset="0"/>
+              </a:rPr>
+              <a:t>bank/mini-bank/data-hot/</a:t>
+            </a:r>
+            <a:r>
+              <a:rPr lang="en-US" altLang="zh-CN" sz="2400" dirty="0" err="1">
+                <a:latin typeface="Times New Roman" panose="02020603050405020304" pitchFamily="18" charset="0"/>
+                <a:ea typeface="微软雅黑" panose="020B0503020204020204" pitchFamily="34" charset="-122"/>
+                <a:cs typeface="Times New Roman" panose="02020603050405020304" pitchFamily="18" charset="0"/>
+              </a:rPr>
+              <a:t>mbhot</a:t>
+            </a:r>
+            <a:endParaRPr lang="en-US" altLang="zh-CN" sz="2400" dirty="0">
+              <a:latin typeface="Times New Roman" panose="02020603050405020304" pitchFamily="18" charset="0"/>
+              <a:ea typeface="微软雅黑" panose="020B0503020204020204" pitchFamily="34" charset="-122"/>
+              <a:cs typeface="Times New Roman" panose="02020603050405020304" pitchFamily="18" charset="0"/>
+            </a:endParaRPr>
+          </a:p>
+        </p:txBody>
+      </p:sp>
+      <p:pic>
+        <p:nvPicPr>
+          <p:cNvPr id="3" name="图片 2">
+            <a:extLst>
+              <a:ext uri="{FF2B5EF4-FFF2-40B4-BE49-F238E27FC236}">
+                <a16:creationId xmlns:a16="http://schemas.microsoft.com/office/drawing/2014/main" id="{EEA48175-1CD9-4B35-8B76-31D2BFDB45E3}"/>
+              </a:ext>
+            </a:extLst>
+          </p:cNvPr>
+          <p:cNvPicPr>
+            <a:picLocks noChangeAspect="1"/>
+          </p:cNvPicPr>
+          <p:nvPr/>
+        </p:nvPicPr>
+        <p:blipFill>
+          <a:blip r:embed="rId3"/>
+          <a:stretch>
+            <a:fillRect/>
+          </a:stretch>
+        </p:blipFill>
+        <p:spPr>
+          <a:xfrm>
+            <a:off x="569595" y="1703922"/>
+            <a:ext cx="6343650" cy="4305300"/>
+          </a:xfrm>
+          <a:prstGeom prst="rect">
+            <a:avLst/>
+          </a:prstGeom>
+        </p:spPr>
+      </p:pic>
+      <p:pic>
+        <p:nvPicPr>
+          <p:cNvPr id="12" name="图片 11">
+            <a:extLst>
+              <a:ext uri="{FF2B5EF4-FFF2-40B4-BE49-F238E27FC236}">
+                <a16:creationId xmlns:a16="http://schemas.microsoft.com/office/drawing/2014/main" id="{CCF75F28-8F63-4291-A4D7-3C4FFE20FC96}"/>
+              </a:ext>
+            </a:extLst>
+          </p:cNvPr>
+          <p:cNvPicPr>
+            <a:picLocks noChangeAspect="1"/>
+          </p:cNvPicPr>
+          <p:nvPr/>
+        </p:nvPicPr>
+        <p:blipFill>
+          <a:blip r:embed="rId4"/>
+          <a:stretch>
+            <a:fillRect/>
+          </a:stretch>
+        </p:blipFill>
+        <p:spPr>
+          <a:xfrm>
+            <a:off x="6913245" y="2333824"/>
+            <a:ext cx="4343400" cy="1257300"/>
+          </a:xfrm>
+          <a:prstGeom prst="rect">
+            <a:avLst/>
+          </a:prstGeom>
+        </p:spPr>
+      </p:pic>
+      <p:pic>
+        <p:nvPicPr>
+          <p:cNvPr id="15" name="图片 14">
+            <a:extLst>
+              <a:ext uri="{FF2B5EF4-FFF2-40B4-BE49-F238E27FC236}">
+                <a16:creationId xmlns:a16="http://schemas.microsoft.com/office/drawing/2014/main" id="{4C3DFA77-8AD0-4835-841F-E4D9F9C20ED4}"/>
+              </a:ext>
+            </a:extLst>
+          </p:cNvPr>
+          <p:cNvPicPr>
+            <a:picLocks noChangeAspect="1"/>
+          </p:cNvPicPr>
+          <p:nvPr/>
+        </p:nvPicPr>
+        <p:blipFill>
+          <a:blip r:embed="rId5"/>
+          <a:stretch>
+            <a:fillRect/>
+          </a:stretch>
+        </p:blipFill>
+        <p:spPr>
+          <a:xfrm>
+            <a:off x="5723007" y="3710984"/>
+            <a:ext cx="6585954" cy="2690532"/>
+          </a:xfrm>
+          <a:prstGeom prst="rect">
+            <a:avLst/>
+          </a:prstGeom>
+        </p:spPr>
+      </p:pic>
+      <p:sp>
+        <p:nvSpPr>
+          <p:cNvPr id="9" name="矩形 8">
+            <a:extLst>
+              <a:ext uri="{FF2B5EF4-FFF2-40B4-BE49-F238E27FC236}">
+                <a16:creationId xmlns:a16="http://schemas.microsoft.com/office/drawing/2014/main" id="{0CA9D129-F96B-4024-B71D-0CA6BDF38150}"/>
+              </a:ext>
+            </a:extLst>
+          </p:cNvPr>
+          <p:cNvSpPr/>
+          <p:nvPr/>
+        </p:nvSpPr>
+        <p:spPr>
+          <a:xfrm>
+            <a:off x="6168479" y="1200358"/>
+            <a:ext cx="10907852" cy="580865"/>
+          </a:xfrm>
+          <a:prstGeom prst="rect">
+            <a:avLst/>
+          </a:prstGeom>
+        </p:spPr>
+        <p:txBody>
+          <a:bodyPr wrap="square">
+            <a:spAutoFit/>
+          </a:bodyPr>
+          <a:lstStyle/>
+          <a:p>
+            <a:pPr lvl="1">
+              <a:lnSpc>
+                <a:spcPct val="150000"/>
+              </a:lnSpc>
+            </a:pPr>
+            <a:r>
+              <a:rPr lang="en-US" altLang="zh-CN" sz="2400" dirty="0">
+                <a:latin typeface="Times New Roman" panose="02020603050405020304" pitchFamily="18" charset="0"/>
+                <a:ea typeface="微软雅黑" panose="020B0503020204020204" pitchFamily="34" charset="-122"/>
+                <a:cs typeface="Times New Roman" panose="02020603050405020304" pitchFamily="18" charset="0"/>
+              </a:rPr>
+              <a:t>Feature hot: 1100_0000_0010_1001</a:t>
+            </a:r>
+          </a:p>
+        </p:txBody>
+      </p:sp>
+      <p:sp>
+        <p:nvSpPr>
+          <p:cNvPr id="11" name="矩形 10">
+            <a:extLst>
+              <a:ext uri="{FF2B5EF4-FFF2-40B4-BE49-F238E27FC236}">
+                <a16:creationId xmlns:a16="http://schemas.microsoft.com/office/drawing/2014/main" id="{DB9193F6-C8D7-4570-B871-CA8E38A82FDE}"/>
+              </a:ext>
+            </a:extLst>
+          </p:cNvPr>
+          <p:cNvSpPr/>
+          <p:nvPr/>
+        </p:nvSpPr>
+        <p:spPr>
+          <a:xfrm>
+            <a:off x="7197686" y="1693029"/>
+            <a:ext cx="10907852" cy="580865"/>
+          </a:xfrm>
+          <a:prstGeom prst="rect">
+            <a:avLst/>
+          </a:prstGeom>
+        </p:spPr>
+        <p:txBody>
+          <a:bodyPr wrap="square">
+            <a:spAutoFit/>
+          </a:bodyPr>
+          <a:lstStyle/>
+          <a:p>
+            <a:pPr lvl="1">
+              <a:lnSpc>
+                <a:spcPct val="150000"/>
+              </a:lnSpc>
+            </a:pPr>
+            <a:r>
+              <a:rPr lang="en-US" altLang="zh-CN" sz="2400" dirty="0" err="1">
+                <a:latin typeface="Times New Roman" panose="02020603050405020304" pitchFamily="18" charset="0"/>
+                <a:ea typeface="微软雅黑" panose="020B0503020204020204" pitchFamily="34" charset="-122"/>
+                <a:cs typeface="Times New Roman" panose="02020603050405020304" pitchFamily="18" charset="0"/>
+              </a:rPr>
+              <a:t>mbhot</a:t>
+            </a:r>
+            <a:r>
+              <a:rPr lang="en-US" altLang="zh-CN" sz="2400" dirty="0">
+                <a:latin typeface="Times New Roman" panose="02020603050405020304" pitchFamily="18" charset="0"/>
+                <a:ea typeface="微软雅黑" panose="020B0503020204020204" pitchFamily="34" charset="-122"/>
+                <a:cs typeface="Times New Roman" panose="02020603050405020304" pitchFamily="18" charset="0"/>
+              </a:rPr>
+              <a:t>: 1100</a:t>
+            </a:r>
+          </a:p>
+        </p:txBody>
+      </p:sp>
+    </p:spTree>
+    <p:extLst>
+      <p:ext uri="{BB962C8B-B14F-4D97-AF65-F5344CB8AC3E}">
+        <p14:creationId xmlns:p14="http://schemas.microsoft.com/office/powerpoint/2010/main" val="359157400"/>
+      </p:ext>
+    </p:extLst>
+  </p:cSld>
+  <p:clrMapOvr>
+    <a:masterClrMapping/>
+  </p:clrMapOvr>
+  <p:timing>
+    <p:tnLst>
+      <p:par>
+        <p:cTn id="1" dur="indefinite" restart="never" nodeType="tmRoot">
+          <p:childTnLst>
+            <p:seq concurrent="1" nextAc="seek">
+              <p:cTn id="2" dur="indefinite" nodeType="mainSeq">
+                <p:childTnLst>
+                  <p:par>
+                    <p:cTn id="3" fill="hold">
+                      <p:stCondLst>
+                        <p:cond delay="indefinite"/>
+                      </p:stCondLst>
+                      <p:childTnLst>
+                        <p:par>
+                          <p:cTn id="4" fill="hold">
+                            <p:stCondLst>
+                              <p:cond delay="0"/>
+                            </p:stCondLst>
+                            <p:childTnLst>
+                              <p:par>
+                                <p:cTn id="5" presetID="2" presetClass="entr" presetSubtype="4" fill="hold" grpId="0" nodeType="clickEffect">
+                                  <p:stCondLst>
+                                    <p:cond delay="0"/>
+                                  </p:stCondLst>
+                                  <p:childTnLst>
+                                    <p:set>
+                                      <p:cBhvr>
+                                        <p:cTn id="6" dur="1" fill="hold">
+                                          <p:stCondLst>
+                                            <p:cond delay="0"/>
+                                          </p:stCondLst>
+                                        </p:cTn>
+                                        <p:tgtEl>
+                                          <p:spTgt spid="9"/>
+                                        </p:tgtEl>
+                                        <p:attrNameLst>
+                                          <p:attrName>style.visibility</p:attrName>
+                                        </p:attrNameLst>
+                                      </p:cBhvr>
+                                      <p:to>
+                                        <p:strVal val="visible"/>
+                                      </p:to>
+                                    </p:set>
+                                    <p:anim calcmode="lin" valueType="num">
+                                      <p:cBhvr additive="base">
+                                        <p:cTn id="7" dur="500" fill="hold"/>
+                                        <p:tgtEl>
+                                          <p:spTgt spid="9"/>
+                                        </p:tgtEl>
+                                        <p:attrNameLst>
+                                          <p:attrName>ppt_x</p:attrName>
+                                        </p:attrNameLst>
+                                      </p:cBhvr>
+                                      <p:tavLst>
+                                        <p:tav tm="0">
+                                          <p:val>
+                                            <p:strVal val="#ppt_x"/>
+                                          </p:val>
+                                        </p:tav>
+                                        <p:tav tm="100000">
+                                          <p:val>
+                                            <p:strVal val="#ppt_x"/>
+                                          </p:val>
+                                        </p:tav>
+                                      </p:tavLst>
+                                    </p:anim>
+                                    <p:anim calcmode="lin" valueType="num">
+                                      <p:cBhvr additive="base">
+                                        <p:cTn id="8" dur="500" fill="hold"/>
+                                        <p:tgtEl>
+                                          <p:spTgt spid="9"/>
+                                        </p:tgtEl>
+                                        <p:attrNameLst>
+                                          <p:attrName>ppt_y</p:attrName>
+                                        </p:attrNameLst>
+                                      </p:cBhvr>
+                                      <p:tavLst>
+                                        <p:tav tm="0">
+                                          <p:val>
+                                            <p:strVal val="1+#ppt_h/2"/>
+                                          </p:val>
+                                        </p:tav>
+                                        <p:tav tm="100000">
+                                          <p:val>
+                                            <p:strVal val="#ppt_y"/>
+                                          </p:val>
+                                        </p:tav>
+                                      </p:tavLst>
+                                    </p:anim>
+                                  </p:childTnLst>
+                                </p:cTn>
+                              </p:par>
+                            </p:childTnLst>
+                          </p:cTn>
+                        </p:par>
+                      </p:childTnLst>
+                    </p:cTn>
+                  </p:par>
+                  <p:par>
+                    <p:cTn id="9" fill="hold">
+                      <p:stCondLst>
+                        <p:cond delay="indefinite"/>
+                      </p:stCondLst>
+                      <p:childTnLst>
+                        <p:par>
+                          <p:cTn id="10" fill="hold">
+                            <p:stCondLst>
+                              <p:cond delay="0"/>
+                            </p:stCondLst>
+                            <p:childTnLst>
+                              <p:par>
+                                <p:cTn id="11" presetID="16" presetClass="entr" presetSubtype="21" fill="hold" grpId="0" nodeType="clickEffect">
+                                  <p:stCondLst>
+                                    <p:cond delay="0"/>
+                                  </p:stCondLst>
+                                  <p:childTnLst>
+                                    <p:set>
+                                      <p:cBhvr>
+                                        <p:cTn id="12" dur="1" fill="hold">
+                                          <p:stCondLst>
+                                            <p:cond delay="0"/>
+                                          </p:stCondLst>
+                                        </p:cTn>
+                                        <p:tgtEl>
+                                          <p:spTgt spid="11"/>
+                                        </p:tgtEl>
+                                        <p:attrNameLst>
+                                          <p:attrName>style.visibility</p:attrName>
+                                        </p:attrNameLst>
+                                      </p:cBhvr>
+                                      <p:to>
+                                        <p:strVal val="visible"/>
+                                      </p:to>
+                                    </p:set>
+                                    <p:animEffect transition="in" filter="barn(inVertical)">
+                                      <p:cBhvr>
+                                        <p:cTn id="13" dur="500"/>
+                                        <p:tgtEl>
+                                          <p:spTgt spid="11"/>
+                                        </p:tgtEl>
+                                      </p:cBhvr>
+                                    </p:animEffect>
+                                  </p:childTnLst>
+                                </p:cTn>
+                              </p:par>
+                            </p:childTnLst>
+                          </p:cTn>
+                        </p:par>
+                      </p:childTnLst>
+                    </p:cTn>
+                  </p:par>
+                  <p:par>
+                    <p:cTn id="14" fill="hold">
+                      <p:stCondLst>
+                        <p:cond delay="indefinite"/>
+                      </p:stCondLst>
+                      <p:childTnLst>
+                        <p:par>
+                          <p:cTn id="15" fill="hold">
+                            <p:stCondLst>
+                              <p:cond delay="0"/>
+                            </p:stCondLst>
+                            <p:childTnLst>
+                              <p:par>
+                                <p:cTn id="16" presetID="42" presetClass="entr" presetSubtype="0" fill="hold" nodeType="clickEffect">
+                                  <p:stCondLst>
+                                    <p:cond delay="0"/>
+                                  </p:stCondLst>
+                                  <p:childTnLst>
+                                    <p:set>
+                                      <p:cBhvr>
+                                        <p:cTn id="17" dur="1" fill="hold">
+                                          <p:stCondLst>
+                                            <p:cond delay="0"/>
+                                          </p:stCondLst>
+                                        </p:cTn>
+                                        <p:tgtEl>
+                                          <p:spTgt spid="12"/>
+                                        </p:tgtEl>
+                                        <p:attrNameLst>
+                                          <p:attrName>style.visibility</p:attrName>
+                                        </p:attrNameLst>
+                                      </p:cBhvr>
+                                      <p:to>
+                                        <p:strVal val="visible"/>
+                                      </p:to>
+                                    </p:set>
+                                    <p:animEffect transition="in" filter="fade">
+                                      <p:cBhvr>
+                                        <p:cTn id="18" dur="1000"/>
+                                        <p:tgtEl>
+                                          <p:spTgt spid="12"/>
+                                        </p:tgtEl>
+                                      </p:cBhvr>
+                                    </p:animEffect>
+                                    <p:anim calcmode="lin" valueType="num">
+                                      <p:cBhvr>
+                                        <p:cTn id="19" dur="1000" fill="hold"/>
+                                        <p:tgtEl>
+                                          <p:spTgt spid="12"/>
+                                        </p:tgtEl>
+                                        <p:attrNameLst>
+                                          <p:attrName>ppt_x</p:attrName>
+                                        </p:attrNameLst>
+                                      </p:cBhvr>
+                                      <p:tavLst>
+                                        <p:tav tm="0">
+                                          <p:val>
+                                            <p:strVal val="#ppt_x"/>
+                                          </p:val>
+                                        </p:tav>
+                                        <p:tav tm="100000">
+                                          <p:val>
+                                            <p:strVal val="#ppt_x"/>
+                                          </p:val>
+                                        </p:tav>
+                                      </p:tavLst>
+                                    </p:anim>
+                                    <p:anim calcmode="lin" valueType="num">
+                                      <p:cBhvr>
+                                        <p:cTn id="20" dur="1000" fill="hold"/>
+                                        <p:tgtEl>
+                                          <p:spTgt spid="12"/>
+                                        </p:tgtEl>
+                                        <p:attrNameLst>
+                                          <p:attrName>ppt_y</p:attrName>
+                                        </p:attrNameLst>
+                                      </p:cBhvr>
+                                      <p:tavLst>
+                                        <p:tav tm="0">
+                                          <p:val>
+                                            <p:strVal val="#ppt_y+.1"/>
+                                          </p:val>
+                                        </p:tav>
+                                        <p:tav tm="100000">
+                                          <p:val>
+                                            <p:strVal val="#ppt_y"/>
+                                          </p:val>
+                                        </p:tav>
+                                      </p:tavLst>
+                                    </p:anim>
+                                  </p:childTnLst>
+                                </p:cTn>
+                              </p:par>
+                            </p:childTnLst>
+                          </p:cTn>
+                        </p:par>
+                      </p:childTnLst>
+                    </p:cTn>
+                  </p:par>
+                  <p:par>
+                    <p:cTn id="21" fill="hold">
+                      <p:stCondLst>
+                        <p:cond delay="indefinite"/>
+                      </p:stCondLst>
+                      <p:childTnLst>
+                        <p:par>
+                          <p:cTn id="22" fill="hold">
+                            <p:stCondLst>
+                              <p:cond delay="0"/>
+                            </p:stCondLst>
+                            <p:childTnLst>
+                              <p:par>
+                                <p:cTn id="23" presetID="31" presetClass="entr" presetSubtype="0" fill="hold" nodeType="clickEffect">
+                                  <p:stCondLst>
+                                    <p:cond delay="0"/>
+                                  </p:stCondLst>
+                                  <p:childTnLst>
+                                    <p:set>
+                                      <p:cBhvr>
+                                        <p:cTn id="24" dur="1" fill="hold">
+                                          <p:stCondLst>
+                                            <p:cond delay="0"/>
+                                          </p:stCondLst>
+                                        </p:cTn>
+                                        <p:tgtEl>
+                                          <p:spTgt spid="15"/>
+                                        </p:tgtEl>
+                                        <p:attrNameLst>
+                                          <p:attrName>style.visibility</p:attrName>
+                                        </p:attrNameLst>
+                                      </p:cBhvr>
+                                      <p:to>
+                                        <p:strVal val="visible"/>
+                                      </p:to>
+                                    </p:set>
+                                    <p:anim calcmode="lin" valueType="num">
+                                      <p:cBhvr>
+                                        <p:cTn id="25" dur="1000" fill="hold"/>
+                                        <p:tgtEl>
+                                          <p:spTgt spid="15"/>
+                                        </p:tgtEl>
+                                        <p:attrNameLst>
+                                          <p:attrName>ppt_w</p:attrName>
+                                        </p:attrNameLst>
+                                      </p:cBhvr>
+                                      <p:tavLst>
+                                        <p:tav tm="0">
+                                          <p:val>
+                                            <p:fltVal val="0"/>
+                                          </p:val>
+                                        </p:tav>
+                                        <p:tav tm="100000">
+                                          <p:val>
+                                            <p:strVal val="#ppt_w"/>
+                                          </p:val>
+                                        </p:tav>
+                                      </p:tavLst>
+                                    </p:anim>
+                                    <p:anim calcmode="lin" valueType="num">
+                                      <p:cBhvr>
+                                        <p:cTn id="26" dur="1000" fill="hold"/>
+                                        <p:tgtEl>
+                                          <p:spTgt spid="15"/>
+                                        </p:tgtEl>
+                                        <p:attrNameLst>
+                                          <p:attrName>ppt_h</p:attrName>
+                                        </p:attrNameLst>
+                                      </p:cBhvr>
+                                      <p:tavLst>
+                                        <p:tav tm="0">
+                                          <p:val>
+                                            <p:fltVal val="0"/>
+                                          </p:val>
+                                        </p:tav>
+                                        <p:tav tm="100000">
+                                          <p:val>
+                                            <p:strVal val="#ppt_h"/>
+                                          </p:val>
+                                        </p:tav>
+                                      </p:tavLst>
+                                    </p:anim>
+                                    <p:anim calcmode="lin" valueType="num">
+                                      <p:cBhvr>
+                                        <p:cTn id="27" dur="1000" fill="hold"/>
+                                        <p:tgtEl>
+                                          <p:spTgt spid="15"/>
+                                        </p:tgtEl>
+                                        <p:attrNameLst>
+                                          <p:attrName>style.rotation</p:attrName>
+                                        </p:attrNameLst>
+                                      </p:cBhvr>
+                                      <p:tavLst>
+                                        <p:tav tm="0">
+                                          <p:val>
+                                            <p:fltVal val="90"/>
+                                          </p:val>
+                                        </p:tav>
+                                        <p:tav tm="100000">
+                                          <p:val>
+                                            <p:fltVal val="0"/>
+                                          </p:val>
+                                        </p:tav>
+                                      </p:tavLst>
+                                    </p:anim>
+                                    <p:animEffect transition="in" filter="fade">
+                                      <p:cBhvr>
+                                        <p:cTn id="28" dur="1000"/>
+                                        <p:tgtEl>
+                                          <p:spTgt spid="15"/>
+                                        </p:tgtEl>
+                                      </p:cBhvr>
+                                    </p:animEffect>
+                                  </p:childTnLst>
+                                </p:cTn>
+                              </p:par>
+                            </p:childTnLst>
+                          </p:cTn>
+                        </p:par>
+                      </p:childTnLst>
+                    </p:cTn>
+                  </p:par>
+                </p:childTnLst>
+              </p:cTn>
+              <p:prevCondLst>
+                <p:cond evt="onPrev" delay="0">
+                  <p:tgtEl>
+                    <p:sldTgt/>
+                  </p:tgtEl>
+                </p:cond>
+              </p:prevCondLst>
+              <p:nextCondLst>
+                <p:cond evt="onNext" delay="0">
+                  <p:tgtEl>
+                    <p:sldTgt/>
+                  </p:tgtEl>
+                </p:cond>
+              </p:nextCondLst>
+            </p:seq>
+          </p:childTnLst>
+        </p:cTn>
+      </p:par>
+    </p:tnLst>
+    <p:bldLst>
+      <p:bldP spid="9" grpId="0"/>
+      <p:bldP spid="11" grpId="0"/>
+    </p:bldLst>
+  </p:timing>
+</p:sld>
+</file>
+
+<file path=ppt/slides/slide14.xml><?xml version="1.0" encoding="utf-8"?>
+<p:sld xmlns:a="http://schemas.openxmlformats.org/drawingml/2006/main" xmlns:r="http://schemas.openxmlformats.org/officeDocument/2006/relationships" xmlns:p="http://schemas.openxmlformats.org/presentationml/2006/main">
+  <p:cSld>
+    <p:spTree>
+      <p:nvGrpSpPr>
+        <p:cNvPr id="1" name=""/>
+        <p:cNvGrpSpPr/>
+        <p:nvPr/>
+      </p:nvGrpSpPr>
+      <p:grpSpPr>
+        <a:xfrm>
+          <a:off x="0" y="0"/>
+          <a:ext cx="0" cy="0"/>
+          <a:chOff x="0" y="0"/>
+          <a:chExt cx="0" cy="0"/>
+        </a:xfrm>
+      </p:grpSpPr>
+      <p:sp>
+        <p:nvSpPr>
+          <p:cNvPr id="166" name="object 2">
+            <a:extLst>
+              <a:ext uri="{FF2B5EF4-FFF2-40B4-BE49-F238E27FC236}">
+                <a16:creationId xmlns:a16="http://schemas.microsoft.com/office/drawing/2014/main" id="{DA3D3201-782B-49B5-87ED-679053B4483C}"/>
+              </a:ext>
+            </a:extLst>
+          </p:cNvPr>
+          <p:cNvSpPr txBox="1">
+            <a:spLocks noGrp="1"/>
+          </p:cNvSpPr>
+          <p:nvPr>
+            <p:ph type="title"/>
+          </p:nvPr>
+        </p:nvSpPr>
+        <p:spPr>
+          <a:xfrm>
+            <a:off x="377048" y="363293"/>
+            <a:ext cx="11110443" cy="505405"/>
+          </a:xfrm>
+        </p:spPr>
+        <p:txBody>
+          <a:bodyPr>
+            <a:noAutofit/>
+          </a:bodyPr>
+          <a:lstStyle/>
+          <a:p>
+            <a:pPr algn="ctr" defTabSz="1095167"/>
+            <a:r>
+              <a:rPr lang="en-US" sz="2800" b="1" dirty="0">
+                <a:ln w="11430"/>
+                <a:solidFill>
+                  <a:srgbClr val="FFFF00"/>
+                </a:solidFill>
+                <a:effectLst>
+                  <a:outerShdw blurRad="50800" dist="39000" dir="5460000" algn="tl">
+                    <a:srgbClr val="000000">
+                      <a:alpha val="38000"/>
+                    </a:srgbClr>
+                  </a:outerShdw>
+                </a:effectLst>
+                <a:latin typeface="Arial Rounded MT Bold" pitchFamily="34" charset="0"/>
+                <a:cs typeface="Arial" charset="0"/>
+              </a:rPr>
+              <a:t>7.</a:t>
+            </a:r>
+            <a:r>
+              <a:rPr lang="en-US" altLang="zh-CN" sz="2800" b="1" dirty="0">
+                <a:ln w="11430"/>
+                <a:solidFill>
+                  <a:srgbClr val="FFFF00"/>
+                </a:solidFill>
+                <a:effectLst>
+                  <a:outerShdw blurRad="50800" dist="39000" dir="5460000" algn="tl">
+                    <a:srgbClr val="000000">
+                      <a:alpha val="38000"/>
+                    </a:srgbClr>
+                  </a:outerShdw>
+                </a:effectLst>
+                <a:latin typeface="Arial Rounded MT Bold" pitchFamily="34" charset="0"/>
+                <a:cs typeface="Arial" charset="0"/>
+              </a:rPr>
+              <a:t>Performance</a:t>
+            </a:r>
+            <a:endParaRPr lang="en-US" sz="2800" b="1" dirty="0">
+              <a:ln w="11430"/>
+              <a:solidFill>
+                <a:srgbClr val="FFFF00"/>
+              </a:solidFill>
+              <a:effectLst>
+                <a:outerShdw blurRad="50800" dist="39000" dir="5460000" algn="tl">
+                  <a:srgbClr val="000000">
+                    <a:alpha val="38000"/>
+                  </a:srgbClr>
+                </a:outerShdw>
+              </a:effectLst>
+              <a:latin typeface="Arial Rounded MT Bold" pitchFamily="34" charset="0"/>
+              <a:cs typeface="Arial" charset="0"/>
+            </a:endParaRPr>
+          </a:p>
+        </p:txBody>
+      </p:sp>
+      <p:sp>
+        <p:nvSpPr>
+          <p:cNvPr id="14" name="矩形 13">
+            <a:extLst>
+              <a:ext uri="{FF2B5EF4-FFF2-40B4-BE49-F238E27FC236}">
+                <a16:creationId xmlns:a16="http://schemas.microsoft.com/office/drawing/2014/main" id="{C46C3BD4-468F-4BC4-9BFD-95DD405D8924}"/>
+              </a:ext>
+            </a:extLst>
+          </p:cNvPr>
+          <p:cNvSpPr/>
+          <p:nvPr/>
+        </p:nvSpPr>
+        <p:spPr>
+          <a:xfrm>
+            <a:off x="-169029" y="1204298"/>
+            <a:ext cx="10907852" cy="579967"/>
+          </a:xfrm>
+          <a:prstGeom prst="rect">
+            <a:avLst/>
+          </a:prstGeom>
+        </p:spPr>
+        <p:txBody>
+          <a:bodyPr wrap="square">
+            <a:spAutoFit/>
+          </a:bodyPr>
+          <a:lstStyle/>
+          <a:p>
+            <a:pPr lvl="1">
+              <a:lnSpc>
+                <a:spcPct val="150000"/>
+              </a:lnSpc>
+            </a:pPr>
+            <a:r>
+              <a:rPr lang="en-US" altLang="zh-CN" sz="2400" dirty="0">
+                <a:latin typeface="Times New Roman" panose="02020603050405020304" pitchFamily="18" charset="0"/>
+                <a:ea typeface="微软雅黑" panose="020B0503020204020204" pitchFamily="34" charset="-122"/>
+                <a:cs typeface="Times New Roman" panose="02020603050405020304" pitchFamily="18" charset="0"/>
+              </a:rPr>
+              <a:t>Compared with formed GCN action recognition accelerator</a:t>
+            </a:r>
           </a:p>
         </p:txBody>
       </p:sp>
@@ -8530,7 +11711,7 @@
         </p:blipFill>
         <p:spPr>
           <a:xfrm>
-            <a:off x="664944" y="2022158"/>
+            <a:off x="828675" y="1726832"/>
             <a:ext cx="10534650" cy="1028700"/>
           </a:xfrm>
           <a:prstGeom prst="rect">
@@ -8568,6 +11749,49 @@
           </a:prstGeom>
         </p:spPr>
       </p:pic>
+      <p:sp>
+        <p:nvSpPr>
+          <p:cNvPr id="7" name="矩形 6">
+            <a:extLst>
+              <a:ext uri="{FF2B5EF4-FFF2-40B4-BE49-F238E27FC236}">
+                <a16:creationId xmlns:a16="http://schemas.microsoft.com/office/drawing/2014/main" id="{3C172953-5E85-45DE-ACDC-73CFD6C9BF22}"/>
+              </a:ext>
+            </a:extLst>
+          </p:cNvPr>
+          <p:cNvSpPr/>
+          <p:nvPr/>
+        </p:nvSpPr>
+        <p:spPr>
+          <a:xfrm>
+            <a:off x="-169029" y="3139016"/>
+            <a:ext cx="10907852" cy="579967"/>
+          </a:xfrm>
+          <a:prstGeom prst="rect">
+            <a:avLst/>
+          </a:prstGeom>
+        </p:spPr>
+        <p:txBody>
+          <a:bodyPr wrap="square">
+            <a:spAutoFit/>
+          </a:bodyPr>
+          <a:lstStyle/>
+          <a:p>
+            <a:pPr lvl="1">
+              <a:lnSpc>
+                <a:spcPct val="150000"/>
+              </a:lnSpc>
+            </a:pPr>
+            <a:r>
+              <a:rPr lang="en-US" altLang="zh-CN" sz="2400" dirty="0">
+                <a:latin typeface="Times New Roman" panose="02020603050405020304" pitchFamily="18" charset="0"/>
+                <a:ea typeface="微软雅黑" panose="020B0503020204020204" pitchFamily="34" charset="-122"/>
+                <a:cs typeface="Times New Roman" panose="02020603050405020304" pitchFamily="18" charset="0"/>
+              </a:rPr>
+              <a:t>Compared with high-end GPU</a:t>
+            </a:r>
+          </a:p>
+        </p:txBody>
+      </p:sp>
     </p:spTree>
     <p:extLst>
       <p:ext uri="{BB962C8B-B14F-4D97-AF65-F5344CB8AC3E}">
@@ -8578,6 +11802,252 @@
   <p:clrMapOvr>
     <a:masterClrMapping/>
   </p:clrMapOvr>
+  <p:timing>
+    <p:tnLst>
+      <p:par>
+        <p:cTn id="1" dur="indefinite" restart="never" nodeType="tmRoot">
+          <p:childTnLst>
+            <p:seq concurrent="1" nextAc="seek">
+              <p:cTn id="2" dur="indefinite" nodeType="mainSeq">
+                <p:childTnLst>
+                  <p:par>
+                    <p:cTn id="3" fill="hold">
+                      <p:stCondLst>
+                        <p:cond delay="indefinite"/>
+                      </p:stCondLst>
+                      <p:childTnLst>
+                        <p:par>
+                          <p:cTn id="4" fill="hold">
+                            <p:stCondLst>
+                              <p:cond delay="0"/>
+                            </p:stCondLst>
+                            <p:childTnLst>
+                              <p:par>
+                                <p:cTn id="5" presetID="10" presetClass="entr" presetSubtype="0" fill="hold" grpId="0" nodeType="clickEffect">
+                                  <p:stCondLst>
+                                    <p:cond delay="0"/>
+                                  </p:stCondLst>
+                                  <p:childTnLst>
+                                    <p:set>
+                                      <p:cBhvr>
+                                        <p:cTn id="6" dur="1" fill="hold">
+                                          <p:stCondLst>
+                                            <p:cond delay="0"/>
+                                          </p:stCondLst>
+                                        </p:cTn>
+                                        <p:tgtEl>
+                                          <p:spTgt spid="14"/>
+                                        </p:tgtEl>
+                                        <p:attrNameLst>
+                                          <p:attrName>style.visibility</p:attrName>
+                                        </p:attrNameLst>
+                                      </p:cBhvr>
+                                      <p:to>
+                                        <p:strVal val="visible"/>
+                                      </p:to>
+                                    </p:set>
+                                    <p:animEffect transition="in" filter="fade">
+                                      <p:cBhvr>
+                                        <p:cTn id="7" dur="500"/>
+                                        <p:tgtEl>
+                                          <p:spTgt spid="14"/>
+                                        </p:tgtEl>
+                                      </p:cBhvr>
+                                    </p:animEffect>
+                                  </p:childTnLst>
+                                </p:cTn>
+                              </p:par>
+                            </p:childTnLst>
+                          </p:cTn>
+                        </p:par>
+                      </p:childTnLst>
+                    </p:cTn>
+                  </p:par>
+                  <p:par>
+                    <p:cTn id="8" fill="hold">
+                      <p:stCondLst>
+                        <p:cond delay="indefinite"/>
+                      </p:stCondLst>
+                      <p:childTnLst>
+                        <p:par>
+                          <p:cTn id="9" fill="hold">
+                            <p:stCondLst>
+                              <p:cond delay="0"/>
+                            </p:stCondLst>
+                            <p:childTnLst>
+                              <p:par>
+                                <p:cTn id="10" presetID="16" presetClass="entr" presetSubtype="21" fill="hold" nodeType="clickEffect">
+                                  <p:stCondLst>
+                                    <p:cond delay="0"/>
+                                  </p:stCondLst>
+                                  <p:childTnLst>
+                                    <p:set>
+                                      <p:cBhvr>
+                                        <p:cTn id="11" dur="1" fill="hold">
+                                          <p:stCondLst>
+                                            <p:cond delay="0"/>
+                                          </p:stCondLst>
+                                        </p:cTn>
+                                        <p:tgtEl>
+                                          <p:spTgt spid="4"/>
+                                        </p:tgtEl>
+                                        <p:attrNameLst>
+                                          <p:attrName>style.visibility</p:attrName>
+                                        </p:attrNameLst>
+                                      </p:cBhvr>
+                                      <p:to>
+                                        <p:strVal val="visible"/>
+                                      </p:to>
+                                    </p:set>
+                                    <p:animEffect transition="in" filter="barn(inVertical)">
+                                      <p:cBhvr>
+                                        <p:cTn id="12" dur="500"/>
+                                        <p:tgtEl>
+                                          <p:spTgt spid="4"/>
+                                        </p:tgtEl>
+                                      </p:cBhvr>
+                                    </p:animEffect>
+                                  </p:childTnLst>
+                                </p:cTn>
+                              </p:par>
+                            </p:childTnLst>
+                          </p:cTn>
+                        </p:par>
+                      </p:childTnLst>
+                    </p:cTn>
+                  </p:par>
+                  <p:par>
+                    <p:cTn id="13" fill="hold">
+                      <p:stCondLst>
+                        <p:cond delay="indefinite"/>
+                      </p:stCondLst>
+                      <p:childTnLst>
+                        <p:par>
+                          <p:cTn id="14" fill="hold">
+                            <p:stCondLst>
+                              <p:cond delay="0"/>
+                            </p:stCondLst>
+                            <p:childTnLst>
+                              <p:par>
+                                <p:cTn id="15" presetID="10" presetClass="entr" presetSubtype="0" fill="hold" grpId="0" nodeType="clickEffect">
+                                  <p:stCondLst>
+                                    <p:cond delay="0"/>
+                                  </p:stCondLst>
+                                  <p:childTnLst>
+                                    <p:set>
+                                      <p:cBhvr>
+                                        <p:cTn id="16" dur="1" fill="hold">
+                                          <p:stCondLst>
+                                            <p:cond delay="0"/>
+                                          </p:stCondLst>
+                                        </p:cTn>
+                                        <p:tgtEl>
+                                          <p:spTgt spid="7"/>
+                                        </p:tgtEl>
+                                        <p:attrNameLst>
+                                          <p:attrName>style.visibility</p:attrName>
+                                        </p:attrNameLst>
+                                      </p:cBhvr>
+                                      <p:to>
+                                        <p:strVal val="visible"/>
+                                      </p:to>
+                                    </p:set>
+                                    <p:animEffect transition="in" filter="fade">
+                                      <p:cBhvr>
+                                        <p:cTn id="17" dur="500"/>
+                                        <p:tgtEl>
+                                          <p:spTgt spid="7"/>
+                                        </p:tgtEl>
+                                      </p:cBhvr>
+                                    </p:animEffect>
+                                  </p:childTnLst>
+                                </p:cTn>
+                              </p:par>
+                            </p:childTnLst>
+                          </p:cTn>
+                        </p:par>
+                      </p:childTnLst>
+                    </p:cTn>
+                  </p:par>
+                  <p:par>
+                    <p:cTn id="18" fill="hold">
+                      <p:stCondLst>
+                        <p:cond delay="indefinite"/>
+                      </p:stCondLst>
+                      <p:childTnLst>
+                        <p:par>
+                          <p:cTn id="19" fill="hold">
+                            <p:stCondLst>
+                              <p:cond delay="0"/>
+                            </p:stCondLst>
+                            <p:childTnLst>
+                              <p:par>
+                                <p:cTn id="20" presetID="14" presetClass="entr" presetSubtype="10" fill="hold" nodeType="clickEffect">
+                                  <p:stCondLst>
+                                    <p:cond delay="0"/>
+                                  </p:stCondLst>
+                                  <p:childTnLst>
+                                    <p:set>
+                                      <p:cBhvr>
+                                        <p:cTn id="21" dur="1" fill="hold">
+                                          <p:stCondLst>
+                                            <p:cond delay="0"/>
+                                          </p:stCondLst>
+                                        </p:cTn>
+                                        <p:tgtEl>
+                                          <p:spTgt spid="6"/>
+                                        </p:tgtEl>
+                                        <p:attrNameLst>
+                                          <p:attrName>style.visibility</p:attrName>
+                                        </p:attrNameLst>
+                                      </p:cBhvr>
+                                      <p:to>
+                                        <p:strVal val="visible"/>
+                                      </p:to>
+                                    </p:set>
+                                    <p:animEffect transition="in" filter="randombar(horizontal)">
+                                      <p:cBhvr>
+                                        <p:cTn id="22" dur="500"/>
+                                        <p:tgtEl>
+                                          <p:spTgt spid="6"/>
+                                        </p:tgtEl>
+                                      </p:cBhvr>
+                                    </p:animEffect>
+                                  </p:childTnLst>
+                                </p:cTn>
+                              </p:par>
+                            </p:childTnLst>
+                          </p:cTn>
+                        </p:par>
+                      </p:childTnLst>
+                    </p:cTn>
+                  </p:par>
+                </p:childTnLst>
+              </p:cTn>
+              <p:prevCondLst>
+                <p:cond evt="onPrev" delay="0">
+                  <p:tgtEl>
+                    <p:sldTgt/>
+                  </p:tgtEl>
+                </p:cond>
+              </p:prevCondLst>
+              <p:nextCondLst>
+                <p:cond evt="onNext" delay="0">
+                  <p:tgtEl>
+                    <p:sldTgt/>
+                  </p:tgtEl>
+                </p:cond>
+              </p:nextCondLst>
+            </p:seq>
+          </p:childTnLst>
+        </p:cTn>
+      </p:par>
+    </p:tnLst>
+    <p:bldLst>
+      <p:bldP spid="14" grpId="0"/>
+      <p:bldP spid="7" grpId="0"/>
+    </p:bldLst>
+  </p:timing>
 </p:sld>
 </file>
 
@@ -9917,41 +13387,8 @@
                 <a:latin typeface="Arial Rounded MT Bold" pitchFamily="34" charset="0"/>
                 <a:cs typeface="Arial" charset="0"/>
               </a:rPr>
-              <a:t>7.</a:t>
-            </a:r>
-            <a:r>
-              <a:rPr lang="zh-CN" altLang="en-US" sz="2800" b="1" dirty="0">
-                <a:ln w="11430"/>
-                <a:solidFill>
-                  <a:srgbClr val="FFFF00"/>
-                </a:solidFill>
-                <a:effectLst>
-                  <a:outerShdw blurRad="50800" dist="39000" dir="5460000" algn="tl">
-                    <a:srgbClr val="000000">
-                      <a:alpha val="38000"/>
-                    </a:srgbClr>
-                  </a:outerShdw>
-                </a:effectLst>
-                <a:latin typeface="Arial Rounded MT Bold" pitchFamily="34" charset="0"/>
-                <a:cs typeface="Arial" charset="0"/>
-              </a:rPr>
-              <a:t>针对姿态识别图卷积算法的软硬件加速设计</a:t>
-            </a:r>
-            <a:endParaRPr lang="en-US" sz="2800" b="1" dirty="0">
-              <a:ln w="11430"/>
-              <a:solidFill>
-                <a:srgbClr val="FFFF00"/>
-              </a:solidFill>
-              <a:effectLst>
-                <a:outerShdw blurRad="50800" dist="39000" dir="5460000" algn="tl">
-                  <a:srgbClr val="000000">
-                    <a:alpha val="38000"/>
-                  </a:srgbClr>
-                </a:outerShdw>
-              </a:effectLst>
-              <a:latin typeface="Arial Rounded MT Bold" pitchFamily="34" charset="0"/>
-              <a:cs typeface="Arial" charset="0"/>
-            </a:endParaRPr>
+              <a:t>2. Skeleton-Based GCNs Action Recognition Model</a:t>
+            </a:r>
           </a:p>
         </p:txBody>
       </p:sp>
@@ -9969,8 +13406,8 @@
         </p:nvSpPr>
         <p:spPr>
           <a:xfrm>
-            <a:off x="-169029" y="1204298"/>
-            <a:ext cx="10907852" cy="499624"/>
+            <a:off x="-331075" y="1008934"/>
+            <a:ext cx="12370357" cy="579967"/>
           </a:xfrm>
           <a:prstGeom prst="rect">
             <a:avLst/>
@@ -9988,30 +13425,53 @@
               </a:lnSpc>
             </a:pPr>
             <a:r>
+              <a:rPr lang="en-US" altLang="zh-CN" sz="2000" dirty="0">
+                <a:latin typeface="Times New Roman" panose="02020603050405020304" pitchFamily="18" charset="0"/>
+                <a:ea typeface="微软雅黑" panose="020B0503020204020204" pitchFamily="34" charset="-122"/>
+                <a:cs typeface="Times New Roman" panose="02020603050405020304" pitchFamily="18" charset="0"/>
+              </a:rPr>
+              <a:t>Action </a:t>
+            </a:r>
+            <a:r>
+              <a:rPr lang="en-US" altLang="zh-CN" sz="2400" dirty="0">
+                <a:latin typeface="Times New Roman" panose="02020603050405020304" pitchFamily="18" charset="0"/>
+                <a:ea typeface="微软雅黑" panose="020B0503020204020204" pitchFamily="34" charset="-122"/>
+                <a:cs typeface="Times New Roman" panose="02020603050405020304" pitchFamily="18" charset="0"/>
+              </a:rPr>
+              <a:t>recognition</a:t>
+            </a:r>
+            <a:r>
               <a:rPr lang="zh-CN" altLang="en-US" sz="2000" dirty="0">
-                <a:latin typeface="微软雅黑" panose="020B0503020204020204" pitchFamily="34" charset="-122"/>
+                <a:latin typeface="Times New Roman" panose="02020603050405020304" pitchFamily="18" charset="0"/>
                 <a:ea typeface="微软雅黑" panose="020B0503020204020204" pitchFamily="34" charset="-122"/>
+                <a:cs typeface="Times New Roman" panose="02020603050405020304" pitchFamily="18" charset="0"/>
               </a:rPr>
-              <a:t>姿态识别图卷积：姿态问题图建模（小图）</a:t>
+              <a:t>：</a:t>
             </a:r>
             <a:r>
               <a:rPr lang="en-US" altLang="zh-CN" sz="2000" dirty="0">
-                <a:latin typeface="微软雅黑" panose="020B0503020204020204" pitchFamily="34" charset="-122"/>
+                <a:latin typeface="Times New Roman" panose="02020603050405020304" pitchFamily="18" charset="0"/>
                 <a:ea typeface="微软雅黑" panose="020B0503020204020204" pitchFamily="34" charset="-122"/>
+                <a:cs typeface="Times New Roman" panose="02020603050405020304" pitchFamily="18" charset="0"/>
               </a:rPr>
-              <a:t>+</a:t>
+              <a:t>Action recognition + Graph modeling of human skeleton +</a:t>
             </a:r>
             <a:r>
               <a:rPr lang="zh-CN" altLang="en-US" sz="2000" dirty="0">
-                <a:latin typeface="微软雅黑" panose="020B0503020204020204" pitchFamily="34" charset="-122"/>
+                <a:latin typeface="Times New Roman" panose="02020603050405020304" pitchFamily="18" charset="0"/>
                 <a:ea typeface="微软雅黑" panose="020B0503020204020204" pitchFamily="34" charset="-122"/>
+                <a:cs typeface="Times New Roman" panose="02020603050405020304" pitchFamily="18" charset="0"/>
               </a:rPr>
-              <a:t>卷积网络</a:t>
-            </a:r>
-            <a:endParaRPr lang="en-US" altLang="zh-CN" sz="2000" dirty="0">
-              <a:latin typeface="微软雅黑" panose="020B0503020204020204" pitchFamily="34" charset="-122"/>
-              <a:ea typeface="微软雅黑" panose="020B0503020204020204" pitchFamily="34" charset="-122"/>
-            </a:endParaRPr>
+              <a:t> </a:t>
+            </a:r>
+            <a:r>
+              <a:rPr lang="en-US" altLang="zh-CN" sz="2000" dirty="0">
+                <a:latin typeface="Times New Roman" panose="02020603050405020304" pitchFamily="18" charset="0"/>
+                <a:ea typeface="微软雅黑" panose="020B0503020204020204" pitchFamily="34" charset="-122"/>
+                <a:cs typeface="Times New Roman" panose="02020603050405020304" pitchFamily="18" charset="0"/>
+              </a:rPr>
+              <a:t>DNN</a:t>
+            </a:r>
           </a:p>
         </p:txBody>
       </p:sp>
@@ -10035,7 +13495,7 @@
         </p:blipFill>
         <p:spPr>
           <a:xfrm>
-            <a:off x="152717" y="1795939"/>
+            <a:off x="0" y="1561970"/>
             <a:ext cx="3367723" cy="3266122"/>
           </a:xfrm>
           <a:prstGeom prst="rect">
@@ -10071,7 +13531,7 @@
         </p:blipFill>
         <p:spPr>
           <a:xfrm>
-            <a:off x="3562666" y="1971857"/>
+            <a:off x="3604891" y="1856167"/>
             <a:ext cx="5066667" cy="2914286"/>
           </a:xfrm>
           <a:prstGeom prst="rect">
@@ -10107,7 +13567,7 @@
         </p:blipFill>
         <p:spPr>
           <a:xfrm>
-            <a:off x="6209346" y="1971857"/>
+            <a:off x="6848030" y="1778038"/>
             <a:ext cx="4924425" cy="3914095"/>
           </a:xfrm>
           <a:prstGeom prst="rect">
@@ -10115,40 +13575,130 @@
           </a:prstGeom>
         </p:spPr>
       </p:pic>
-      <p:pic>
-        <p:nvPicPr>
-          <p:cNvPr id="19" name="图片 18">
+      <p:sp>
+        <p:nvSpPr>
+          <p:cNvPr id="8" name="矩形 7">
             <a:extLst>
               <a:ext uri="{FF2B5EF4-FFF2-40B4-BE49-F238E27FC236}">
-                <a16:creationId xmlns:a16="http://schemas.microsoft.com/office/drawing/2014/main" id="{659B402D-FFE1-470F-86E9-6863476C3E93}"/>
+                <a16:creationId xmlns:a16="http://schemas.microsoft.com/office/drawing/2014/main" id="{9A895BE8-A853-485A-903F-679F528C771B}"/>
               </a:ext>
             </a:extLst>
           </p:cNvPr>
-          <p:cNvPicPr>
-            <a:picLocks noChangeAspect="1"/>
-          </p:cNvPicPr>
+          <p:cNvSpPr/>
           <p:nvPr/>
-        </p:nvPicPr>
-        <p:blipFill>
-          <a:blip r:embed="rId6"/>
-          <a:stretch>
-            <a:fillRect/>
-          </a:stretch>
-        </p:blipFill>
+        </p:nvSpPr>
         <p:spPr>
           <a:xfrm>
-            <a:off x="733941" y="930656"/>
-            <a:ext cx="10181709" cy="2998248"/>
+            <a:off x="-228079" y="4916480"/>
+            <a:ext cx="12370357" cy="1052660"/>
           </a:xfrm>
           <a:prstGeom prst="rect">
             <a:avLst/>
           </a:prstGeom>
         </p:spPr>
-      </p:pic>
+        <p:txBody>
+          <a:bodyPr wrap="square">
+            <a:spAutoFit/>
+          </a:bodyPr>
+          <a:lstStyle/>
+          <a:p>
+            <a:pPr lvl="1">
+              <a:lnSpc>
+                <a:spcPct val="150000"/>
+              </a:lnSpc>
+            </a:pPr>
+            <a:r>
+              <a:rPr lang="en-US" altLang="zh-CN" sz="2000" dirty="0">
+                <a:latin typeface="Times New Roman" panose="02020603050405020304" pitchFamily="18" charset="0"/>
+                <a:ea typeface="微软雅黑" panose="020B0503020204020204" pitchFamily="34" charset="-122"/>
+                <a:cs typeface="Times New Roman" panose="02020603050405020304" pitchFamily="18" charset="0"/>
+              </a:rPr>
+              <a:t>First </a:t>
+            </a:r>
+            <a:r>
+              <a:rPr lang="en-US" altLang="zh-CN" sz="2400" dirty="0">
+                <a:latin typeface="Times New Roman" panose="02020603050405020304" pitchFamily="18" charset="0"/>
+                <a:ea typeface="微软雅黑" panose="020B0503020204020204" pitchFamily="34" charset="-122"/>
+                <a:cs typeface="Times New Roman" panose="02020603050405020304" pitchFamily="18" charset="0"/>
+              </a:rPr>
+              <a:t>introduced</a:t>
+            </a:r>
+            <a:r>
+              <a:rPr lang="en-US" altLang="zh-CN" sz="2000" dirty="0">
+                <a:latin typeface="Times New Roman" panose="02020603050405020304" pitchFamily="18" charset="0"/>
+                <a:ea typeface="微软雅黑" panose="020B0503020204020204" pitchFamily="34" charset="-122"/>
+                <a:cs typeface="Times New Roman" panose="02020603050405020304" pitchFamily="18" charset="0"/>
+              </a:rPr>
+              <a:t> by ST-GCN</a:t>
+            </a:r>
+          </a:p>
+          <a:p>
+            <a:pPr lvl="1">
+              <a:lnSpc>
+                <a:spcPct val="150000"/>
+              </a:lnSpc>
+            </a:pPr>
+            <a:r>
+              <a:rPr lang="en-US" altLang="zh-CN" sz="2000" dirty="0">
+                <a:latin typeface="Times New Roman" panose="02020603050405020304" pitchFamily="18" charset="0"/>
+                <a:ea typeface="微软雅黑" panose="020B0503020204020204" pitchFamily="34" charset="-122"/>
+                <a:cs typeface="Times New Roman" panose="02020603050405020304" pitchFamily="18" charset="0"/>
+              </a:rPr>
+              <a:t>2s-AGCN is one of the most important improvement of ST-GCN</a:t>
+            </a:r>
+          </a:p>
+        </p:txBody>
+      </p:sp>
+      <p:sp>
+        <p:nvSpPr>
+          <p:cNvPr id="9" name="矩形 8">
+            <a:extLst>
+              <a:ext uri="{FF2B5EF4-FFF2-40B4-BE49-F238E27FC236}">
+                <a16:creationId xmlns:a16="http://schemas.microsoft.com/office/drawing/2014/main" id="{BEAEFFE5-9011-42A0-8416-562A3BA5D901}"/>
+              </a:ext>
+            </a:extLst>
+          </p:cNvPr>
+          <p:cNvSpPr/>
+          <p:nvPr/>
+        </p:nvSpPr>
+        <p:spPr>
+          <a:xfrm>
+            <a:off x="4004704" y="1412583"/>
+            <a:ext cx="12370357" cy="498663"/>
+          </a:xfrm>
+          <a:prstGeom prst="rect">
+            <a:avLst/>
+          </a:prstGeom>
+        </p:spPr>
+        <p:txBody>
+          <a:bodyPr wrap="square">
+            <a:spAutoFit/>
+          </a:bodyPr>
+          <a:lstStyle/>
+          <a:p>
+            <a:pPr lvl="1">
+              <a:lnSpc>
+                <a:spcPct val="150000"/>
+              </a:lnSpc>
+            </a:pPr>
+            <a:r>
+              <a:rPr lang="en-US" altLang="zh-CN" sz="2000" dirty="0">
+                <a:solidFill>
+                  <a:srgbClr val="002060"/>
+                </a:solidFill>
+                <a:latin typeface="Times New Roman" panose="02020603050405020304" pitchFamily="18" charset="0"/>
+                <a:ea typeface="微软雅黑" panose="020B0503020204020204" pitchFamily="34" charset="-122"/>
+                <a:cs typeface="Times New Roman" panose="02020603050405020304" pitchFamily="18" charset="0"/>
+              </a:rPr>
+              <a:t>Pose estimation</a:t>
+            </a:r>
+          </a:p>
+        </p:txBody>
+      </p:sp>
     </p:spTree>
     <p:extLst>
       <p:ext uri="{BB962C8B-B14F-4D97-AF65-F5344CB8AC3E}">
-        <p14:creationId xmlns:p14="http://schemas.microsoft.com/office/powerpoint/2010/main" val="640220225"/>
+        <p14:creationId xmlns:p14="http://schemas.microsoft.com/office/powerpoint/2010/main" val="3814081479"/>
       </p:ext>
     </p:extLst>
   </p:cSld>
@@ -10176,7 +13726,7 @@
                             </p:stCondLst>
                             <p:childTnLst>
                               <p:par>
-                                <p:cTn id="5" presetID="2" presetClass="entr" presetSubtype="4" fill="hold" nodeType="clickEffect">
+                                <p:cTn id="5" presetID="16" presetClass="entr" presetSubtype="21" fill="hold" nodeType="clickEffect">
                                   <p:stCondLst>
                                     <p:cond delay="0"/>
                                   </p:stCondLst>
@@ -10199,11 +13749,701 @@
                                         <p:strVal val="visible"/>
                                       </p:to>
                                     </p:set>
-                                    <p:anim calcmode="lin" valueType="num">
-                                      <p:cBhvr additive="base">
-                                        <p:cTn id="7" dur="500" fill="hold"/>
+                                    <p:animEffect transition="in" filter="barn(inVertical)">
+                                      <p:cBhvr>
+                                        <p:cTn id="7" dur="500"/>
                                         <p:tgtEl>
                                           <p:spTgt spid="6"/>
+                                        </p:tgtEl>
+                                      </p:cBhvr>
+                                    </p:animEffect>
+                                  </p:childTnLst>
+                                </p:cTn>
+                              </p:par>
+                            </p:childTnLst>
+                          </p:cTn>
+                        </p:par>
+                      </p:childTnLst>
+                    </p:cTn>
+                  </p:par>
+                  <p:par>
+                    <p:cTn id="8" fill="hold">
+                      <p:stCondLst>
+                        <p:cond delay="indefinite"/>
+                      </p:stCondLst>
+                      <p:childTnLst>
+                        <p:par>
+                          <p:cTn id="9" fill="hold">
+                            <p:stCondLst>
+                              <p:cond delay="0"/>
+                            </p:stCondLst>
+                            <p:childTnLst>
+                              <p:par>
+                                <p:cTn id="10" presetID="14" presetClass="entr" presetSubtype="10" fill="hold" grpId="0" nodeType="clickEffect">
+                                  <p:stCondLst>
+                                    <p:cond delay="0"/>
+                                  </p:stCondLst>
+                                  <p:childTnLst>
+                                    <p:set>
+                                      <p:cBhvr>
+                                        <p:cTn id="11" dur="1" fill="hold">
+                                          <p:stCondLst>
+                                            <p:cond delay="0"/>
+                                          </p:stCondLst>
+                                        </p:cTn>
+                                        <p:tgtEl>
+                                          <p:spTgt spid="9"/>
+                                        </p:tgtEl>
+                                        <p:attrNameLst>
+                                          <p:attrName>style.visibility</p:attrName>
+                                        </p:attrNameLst>
+                                      </p:cBhvr>
+                                      <p:to>
+                                        <p:strVal val="visible"/>
+                                      </p:to>
+                                    </p:set>
+                                    <p:animEffect transition="in" filter="randombar(horizontal)">
+                                      <p:cBhvr>
+                                        <p:cTn id="12" dur="500"/>
+                                        <p:tgtEl>
+                                          <p:spTgt spid="9"/>
+                                        </p:tgtEl>
+                                      </p:cBhvr>
+                                    </p:animEffect>
+                                  </p:childTnLst>
+                                </p:cTn>
+                              </p:par>
+                              <p:par>
+                                <p:cTn id="13" presetID="14" presetClass="entr" presetSubtype="10" fill="hold" nodeType="withEffect">
+                                  <p:stCondLst>
+                                    <p:cond delay="0"/>
+                                  </p:stCondLst>
+                                  <p:childTnLst>
+                                    <p:set>
+                                      <p:cBhvr>
+                                        <p:cTn id="14" dur="1" fill="hold">
+                                          <p:stCondLst>
+                                            <p:cond delay="0"/>
+                                          </p:stCondLst>
+                                        </p:cTn>
+                                        <p:tgtEl>
+                                          <p:spTgt spid="12"/>
+                                        </p:tgtEl>
+                                        <p:attrNameLst>
+                                          <p:attrName>style.visibility</p:attrName>
+                                        </p:attrNameLst>
+                                      </p:cBhvr>
+                                      <p:to>
+                                        <p:strVal val="visible"/>
+                                      </p:to>
+                                    </p:set>
+                                    <p:animEffect transition="in" filter="randombar(horizontal)">
+                                      <p:cBhvr>
+                                        <p:cTn id="15" dur="500"/>
+                                        <p:tgtEl>
+                                          <p:spTgt spid="12"/>
+                                        </p:tgtEl>
+                                      </p:cBhvr>
+                                    </p:animEffect>
+                                  </p:childTnLst>
+                                </p:cTn>
+                              </p:par>
+                            </p:childTnLst>
+                          </p:cTn>
+                        </p:par>
+                      </p:childTnLst>
+                    </p:cTn>
+                  </p:par>
+                  <p:par>
+                    <p:cTn id="16" fill="hold">
+                      <p:stCondLst>
+                        <p:cond delay="indefinite"/>
+                      </p:stCondLst>
+                      <p:childTnLst>
+                        <p:par>
+                          <p:cTn id="17" fill="hold">
+                            <p:stCondLst>
+                              <p:cond delay="0"/>
+                            </p:stCondLst>
+                            <p:childTnLst>
+                              <p:par>
+                                <p:cTn id="18" presetID="21" presetClass="entr" presetSubtype="1" fill="hold" nodeType="clickEffect">
+                                  <p:stCondLst>
+                                    <p:cond delay="0"/>
+                                  </p:stCondLst>
+                                  <p:childTnLst>
+                                    <p:set>
+                                      <p:cBhvr>
+                                        <p:cTn id="19" dur="1" fill="hold">
+                                          <p:stCondLst>
+                                            <p:cond delay="0"/>
+                                          </p:stCondLst>
+                                        </p:cTn>
+                                        <p:tgtEl>
+                                          <p:spTgt spid="17"/>
+                                        </p:tgtEl>
+                                        <p:attrNameLst>
+                                          <p:attrName>style.visibility</p:attrName>
+                                        </p:attrNameLst>
+                                      </p:cBhvr>
+                                      <p:to>
+                                        <p:strVal val="visible"/>
+                                      </p:to>
+                                    </p:set>
+                                    <p:animEffect transition="in" filter="wheel(1)">
+                                      <p:cBhvr>
+                                        <p:cTn id="20" dur="2000"/>
+                                        <p:tgtEl>
+                                          <p:spTgt spid="17"/>
+                                        </p:tgtEl>
+                                      </p:cBhvr>
+                                    </p:animEffect>
+                                  </p:childTnLst>
+                                </p:cTn>
+                              </p:par>
+                            </p:childTnLst>
+                          </p:cTn>
+                        </p:par>
+                      </p:childTnLst>
+                    </p:cTn>
+                  </p:par>
+                  <p:par>
+                    <p:cTn id="21" fill="hold">
+                      <p:stCondLst>
+                        <p:cond delay="indefinite"/>
+                      </p:stCondLst>
+                      <p:childTnLst>
+                        <p:par>
+                          <p:cTn id="22" fill="hold">
+                            <p:stCondLst>
+                              <p:cond delay="0"/>
+                            </p:stCondLst>
+                            <p:childTnLst>
+                              <p:par>
+                                <p:cTn id="23" presetID="31" presetClass="entr" presetSubtype="0" fill="hold" grpId="0" nodeType="clickEffect">
+                                  <p:stCondLst>
+                                    <p:cond delay="0"/>
+                                  </p:stCondLst>
+                                  <p:childTnLst>
+                                    <p:set>
+                                      <p:cBhvr>
+                                        <p:cTn id="24" dur="1" fill="hold">
+                                          <p:stCondLst>
+                                            <p:cond delay="0"/>
+                                          </p:stCondLst>
+                                        </p:cTn>
+                                        <p:tgtEl>
+                                          <p:spTgt spid="8"/>
+                                        </p:tgtEl>
+                                        <p:attrNameLst>
+                                          <p:attrName>style.visibility</p:attrName>
+                                        </p:attrNameLst>
+                                      </p:cBhvr>
+                                      <p:to>
+                                        <p:strVal val="visible"/>
+                                      </p:to>
+                                    </p:set>
+                                    <p:anim calcmode="lin" valueType="num">
+                                      <p:cBhvr>
+                                        <p:cTn id="25" dur="1000" fill="hold"/>
+                                        <p:tgtEl>
+                                          <p:spTgt spid="8"/>
+                                        </p:tgtEl>
+                                        <p:attrNameLst>
+                                          <p:attrName>ppt_w</p:attrName>
+                                        </p:attrNameLst>
+                                      </p:cBhvr>
+                                      <p:tavLst>
+                                        <p:tav tm="0">
+                                          <p:val>
+                                            <p:fltVal val="0"/>
+                                          </p:val>
+                                        </p:tav>
+                                        <p:tav tm="100000">
+                                          <p:val>
+                                            <p:strVal val="#ppt_w"/>
+                                          </p:val>
+                                        </p:tav>
+                                      </p:tavLst>
+                                    </p:anim>
+                                    <p:anim calcmode="lin" valueType="num">
+                                      <p:cBhvr>
+                                        <p:cTn id="26" dur="1000" fill="hold"/>
+                                        <p:tgtEl>
+                                          <p:spTgt spid="8"/>
+                                        </p:tgtEl>
+                                        <p:attrNameLst>
+                                          <p:attrName>ppt_h</p:attrName>
+                                        </p:attrNameLst>
+                                      </p:cBhvr>
+                                      <p:tavLst>
+                                        <p:tav tm="0">
+                                          <p:val>
+                                            <p:fltVal val="0"/>
+                                          </p:val>
+                                        </p:tav>
+                                        <p:tav tm="100000">
+                                          <p:val>
+                                            <p:strVal val="#ppt_h"/>
+                                          </p:val>
+                                        </p:tav>
+                                      </p:tavLst>
+                                    </p:anim>
+                                    <p:anim calcmode="lin" valueType="num">
+                                      <p:cBhvr>
+                                        <p:cTn id="27" dur="1000" fill="hold"/>
+                                        <p:tgtEl>
+                                          <p:spTgt spid="8"/>
+                                        </p:tgtEl>
+                                        <p:attrNameLst>
+                                          <p:attrName>style.rotation</p:attrName>
+                                        </p:attrNameLst>
+                                      </p:cBhvr>
+                                      <p:tavLst>
+                                        <p:tav tm="0">
+                                          <p:val>
+                                            <p:fltVal val="90"/>
+                                          </p:val>
+                                        </p:tav>
+                                        <p:tav tm="100000">
+                                          <p:val>
+                                            <p:fltVal val="0"/>
+                                          </p:val>
+                                        </p:tav>
+                                      </p:tavLst>
+                                    </p:anim>
+                                    <p:animEffect transition="in" filter="fade">
+                                      <p:cBhvr>
+                                        <p:cTn id="28" dur="1000"/>
+                                        <p:tgtEl>
+                                          <p:spTgt spid="8"/>
+                                        </p:tgtEl>
+                                      </p:cBhvr>
+                                    </p:animEffect>
+                                  </p:childTnLst>
+                                </p:cTn>
+                              </p:par>
+                            </p:childTnLst>
+                          </p:cTn>
+                        </p:par>
+                      </p:childTnLst>
+                    </p:cTn>
+                  </p:par>
+                </p:childTnLst>
+              </p:cTn>
+              <p:prevCondLst>
+                <p:cond evt="onPrev" delay="0">
+                  <p:tgtEl>
+                    <p:sldTgt/>
+                  </p:tgtEl>
+                </p:cond>
+              </p:prevCondLst>
+              <p:nextCondLst>
+                <p:cond evt="onNext" delay="0">
+                  <p:tgtEl>
+                    <p:sldTgt/>
+                  </p:tgtEl>
+                </p:cond>
+              </p:nextCondLst>
+            </p:seq>
+          </p:childTnLst>
+        </p:cTn>
+      </p:par>
+    </p:tnLst>
+    <p:bldLst>
+      <p:bldP spid="8" grpId="0"/>
+      <p:bldP spid="9" grpId="0"/>
+    </p:bldLst>
+  </p:timing>
+</p:sld>
+</file>
+
+<file path=ppt/slides/slide4.xml><?xml version="1.0" encoding="utf-8"?>
+<p:sld xmlns:a="http://schemas.openxmlformats.org/drawingml/2006/main" xmlns:r="http://schemas.openxmlformats.org/officeDocument/2006/relationships" xmlns:p="http://schemas.openxmlformats.org/presentationml/2006/main">
+  <p:cSld>
+    <p:spTree>
+      <p:nvGrpSpPr>
+        <p:cNvPr id="1" name=""/>
+        <p:cNvGrpSpPr/>
+        <p:nvPr/>
+      </p:nvGrpSpPr>
+      <p:grpSpPr>
+        <a:xfrm>
+          <a:off x="0" y="0"/>
+          <a:ext cx="0" cy="0"/>
+          <a:chOff x="0" y="0"/>
+          <a:chExt cx="0" cy="0"/>
+        </a:xfrm>
+      </p:grpSpPr>
+      <p:sp>
+        <p:nvSpPr>
+          <p:cNvPr id="166" name="object 2">
+            <a:extLst>
+              <a:ext uri="{FF2B5EF4-FFF2-40B4-BE49-F238E27FC236}">
+                <a16:creationId xmlns:a16="http://schemas.microsoft.com/office/drawing/2014/main" id="{DA3D3201-782B-49B5-87ED-679053B4483C}"/>
+              </a:ext>
+            </a:extLst>
+          </p:cNvPr>
+          <p:cNvSpPr txBox="1">
+            <a:spLocks noGrp="1"/>
+          </p:cNvSpPr>
+          <p:nvPr>
+            <p:ph type="title"/>
+          </p:nvPr>
+        </p:nvSpPr>
+        <p:spPr>
+          <a:xfrm>
+            <a:off x="377048" y="363293"/>
+            <a:ext cx="11110443" cy="505405"/>
+          </a:xfrm>
+        </p:spPr>
+        <p:txBody>
+          <a:bodyPr>
+            <a:noAutofit/>
+          </a:bodyPr>
+          <a:lstStyle/>
+          <a:p>
+            <a:pPr algn="ctr" defTabSz="1095167"/>
+            <a:r>
+              <a:rPr lang="en-US" sz="2800" b="1" dirty="0">
+                <a:ln w="11430"/>
+                <a:solidFill>
+                  <a:srgbClr val="FFFF00"/>
+                </a:solidFill>
+                <a:effectLst>
+                  <a:outerShdw blurRad="50800" dist="39000" dir="5460000" algn="tl">
+                    <a:srgbClr val="000000">
+                      <a:alpha val="38000"/>
+                    </a:srgbClr>
+                  </a:outerShdw>
+                </a:effectLst>
+                <a:latin typeface="Arial Rounded MT Bold" pitchFamily="34" charset="0"/>
+                <a:cs typeface="Arial" charset="0"/>
+              </a:rPr>
+              <a:t>3. Motivation</a:t>
+            </a:r>
+          </a:p>
+        </p:txBody>
+      </p:sp>
+      <p:sp>
+        <p:nvSpPr>
+          <p:cNvPr id="14" name="矩形 13">
+            <a:extLst>
+              <a:ext uri="{FF2B5EF4-FFF2-40B4-BE49-F238E27FC236}">
+                <a16:creationId xmlns:a16="http://schemas.microsoft.com/office/drawing/2014/main" id="{C46C3BD4-468F-4BC4-9BFD-95DD405D8924}"/>
+              </a:ext>
+            </a:extLst>
+          </p:cNvPr>
+          <p:cNvSpPr/>
+          <p:nvPr/>
+        </p:nvSpPr>
+        <p:spPr>
+          <a:xfrm>
+            <a:off x="-178357" y="1136256"/>
+            <a:ext cx="12370357" cy="498663"/>
+          </a:xfrm>
+          <a:prstGeom prst="rect">
+            <a:avLst/>
+          </a:prstGeom>
+        </p:spPr>
+        <p:txBody>
+          <a:bodyPr wrap="square">
+            <a:spAutoFit/>
+          </a:bodyPr>
+          <a:lstStyle/>
+          <a:p>
+            <a:pPr lvl="1">
+              <a:lnSpc>
+                <a:spcPct val="150000"/>
+              </a:lnSpc>
+            </a:pPr>
+            <a:r>
+              <a:rPr lang="en-US" altLang="zh-CN" sz="2000" dirty="0">
+                <a:latin typeface="Times New Roman" panose="02020603050405020304" pitchFamily="18" charset="0"/>
+                <a:ea typeface="微软雅黑" panose="020B0503020204020204" pitchFamily="34" charset="-122"/>
+                <a:cs typeface="Times New Roman" panose="02020603050405020304" pitchFamily="18" charset="0"/>
+              </a:rPr>
+              <a:t>1. GCN action recognition models have great application potential </a:t>
+            </a:r>
+          </a:p>
+        </p:txBody>
+      </p:sp>
+      <p:sp>
+        <p:nvSpPr>
+          <p:cNvPr id="10" name="矩形 9">
+            <a:extLst>
+              <a:ext uri="{FF2B5EF4-FFF2-40B4-BE49-F238E27FC236}">
+                <a16:creationId xmlns:a16="http://schemas.microsoft.com/office/drawing/2014/main" id="{33D0B6A1-0FF3-41FC-BD1A-698D55442169}"/>
+              </a:ext>
+            </a:extLst>
+          </p:cNvPr>
+          <p:cNvSpPr/>
+          <p:nvPr/>
+        </p:nvSpPr>
+        <p:spPr>
+          <a:xfrm>
+            <a:off x="-181533" y="4529567"/>
+            <a:ext cx="12370357" cy="498663"/>
+          </a:xfrm>
+          <a:prstGeom prst="rect">
+            <a:avLst/>
+          </a:prstGeom>
+        </p:spPr>
+        <p:txBody>
+          <a:bodyPr wrap="square">
+            <a:spAutoFit/>
+          </a:bodyPr>
+          <a:lstStyle/>
+          <a:p>
+            <a:pPr lvl="1">
+              <a:lnSpc>
+                <a:spcPct val="150000"/>
+              </a:lnSpc>
+            </a:pPr>
+            <a:r>
+              <a:rPr lang="en-US" altLang="zh-CN" sz="2000" dirty="0">
+                <a:latin typeface="Times New Roman" panose="02020603050405020304" pitchFamily="18" charset="0"/>
+                <a:ea typeface="微软雅黑" panose="020B0503020204020204" pitchFamily="34" charset="-122"/>
+                <a:cs typeface="Times New Roman" panose="02020603050405020304" pitchFamily="18" charset="0"/>
+              </a:rPr>
+              <a:t>2. Computing performance gap between fronted-end algorithm and GCN action recognition models </a:t>
+            </a:r>
+          </a:p>
+        </p:txBody>
+      </p:sp>
+      <p:pic>
+        <p:nvPicPr>
+          <p:cNvPr id="1026" name="Picture 2">
+            <a:extLst>
+              <a:ext uri="{FF2B5EF4-FFF2-40B4-BE49-F238E27FC236}">
+                <a16:creationId xmlns:a16="http://schemas.microsoft.com/office/drawing/2014/main" id="{D9043253-67D0-4837-8A10-EB7588743757}"/>
+              </a:ext>
+            </a:extLst>
+          </p:cNvPr>
+          <p:cNvPicPr>
+            <a:picLocks noChangeAspect="1" noChangeArrowheads="1"/>
+          </p:cNvPicPr>
+          <p:nvPr/>
+        </p:nvPicPr>
+        <p:blipFill>
+          <a:blip r:embed="rId3">
+            <a:extLst>
+              <a:ext uri="{28A0092B-C50C-407E-A947-70E740481C1C}">
+                <a14:useLocalDpi xmlns:a14="http://schemas.microsoft.com/office/drawing/2010/main" val="0"/>
+              </a:ext>
+            </a:extLst>
+          </a:blip>
+          <a:srcRect/>
+          <a:stretch>
+            <a:fillRect/>
+          </a:stretch>
+        </p:blipFill>
+        <p:spPr bwMode="auto">
+          <a:xfrm>
+            <a:off x="584762" y="1675557"/>
+            <a:ext cx="4202692" cy="2813372"/>
+          </a:xfrm>
+          <a:prstGeom prst="rect">
+            <a:avLst/>
+          </a:prstGeom>
+          <a:noFill/>
+          <a:extLst>
+            <a:ext uri="{909E8E84-426E-40DD-AFC4-6F175D3DCCD1}">
+              <a14:hiddenFill xmlns:a14="http://schemas.microsoft.com/office/drawing/2010/main">
+                <a:solidFill>
+                  <a:srgbClr val="FFFFFF"/>
+                </a:solidFill>
+              </a14:hiddenFill>
+            </a:ext>
+          </a:extLst>
+        </p:spPr>
+      </p:pic>
+      <p:pic>
+        <p:nvPicPr>
+          <p:cNvPr id="5" name="图片 4">
+            <a:extLst>
+              <a:ext uri="{FF2B5EF4-FFF2-40B4-BE49-F238E27FC236}">
+                <a16:creationId xmlns:a16="http://schemas.microsoft.com/office/drawing/2014/main" id="{96B498EA-3879-40C0-ABF2-D22DFB4564D9}"/>
+              </a:ext>
+            </a:extLst>
+          </p:cNvPr>
+          <p:cNvPicPr>
+            <a:picLocks noChangeAspect="1"/>
+          </p:cNvPicPr>
+          <p:nvPr/>
+        </p:nvPicPr>
+        <p:blipFill>
+          <a:blip r:embed="rId4">
+            <a:extLst>
+              <a:ext uri="{28A0092B-C50C-407E-A947-70E740481C1C}">
+                <a14:useLocalDpi xmlns:a14="http://schemas.microsoft.com/office/drawing/2010/main" val="0"/>
+              </a:ext>
+            </a:extLst>
+          </a:blip>
+          <a:stretch>
+            <a:fillRect/>
+          </a:stretch>
+        </p:blipFill>
+        <p:spPr>
+          <a:xfrm>
+            <a:off x="7503208" y="1735567"/>
+            <a:ext cx="2070100" cy="2794000"/>
+          </a:xfrm>
+          <a:prstGeom prst="rect">
+            <a:avLst/>
+          </a:prstGeom>
+        </p:spPr>
+      </p:pic>
+      <p:pic>
+        <p:nvPicPr>
+          <p:cNvPr id="11" name="图片 10">
+            <a:extLst>
+              <a:ext uri="{FF2B5EF4-FFF2-40B4-BE49-F238E27FC236}">
+                <a16:creationId xmlns:a16="http://schemas.microsoft.com/office/drawing/2014/main" id="{FCDCA6C5-35AC-4B4B-AC16-B9178AE26F33}"/>
+              </a:ext>
+            </a:extLst>
+          </p:cNvPr>
+          <p:cNvPicPr>
+            <a:picLocks noChangeAspect="1"/>
+          </p:cNvPicPr>
+          <p:nvPr/>
+        </p:nvPicPr>
+        <p:blipFill>
+          <a:blip r:embed="rId5"/>
+          <a:stretch>
+            <a:fillRect/>
+          </a:stretch>
+        </p:blipFill>
+        <p:spPr>
+          <a:xfrm>
+            <a:off x="2527332" y="5169230"/>
+            <a:ext cx="6618530" cy="970900"/>
+          </a:xfrm>
+          <a:prstGeom prst="rect">
+            <a:avLst/>
+          </a:prstGeom>
+        </p:spPr>
+      </p:pic>
+    </p:spTree>
+    <p:extLst>
+      <p:ext uri="{BB962C8B-B14F-4D97-AF65-F5344CB8AC3E}">
+        <p14:creationId xmlns:p14="http://schemas.microsoft.com/office/powerpoint/2010/main" val="558995253"/>
+      </p:ext>
+    </p:extLst>
+  </p:cSld>
+  <p:clrMapOvr>
+    <a:masterClrMapping/>
+  </p:clrMapOvr>
+  <p:timing>
+    <p:tnLst>
+      <p:par>
+        <p:cTn id="1" dur="indefinite" restart="never" nodeType="tmRoot">
+          <p:childTnLst>
+            <p:seq concurrent="1" nextAc="seek">
+              <p:cTn id="2" dur="indefinite" nodeType="mainSeq">
+                <p:childTnLst>
+                  <p:par>
+                    <p:cTn id="3" fill="hold">
+                      <p:stCondLst>
+                        <p:cond delay="indefinite"/>
+                      </p:stCondLst>
+                      <p:childTnLst>
+                        <p:par>
+                          <p:cTn id="4" fill="hold">
+                            <p:stCondLst>
+                              <p:cond delay="0"/>
+                            </p:stCondLst>
+                            <p:childTnLst>
+                              <p:par>
+                                <p:cTn id="5" presetID="10" presetClass="entr" presetSubtype="0" fill="hold" grpId="0" nodeType="clickEffect">
+                                  <p:stCondLst>
+                                    <p:cond delay="0"/>
+                                  </p:stCondLst>
+                                  <p:childTnLst>
+                                    <p:set>
+                                      <p:cBhvr>
+                                        <p:cTn id="6" dur="1" fill="hold">
+                                          <p:stCondLst>
+                                            <p:cond delay="0"/>
+                                          </p:stCondLst>
+                                        </p:cTn>
+                                        <p:tgtEl>
+                                          <p:spTgt spid="14"/>
+                                        </p:tgtEl>
+                                        <p:attrNameLst>
+                                          <p:attrName>style.visibility</p:attrName>
+                                        </p:attrNameLst>
+                                      </p:cBhvr>
+                                      <p:to>
+                                        <p:strVal val="visible"/>
+                                      </p:to>
+                                    </p:set>
+                                    <p:animEffect transition="in" filter="fade">
+                                      <p:cBhvr>
+                                        <p:cTn id="7" dur="500"/>
+                                        <p:tgtEl>
+                                          <p:spTgt spid="14"/>
+                                        </p:tgtEl>
+                                      </p:cBhvr>
+                                    </p:animEffect>
+                                  </p:childTnLst>
+                                </p:cTn>
+                              </p:par>
+                            </p:childTnLst>
+                          </p:cTn>
+                        </p:par>
+                      </p:childTnLst>
+                    </p:cTn>
+                  </p:par>
+                  <p:par>
+                    <p:cTn id="8" fill="hold">
+                      <p:stCondLst>
+                        <p:cond delay="indefinite"/>
+                      </p:stCondLst>
+                      <p:childTnLst>
+                        <p:par>
+                          <p:cTn id="9" fill="hold">
+                            <p:stCondLst>
+                              <p:cond delay="0"/>
+                            </p:stCondLst>
+                            <p:childTnLst>
+                              <p:par>
+                                <p:cTn id="10" presetID="42" presetClass="entr" presetSubtype="0" fill="hold" nodeType="clickEffect">
+                                  <p:stCondLst>
+                                    <p:cond delay="0"/>
+                                  </p:stCondLst>
+                                  <p:childTnLst>
+                                    <p:set>
+                                      <p:cBhvr>
+                                        <p:cTn id="11" dur="1" fill="hold">
+                                          <p:stCondLst>
+                                            <p:cond delay="0"/>
+                                          </p:stCondLst>
+                                        </p:cTn>
+                                        <p:tgtEl>
+                                          <p:spTgt spid="1026"/>
+                                        </p:tgtEl>
+                                        <p:attrNameLst>
+                                          <p:attrName>style.visibility</p:attrName>
+                                        </p:attrNameLst>
+                                      </p:cBhvr>
+                                      <p:to>
+                                        <p:strVal val="visible"/>
+                                      </p:to>
+                                    </p:set>
+                                    <p:animEffect transition="in" filter="fade">
+                                      <p:cBhvr>
+                                        <p:cTn id="12" dur="1000"/>
+                                        <p:tgtEl>
+                                          <p:spTgt spid="1026"/>
+                                        </p:tgtEl>
+                                      </p:cBhvr>
+                                    </p:animEffect>
+                                    <p:anim calcmode="lin" valueType="num">
+                                      <p:cBhvr>
+                                        <p:cTn id="13" dur="1000" fill="hold"/>
+                                        <p:tgtEl>
+                                          <p:spTgt spid="1026"/>
                                         </p:tgtEl>
                                         <p:attrNameLst>
                                           <p:attrName>ppt_x</p:attrName>
@@ -10223,10 +14463,10 @@
                                       </p:tavLst>
                                     </p:anim>
                                     <p:anim calcmode="lin" valueType="num">
-                                      <p:cBhvr additive="base">
-                                        <p:cTn id="8" dur="500" fill="hold"/>
+                                      <p:cBhvr>
+                                        <p:cTn id="14" dur="1000" fill="hold"/>
                                         <p:tgtEl>
-                                          <p:spTgt spid="6"/>
+                                          <p:spTgt spid="1026"/>
                                         </p:tgtEl>
                                         <p:attrNameLst>
                                           <p:attrName>ppt_y</p:attrName>
@@ -10235,7 +14475,7 @@
                                       <p:tavLst>
                                         <p:tav tm="0">
                                           <p:val>
-                                            <p:strVal val="1+#ppt_h/2"/>
+                                            <p:strVal val="#ppt_y+.1"/>
                                           </p:val>
                                         </p:tav>
                                         <p:tav tm="100000">
@@ -10255,76 +14495,32 @@
                     </p:cTn>
                   </p:par>
                   <p:par>
-                    <p:cTn id="9" fill="hold">
+                    <p:cTn id="15" fill="hold">
                       <p:stCondLst>
                         <p:cond delay="indefinite"/>
                       </p:stCondLst>
                       <p:childTnLst>
                         <p:par>
-                          <p:cTn id="10" fill="hold">
+                          <p:cTn id="16" fill="hold">
                             <p:stCondLst>
                               <p:cond delay="0"/>
                             </p:stCondLst>
                             <p:childTnLst>
                               <p:par>
-                                <p:cTn id="11" presetID="26" presetClass="emph" presetSubtype="0" fill="hold" nodeType="clickEffect">
-                                  <p:stCondLst>
-                                    <p:cond delay="0"/>
-                                  </p:stCondLst>
-                                  <p:childTnLst>
-                                    <p:animEffect transition="out" filter="fade">
-                                      <p:cBhvr>
-                                        <p:cTn id="12" dur="500" tmFilter="0, 0; .2, .5; .8, .5; 1, 0"/>
-                                        <p:tgtEl>
-                                          <p:spTgt spid="12"/>
-                                        </p:tgtEl>
-                                      </p:cBhvr>
-                                    </p:animEffect>
-                                    <p:animScale>
-                                      <p:cBhvr>
-                                        <p:cTn id="13" dur="250" autoRev="1" fill="hold"/>
-                                        <p:tgtEl>
-                                          <p:spTgt spid="12"/>
-                                        </p:tgtEl>
-                                      </p:cBhvr>
-                                      <p:by x="105000" y="105000"/>
-                                    </p:animScale>
-                                  </p:childTnLst>
-                                </p:cTn>
-                              </p:par>
-                            </p:childTnLst>
-                          </p:cTn>
-                        </p:par>
-                      </p:childTnLst>
-                    </p:cTn>
-                  </p:par>
-                  <p:par>
-                    <p:cTn id="14" fill="hold">
-                      <p:stCondLst>
-                        <p:cond delay="indefinite"/>
-                      </p:stCondLst>
-                      <p:childTnLst>
-                        <p:par>
-                          <p:cTn id="15" fill="hold">
-                            <p:stCondLst>
-                              <p:cond delay="0"/>
-                            </p:stCondLst>
-                            <p:childTnLst>
-                              <p:par>
-                                <p:cTn id="16" presetID="2" presetClass="entr" presetSubtype="4" fill="hold" nodeType="clickEffect">
+                                <p:cTn id="17" presetID="6" presetClass="entr" presetSubtype="16" fill="hold" nodeType="clickEffect">
                                   <p:stCondLst>
                                     <p:cond delay="0"/>
                                   </p:stCondLst>
                                   <p:childTnLst>
                                     <p:set>
                                       <p:cBhvr>
-                                        <p:cTn id="17" dur="1" fill="hold">
+                                        <p:cTn id="18" dur="1" fill="hold">
                                           <p:stCondLst>
                                             <p:cond delay="0"/>
                                           </p:stCondLst>
                                         </p:cTn>
                                         <p:tgtEl>
-                                          <p:spTgt spid="17"/>
+                                          <p:spTgt spid="5"/>
                                         </p:tgtEl>
                                         <p:attrNameLst>
                                           <p:attrName>style.visibility</p:attrName>
@@ -10334,52 +14530,14 @@
                                         <p:strVal val="visible"/>
                                       </p:to>
                                     </p:set>
-                                    <p:anim calcmode="lin" valueType="num">
-                                      <p:cBhvr additive="base">
-                                        <p:cTn id="18" dur="500" fill="hold"/>
+                                    <p:animEffect transition="in" filter="circle(in)">
+                                      <p:cBhvr>
+                                        <p:cTn id="19" dur="2000"/>
                                         <p:tgtEl>
-                                          <p:spTgt spid="17"/>
+                                          <p:spTgt spid="5"/>
                                         </p:tgtEl>
-                                        <p:attrNameLst>
-                                          <p:attrName>ppt_x</p:attrName>
-                                        </p:attrNameLst>
                                       </p:cBhvr>
-                                      <p:tavLst>
-                                        <p:tav tm="0">
-                                          <p:val>
-                                            <p:strVal val="#ppt_x"/>
-                                          </p:val>
-                                        </p:tav>
-                                        <p:tav tm="100000">
-                                          <p:val>
-                                            <p:strVal val="#ppt_x"/>
-                                          </p:val>
-                                        </p:tav>
-                                      </p:tavLst>
-                                    </p:anim>
-                                    <p:anim calcmode="lin" valueType="num">
-                                      <p:cBhvr additive="base">
-                                        <p:cTn id="19" dur="500" fill="hold"/>
-                                        <p:tgtEl>
-                                          <p:spTgt spid="17"/>
-                                        </p:tgtEl>
-                                        <p:attrNameLst>
-                                          <p:attrName>ppt_y</p:attrName>
-                                        </p:attrNameLst>
-                                      </p:cBhvr>
-                                      <p:tavLst>
-                                        <p:tav tm="0">
-                                          <p:val>
-                                            <p:strVal val="1+#ppt_h/2"/>
-                                          </p:val>
-                                        </p:tav>
-                                        <p:tav tm="100000">
-                                          <p:val>
-                                            <p:strVal val="#ppt_y"/>
-                                          </p:val>
-                                        </p:tav>
-                                      </p:tavLst>
-                                    </p:anim>
+                                    </p:animEffect>
                                   </p:childTnLst>
                                 </p:cTn>
                               </p:par>
@@ -10402,7 +14560,7 @@
                             </p:stCondLst>
                             <p:childTnLst>
                               <p:par>
-                                <p:cTn id="22" presetID="2" presetClass="entr" presetSubtype="4" fill="hold" nodeType="clickEffect">
+                                <p:cTn id="22" presetID="42" presetClass="entr" presetSubtype="0" fill="hold" grpId="0" nodeType="clickEffect">
                                   <p:stCondLst>
                                     <p:cond delay="0"/>
                                   </p:stCondLst>
@@ -10415,7 +14573,7 @@
                                           </p:stCondLst>
                                         </p:cTn>
                                         <p:tgtEl>
-                                          <p:spTgt spid="19"/>
+                                          <p:spTgt spid="10"/>
                                         </p:tgtEl>
                                         <p:attrNameLst>
                                           <p:attrName>style.visibility</p:attrName>
@@ -10425,11 +14583,19 @@
                                         <p:strVal val="visible"/>
                                       </p:to>
                                     </p:set>
+                                    <p:animEffect transition="in" filter="fade">
+                                      <p:cBhvr>
+                                        <p:cTn id="24" dur="1000"/>
+                                        <p:tgtEl>
+                                          <p:spTgt spid="10"/>
+                                        </p:tgtEl>
+                                      </p:cBhvr>
+                                    </p:animEffect>
                                     <p:anim calcmode="lin" valueType="num">
-                                      <p:cBhvr additive="base">
-                                        <p:cTn id="24" dur="500" fill="hold"/>
+                                      <p:cBhvr>
+                                        <p:cTn id="25" dur="1000" fill="hold"/>
                                         <p:tgtEl>
-                                          <p:spTgt spid="19"/>
+                                          <p:spTgt spid="10"/>
                                         </p:tgtEl>
                                         <p:attrNameLst>
                                           <p:attrName>ppt_x</p:attrName>
@@ -10449,10 +14615,10 @@
                                       </p:tavLst>
                                     </p:anim>
                                     <p:anim calcmode="lin" valueType="num">
-                                      <p:cBhvr additive="base">
-                                        <p:cTn id="25" dur="500" fill="hold"/>
+                                      <p:cBhvr>
+                                        <p:cTn id="26" dur="1000" fill="hold"/>
                                         <p:tgtEl>
-                                          <p:spTgt spid="19"/>
+                                          <p:spTgt spid="10"/>
                                         </p:tgtEl>
                                         <p:attrNameLst>
                                           <p:attrName>ppt_y</p:attrName>
@@ -10461,7 +14627,928 @@
                                       <p:tavLst>
                                         <p:tav tm="0">
                                           <p:val>
-                                            <p:strVal val="1+#ppt_h/2"/>
+                                            <p:strVal val="#ppt_y+.1"/>
+                                          </p:val>
+                                        </p:tav>
+                                        <p:tav tm="100000">
+                                          <p:val>
+                                            <p:strVal val="#ppt_y"/>
+                                          </p:val>
+                                        </p:tav>
+                                      </p:tavLst>
+                                    </p:anim>
+                                  </p:childTnLst>
+                                </p:cTn>
+                              </p:par>
+                            </p:childTnLst>
+                          </p:cTn>
+                        </p:par>
+                      </p:childTnLst>
+                    </p:cTn>
+                  </p:par>
+                  <p:par>
+                    <p:cTn id="27" fill="hold">
+                      <p:stCondLst>
+                        <p:cond delay="indefinite"/>
+                      </p:stCondLst>
+                      <p:childTnLst>
+                        <p:par>
+                          <p:cTn id="28" fill="hold">
+                            <p:stCondLst>
+                              <p:cond delay="0"/>
+                            </p:stCondLst>
+                            <p:childTnLst>
+                              <p:par>
+                                <p:cTn id="29" presetID="10" presetClass="entr" presetSubtype="0" fill="hold" nodeType="clickEffect">
+                                  <p:stCondLst>
+                                    <p:cond delay="0"/>
+                                  </p:stCondLst>
+                                  <p:childTnLst>
+                                    <p:set>
+                                      <p:cBhvr>
+                                        <p:cTn id="30" dur="1" fill="hold">
+                                          <p:stCondLst>
+                                            <p:cond delay="0"/>
+                                          </p:stCondLst>
+                                        </p:cTn>
+                                        <p:tgtEl>
+                                          <p:spTgt spid="11"/>
+                                        </p:tgtEl>
+                                        <p:attrNameLst>
+                                          <p:attrName>style.visibility</p:attrName>
+                                        </p:attrNameLst>
+                                      </p:cBhvr>
+                                      <p:to>
+                                        <p:strVal val="visible"/>
+                                      </p:to>
+                                    </p:set>
+                                    <p:animEffect transition="in" filter="fade">
+                                      <p:cBhvr>
+                                        <p:cTn id="31" dur="500"/>
+                                        <p:tgtEl>
+                                          <p:spTgt spid="11"/>
+                                        </p:tgtEl>
+                                      </p:cBhvr>
+                                    </p:animEffect>
+                                  </p:childTnLst>
+                                </p:cTn>
+                              </p:par>
+                            </p:childTnLst>
+                          </p:cTn>
+                        </p:par>
+                      </p:childTnLst>
+                    </p:cTn>
+                  </p:par>
+                </p:childTnLst>
+              </p:cTn>
+              <p:prevCondLst>
+                <p:cond evt="onPrev" delay="0">
+                  <p:tgtEl>
+                    <p:sldTgt/>
+                  </p:tgtEl>
+                </p:cond>
+              </p:prevCondLst>
+              <p:nextCondLst>
+                <p:cond evt="onNext" delay="0">
+                  <p:tgtEl>
+                    <p:sldTgt/>
+                  </p:tgtEl>
+                </p:cond>
+              </p:nextCondLst>
+            </p:seq>
+          </p:childTnLst>
+        </p:cTn>
+      </p:par>
+    </p:tnLst>
+    <p:bldLst>
+      <p:bldP spid="14" grpId="0"/>
+      <p:bldP spid="10" grpId="0"/>
+    </p:bldLst>
+  </p:timing>
+</p:sld>
+</file>
+
+<file path=ppt/slides/slide5.xml><?xml version="1.0" encoding="utf-8"?>
+<p:sld xmlns:a="http://schemas.openxmlformats.org/drawingml/2006/main" xmlns:r="http://schemas.openxmlformats.org/officeDocument/2006/relationships" xmlns:p="http://schemas.openxmlformats.org/presentationml/2006/main">
+  <p:cSld>
+    <p:spTree>
+      <p:nvGrpSpPr>
+        <p:cNvPr id="1" name=""/>
+        <p:cNvGrpSpPr/>
+        <p:nvPr/>
+      </p:nvGrpSpPr>
+      <p:grpSpPr>
+        <a:xfrm>
+          <a:off x="0" y="0"/>
+          <a:ext cx="0" cy="0"/>
+          <a:chOff x="0" y="0"/>
+          <a:chExt cx="0" cy="0"/>
+        </a:xfrm>
+      </p:grpSpPr>
+      <p:sp>
+        <p:nvSpPr>
+          <p:cNvPr id="166" name="object 2">
+            <a:extLst>
+              <a:ext uri="{FF2B5EF4-FFF2-40B4-BE49-F238E27FC236}">
+                <a16:creationId xmlns:a16="http://schemas.microsoft.com/office/drawing/2014/main" id="{DA3D3201-782B-49B5-87ED-679053B4483C}"/>
+              </a:ext>
+            </a:extLst>
+          </p:cNvPr>
+          <p:cNvSpPr txBox="1">
+            <a:spLocks noGrp="1"/>
+          </p:cNvSpPr>
+          <p:nvPr>
+            <p:ph type="title"/>
+          </p:nvPr>
+        </p:nvSpPr>
+        <p:spPr>
+          <a:xfrm>
+            <a:off x="377048" y="363293"/>
+            <a:ext cx="11110443" cy="505405"/>
+          </a:xfrm>
+        </p:spPr>
+        <p:txBody>
+          <a:bodyPr>
+            <a:noAutofit/>
+          </a:bodyPr>
+          <a:lstStyle/>
+          <a:p>
+            <a:pPr algn="ctr" defTabSz="1095167"/>
+            <a:r>
+              <a:rPr lang="en-US" sz="2800" b="1" dirty="0">
+                <a:ln w="11430"/>
+                <a:solidFill>
+                  <a:srgbClr val="FFFF00"/>
+                </a:solidFill>
+                <a:effectLst>
+                  <a:outerShdw blurRad="50800" dist="39000" dir="5460000" algn="tl">
+                    <a:srgbClr val="000000">
+                      <a:alpha val="38000"/>
+                    </a:srgbClr>
+                  </a:outerShdw>
+                </a:effectLst>
+                <a:latin typeface="Arial Rounded MT Bold" pitchFamily="34" charset="0"/>
+                <a:cs typeface="Arial" charset="0"/>
+              </a:rPr>
+              <a:t>3. Motivation</a:t>
+            </a:r>
+          </a:p>
+        </p:txBody>
+      </p:sp>
+      <p:sp>
+        <p:nvSpPr>
+          <p:cNvPr id="14" name="矩形 13">
+            <a:extLst>
+              <a:ext uri="{FF2B5EF4-FFF2-40B4-BE49-F238E27FC236}">
+                <a16:creationId xmlns:a16="http://schemas.microsoft.com/office/drawing/2014/main" id="{C46C3BD4-468F-4BC4-9BFD-95DD405D8924}"/>
+              </a:ext>
+            </a:extLst>
+          </p:cNvPr>
+          <p:cNvSpPr/>
+          <p:nvPr/>
+        </p:nvSpPr>
+        <p:spPr>
+          <a:xfrm>
+            <a:off x="-178357" y="1136256"/>
+            <a:ext cx="12370357" cy="579967"/>
+          </a:xfrm>
+          <a:prstGeom prst="rect">
+            <a:avLst/>
+          </a:prstGeom>
+        </p:spPr>
+        <p:txBody>
+          <a:bodyPr wrap="square">
+            <a:spAutoFit/>
+          </a:bodyPr>
+          <a:lstStyle/>
+          <a:p>
+            <a:pPr lvl="1">
+              <a:lnSpc>
+                <a:spcPct val="150000"/>
+              </a:lnSpc>
+            </a:pPr>
+            <a:r>
+              <a:rPr lang="en-US" altLang="zh-CN" sz="2400" dirty="0">
+                <a:latin typeface="Times New Roman" panose="02020603050405020304" pitchFamily="18" charset="0"/>
+                <a:ea typeface="微软雅黑" panose="020B0503020204020204" pitchFamily="34" charset="-122"/>
+                <a:cs typeface="Times New Roman" panose="02020603050405020304" pitchFamily="18" charset="0"/>
+              </a:rPr>
+              <a:t>3. GCN action recognition models have special graphs</a:t>
+            </a:r>
+          </a:p>
+        </p:txBody>
+      </p:sp>
+      <p:sp>
+        <p:nvSpPr>
+          <p:cNvPr id="10" name="矩形 9">
+            <a:extLst>
+              <a:ext uri="{FF2B5EF4-FFF2-40B4-BE49-F238E27FC236}">
+                <a16:creationId xmlns:a16="http://schemas.microsoft.com/office/drawing/2014/main" id="{33D0B6A1-0FF3-41FC-BD1A-698D55442169}"/>
+              </a:ext>
+            </a:extLst>
+          </p:cNvPr>
+          <p:cNvSpPr/>
+          <p:nvPr/>
+        </p:nvSpPr>
+        <p:spPr>
+          <a:xfrm>
+            <a:off x="-181533" y="4529567"/>
+            <a:ext cx="12370357" cy="579967"/>
+          </a:xfrm>
+          <a:prstGeom prst="rect">
+            <a:avLst/>
+          </a:prstGeom>
+        </p:spPr>
+        <p:txBody>
+          <a:bodyPr wrap="square">
+            <a:spAutoFit/>
+          </a:bodyPr>
+          <a:lstStyle/>
+          <a:p>
+            <a:pPr lvl="1">
+              <a:lnSpc>
+                <a:spcPct val="150000"/>
+              </a:lnSpc>
+            </a:pPr>
+            <a:r>
+              <a:rPr lang="en-US" altLang="zh-CN" sz="2400" dirty="0">
+                <a:latin typeface="Times New Roman" panose="02020603050405020304" pitchFamily="18" charset="0"/>
+                <a:ea typeface="微软雅黑" panose="020B0503020204020204" pitchFamily="34" charset="-122"/>
+                <a:cs typeface="Times New Roman" panose="02020603050405020304" pitchFamily="18" charset="0"/>
+              </a:rPr>
+              <a:t>4. GCN action recognition models computing complexity</a:t>
+            </a:r>
+          </a:p>
+        </p:txBody>
+      </p:sp>
+      <p:pic>
+        <p:nvPicPr>
+          <p:cNvPr id="8" name="图片 7">
+            <a:extLst>
+              <a:ext uri="{FF2B5EF4-FFF2-40B4-BE49-F238E27FC236}">
+                <a16:creationId xmlns:a16="http://schemas.microsoft.com/office/drawing/2014/main" id="{11B1305E-770A-421C-9787-E5C1C8E39505}"/>
+              </a:ext>
+            </a:extLst>
+          </p:cNvPr>
+          <p:cNvPicPr/>
+          <p:nvPr/>
+        </p:nvPicPr>
+        <p:blipFill>
+          <a:blip r:embed="rId3"/>
+          <a:stretch>
+            <a:fillRect/>
+          </a:stretch>
+        </p:blipFill>
+        <p:spPr>
+          <a:xfrm>
+            <a:off x="462988" y="1735567"/>
+            <a:ext cx="2615878" cy="2653000"/>
+          </a:xfrm>
+          <a:prstGeom prst="rect">
+            <a:avLst/>
+          </a:prstGeom>
+        </p:spPr>
+      </p:pic>
+      <p:pic>
+        <p:nvPicPr>
+          <p:cNvPr id="9" name="图片 8">
+            <a:extLst>
+              <a:ext uri="{FF2B5EF4-FFF2-40B4-BE49-F238E27FC236}">
+                <a16:creationId xmlns:a16="http://schemas.microsoft.com/office/drawing/2014/main" id="{ECCB9F8A-9D1E-4A92-B0B7-5A649AD5353E}"/>
+              </a:ext>
+            </a:extLst>
+          </p:cNvPr>
+          <p:cNvPicPr>
+            <a:picLocks noChangeAspect="1"/>
+          </p:cNvPicPr>
+          <p:nvPr/>
+        </p:nvPicPr>
+        <p:blipFill>
+          <a:blip r:embed="rId4"/>
+          <a:stretch>
+            <a:fillRect/>
+          </a:stretch>
+        </p:blipFill>
+        <p:spPr>
+          <a:xfrm>
+            <a:off x="4957186" y="1735567"/>
+            <a:ext cx="2803866" cy="2753648"/>
+          </a:xfrm>
+          <a:prstGeom prst="rect">
+            <a:avLst/>
+          </a:prstGeom>
+        </p:spPr>
+      </p:pic>
+      <p:sp>
+        <p:nvSpPr>
+          <p:cNvPr id="12" name="矩形 11">
+            <a:extLst>
+              <a:ext uri="{FF2B5EF4-FFF2-40B4-BE49-F238E27FC236}">
+                <a16:creationId xmlns:a16="http://schemas.microsoft.com/office/drawing/2014/main" id="{098023B5-D5EE-41D2-B69D-442CBAF2AB92}"/>
+              </a:ext>
+            </a:extLst>
+          </p:cNvPr>
+          <p:cNvSpPr/>
+          <p:nvPr/>
+        </p:nvSpPr>
+        <p:spPr>
+          <a:xfrm>
+            <a:off x="2358427" y="1817358"/>
+            <a:ext cx="12370357" cy="498663"/>
+          </a:xfrm>
+          <a:prstGeom prst="rect">
+            <a:avLst/>
+          </a:prstGeom>
+        </p:spPr>
+        <p:txBody>
+          <a:bodyPr wrap="square">
+            <a:spAutoFit/>
+          </a:bodyPr>
+          <a:lstStyle/>
+          <a:p>
+            <a:pPr lvl="1">
+              <a:lnSpc>
+                <a:spcPct val="150000"/>
+              </a:lnSpc>
+            </a:pPr>
+            <a:r>
+              <a:rPr lang="en-US" altLang="zh-CN" sz="2000" dirty="0">
+                <a:latin typeface="Times New Roman" panose="02020603050405020304" pitchFamily="18" charset="0"/>
+                <a:ea typeface="微软雅黑" panose="020B0503020204020204" pitchFamily="34" charset="-122"/>
+                <a:cs typeface="Times New Roman" panose="02020603050405020304" pitchFamily="18" charset="0"/>
+              </a:rPr>
+              <a:t>Unchangeable</a:t>
+            </a:r>
+          </a:p>
+        </p:txBody>
+      </p:sp>
+      <p:sp>
+        <p:nvSpPr>
+          <p:cNvPr id="13" name="矩形 12">
+            <a:extLst>
+              <a:ext uri="{FF2B5EF4-FFF2-40B4-BE49-F238E27FC236}">
+                <a16:creationId xmlns:a16="http://schemas.microsoft.com/office/drawing/2014/main" id="{A2B19C40-195F-498B-8069-9554F67ADF4C}"/>
+              </a:ext>
+            </a:extLst>
+          </p:cNvPr>
+          <p:cNvSpPr/>
+          <p:nvPr/>
+        </p:nvSpPr>
+        <p:spPr>
+          <a:xfrm>
+            <a:off x="7291172" y="1716710"/>
+            <a:ext cx="12370357" cy="498663"/>
+          </a:xfrm>
+          <a:prstGeom prst="rect">
+            <a:avLst/>
+          </a:prstGeom>
+        </p:spPr>
+        <p:txBody>
+          <a:bodyPr wrap="square">
+            <a:spAutoFit/>
+          </a:bodyPr>
+          <a:lstStyle/>
+          <a:p>
+            <a:pPr lvl="1">
+              <a:lnSpc>
+                <a:spcPct val="150000"/>
+              </a:lnSpc>
+            </a:pPr>
+            <a:r>
+              <a:rPr lang="en-US" altLang="zh-CN" sz="2000" dirty="0">
+                <a:latin typeface="Times New Roman" panose="02020603050405020304" pitchFamily="18" charset="0"/>
+                <a:ea typeface="微软雅黑" panose="020B0503020204020204" pitchFamily="34" charset="-122"/>
+                <a:cs typeface="Times New Roman" panose="02020603050405020304" pitchFamily="18" charset="0"/>
+              </a:rPr>
+              <a:t>Dense</a:t>
+            </a:r>
+          </a:p>
+        </p:txBody>
+      </p:sp>
+      <p:sp>
+        <p:nvSpPr>
+          <p:cNvPr id="15" name="矩形 14">
+            <a:extLst>
+              <a:ext uri="{FF2B5EF4-FFF2-40B4-BE49-F238E27FC236}">
+                <a16:creationId xmlns:a16="http://schemas.microsoft.com/office/drawing/2014/main" id="{7B505A14-6BBC-4A5C-B06B-42DCF91E5958}"/>
+              </a:ext>
+            </a:extLst>
+          </p:cNvPr>
+          <p:cNvSpPr/>
+          <p:nvPr/>
+        </p:nvSpPr>
+        <p:spPr>
+          <a:xfrm>
+            <a:off x="149556" y="5011877"/>
+            <a:ext cx="12370357" cy="960328"/>
+          </a:xfrm>
+          <a:prstGeom prst="rect">
+            <a:avLst/>
+          </a:prstGeom>
+        </p:spPr>
+        <p:txBody>
+          <a:bodyPr wrap="square">
+            <a:spAutoFit/>
+          </a:bodyPr>
+          <a:lstStyle/>
+          <a:p>
+            <a:pPr lvl="1">
+              <a:lnSpc>
+                <a:spcPct val="150000"/>
+              </a:lnSpc>
+            </a:pPr>
+            <a:r>
+              <a:rPr lang="en-US" altLang="zh-CN" sz="2000" dirty="0">
+                <a:latin typeface="Times New Roman" panose="02020603050405020304" pitchFamily="18" charset="0"/>
+                <a:ea typeface="微软雅黑" panose="020B0503020204020204" pitchFamily="34" charset="-122"/>
+                <a:cs typeface="Times New Roman" panose="02020603050405020304" pitchFamily="18" charset="0"/>
+              </a:rPr>
+              <a:t>ST-GCN: 6 blocks,  12 conv layers;</a:t>
+            </a:r>
+          </a:p>
+          <a:p>
+            <a:pPr lvl="1">
+              <a:lnSpc>
+                <a:spcPct val="150000"/>
+              </a:lnSpc>
+            </a:pPr>
+            <a:r>
+              <a:rPr lang="en-US" altLang="zh-CN" sz="2000" dirty="0">
+                <a:latin typeface="Times New Roman" panose="02020603050405020304" pitchFamily="18" charset="0"/>
+                <a:ea typeface="微软雅黑" panose="020B0503020204020204" pitchFamily="34" charset="-122"/>
+                <a:cs typeface="Times New Roman" panose="02020603050405020304" pitchFamily="18" charset="0"/>
+              </a:rPr>
+              <a:t>2s-AGCN: 10 blocks, 20 conv layers;</a:t>
+            </a:r>
+          </a:p>
+        </p:txBody>
+      </p:sp>
+    </p:spTree>
+    <p:extLst>
+      <p:ext uri="{BB962C8B-B14F-4D97-AF65-F5344CB8AC3E}">
+        <p14:creationId xmlns:p14="http://schemas.microsoft.com/office/powerpoint/2010/main" val="1645517924"/>
+      </p:ext>
+    </p:extLst>
+  </p:cSld>
+  <p:clrMapOvr>
+    <a:masterClrMapping/>
+  </p:clrMapOvr>
+  <p:timing>
+    <p:tnLst>
+      <p:par>
+        <p:cTn id="1" dur="indefinite" restart="never" nodeType="tmRoot">
+          <p:childTnLst>
+            <p:seq concurrent="1" nextAc="seek">
+              <p:cTn id="2" dur="indefinite" nodeType="mainSeq">
+                <p:childTnLst>
+                  <p:par>
+                    <p:cTn id="3" fill="hold">
+                      <p:stCondLst>
+                        <p:cond delay="indefinite"/>
+                      </p:stCondLst>
+                      <p:childTnLst>
+                        <p:par>
+                          <p:cTn id="4" fill="hold">
+                            <p:stCondLst>
+                              <p:cond delay="0"/>
+                            </p:stCondLst>
+                            <p:childTnLst>
+                              <p:par>
+                                <p:cTn id="5" presetID="42" presetClass="entr" presetSubtype="0" fill="hold" nodeType="clickEffect">
+                                  <p:stCondLst>
+                                    <p:cond delay="0"/>
+                                  </p:stCondLst>
+                                  <p:childTnLst>
+                                    <p:set>
+                                      <p:cBhvr>
+                                        <p:cTn id="6" dur="1" fill="hold">
+                                          <p:stCondLst>
+                                            <p:cond delay="0"/>
+                                          </p:stCondLst>
+                                        </p:cTn>
+                                        <p:tgtEl>
+                                          <p:spTgt spid="8"/>
+                                        </p:tgtEl>
+                                        <p:attrNameLst>
+                                          <p:attrName>style.visibility</p:attrName>
+                                        </p:attrNameLst>
+                                      </p:cBhvr>
+                                      <p:to>
+                                        <p:strVal val="visible"/>
+                                      </p:to>
+                                    </p:set>
+                                    <p:animEffect transition="in" filter="fade">
+                                      <p:cBhvr>
+                                        <p:cTn id="7" dur="1000"/>
+                                        <p:tgtEl>
+                                          <p:spTgt spid="8"/>
+                                        </p:tgtEl>
+                                      </p:cBhvr>
+                                    </p:animEffect>
+                                    <p:anim calcmode="lin" valueType="num">
+                                      <p:cBhvr>
+                                        <p:cTn id="8" dur="1000" fill="hold"/>
+                                        <p:tgtEl>
+                                          <p:spTgt spid="8"/>
+                                        </p:tgtEl>
+                                        <p:attrNameLst>
+                                          <p:attrName>ppt_x</p:attrName>
+                                        </p:attrNameLst>
+                                      </p:cBhvr>
+                                      <p:tavLst>
+                                        <p:tav tm="0">
+                                          <p:val>
+                                            <p:strVal val="#ppt_x"/>
+                                          </p:val>
+                                        </p:tav>
+                                        <p:tav tm="100000">
+                                          <p:val>
+                                            <p:strVal val="#ppt_x"/>
+                                          </p:val>
+                                        </p:tav>
+                                      </p:tavLst>
+                                    </p:anim>
+                                    <p:anim calcmode="lin" valueType="num">
+                                      <p:cBhvr>
+                                        <p:cTn id="9" dur="1000" fill="hold"/>
+                                        <p:tgtEl>
+                                          <p:spTgt spid="8"/>
+                                        </p:tgtEl>
+                                        <p:attrNameLst>
+                                          <p:attrName>ppt_y</p:attrName>
+                                        </p:attrNameLst>
+                                      </p:cBhvr>
+                                      <p:tavLst>
+                                        <p:tav tm="0">
+                                          <p:val>
+                                            <p:strVal val="#ppt_y+.1"/>
+                                          </p:val>
+                                        </p:tav>
+                                        <p:tav tm="100000">
+                                          <p:val>
+                                            <p:strVal val="#ppt_y"/>
+                                          </p:val>
+                                        </p:tav>
+                                      </p:tavLst>
+                                    </p:anim>
+                                  </p:childTnLst>
+                                </p:cTn>
+                              </p:par>
+                              <p:par>
+                                <p:cTn id="10" presetID="42" presetClass="entr" presetSubtype="0" fill="hold" grpId="0" nodeType="withEffect">
+                                  <p:stCondLst>
+                                    <p:cond delay="0"/>
+                                  </p:stCondLst>
+                                  <p:childTnLst>
+                                    <p:set>
+                                      <p:cBhvr>
+                                        <p:cTn id="11" dur="1" fill="hold">
+                                          <p:stCondLst>
+                                            <p:cond delay="0"/>
+                                          </p:stCondLst>
+                                        </p:cTn>
+                                        <p:tgtEl>
+                                          <p:spTgt spid="12"/>
+                                        </p:tgtEl>
+                                        <p:attrNameLst>
+                                          <p:attrName>style.visibility</p:attrName>
+                                        </p:attrNameLst>
+                                      </p:cBhvr>
+                                      <p:to>
+                                        <p:strVal val="visible"/>
+                                      </p:to>
+                                    </p:set>
+                                    <p:animEffect transition="in" filter="fade">
+                                      <p:cBhvr>
+                                        <p:cTn id="12" dur="1000"/>
+                                        <p:tgtEl>
+                                          <p:spTgt spid="12"/>
+                                        </p:tgtEl>
+                                      </p:cBhvr>
+                                    </p:animEffect>
+                                    <p:anim calcmode="lin" valueType="num">
+                                      <p:cBhvr>
+                                        <p:cTn id="13" dur="1000" fill="hold"/>
+                                        <p:tgtEl>
+                                          <p:spTgt spid="12"/>
+                                        </p:tgtEl>
+                                        <p:attrNameLst>
+                                          <p:attrName>ppt_x</p:attrName>
+                                        </p:attrNameLst>
+                                      </p:cBhvr>
+                                      <p:tavLst>
+                                        <p:tav tm="0">
+                                          <p:val>
+                                            <p:strVal val="#ppt_x"/>
+                                          </p:val>
+                                        </p:tav>
+                                        <p:tav tm="100000">
+                                          <p:val>
+                                            <p:strVal val="#ppt_x"/>
+                                          </p:val>
+                                        </p:tav>
+                                      </p:tavLst>
+                                    </p:anim>
+                                    <p:anim calcmode="lin" valueType="num">
+                                      <p:cBhvr>
+                                        <p:cTn id="14" dur="1000" fill="hold"/>
+                                        <p:tgtEl>
+                                          <p:spTgt spid="12"/>
+                                        </p:tgtEl>
+                                        <p:attrNameLst>
+                                          <p:attrName>ppt_y</p:attrName>
+                                        </p:attrNameLst>
+                                      </p:cBhvr>
+                                      <p:tavLst>
+                                        <p:tav tm="0">
+                                          <p:val>
+                                            <p:strVal val="#ppt_y+.1"/>
+                                          </p:val>
+                                        </p:tav>
+                                        <p:tav tm="100000">
+                                          <p:val>
+                                            <p:strVal val="#ppt_y"/>
+                                          </p:val>
+                                        </p:tav>
+                                      </p:tavLst>
+                                    </p:anim>
+                                  </p:childTnLst>
+                                </p:cTn>
+                              </p:par>
+                            </p:childTnLst>
+                          </p:cTn>
+                        </p:par>
+                      </p:childTnLst>
+                    </p:cTn>
+                  </p:par>
+                  <p:par>
+                    <p:cTn id="15" fill="hold">
+                      <p:stCondLst>
+                        <p:cond delay="indefinite"/>
+                      </p:stCondLst>
+                      <p:childTnLst>
+                        <p:par>
+                          <p:cTn id="16" fill="hold">
+                            <p:stCondLst>
+                              <p:cond delay="0"/>
+                            </p:stCondLst>
+                            <p:childTnLst>
+                              <p:par>
+                                <p:cTn id="17" presetID="21" presetClass="entr" presetSubtype="1" fill="hold" grpId="0" nodeType="clickEffect">
+                                  <p:stCondLst>
+                                    <p:cond delay="0"/>
+                                  </p:stCondLst>
+                                  <p:childTnLst>
+                                    <p:set>
+                                      <p:cBhvr>
+                                        <p:cTn id="18" dur="1" fill="hold">
+                                          <p:stCondLst>
+                                            <p:cond delay="0"/>
+                                          </p:stCondLst>
+                                        </p:cTn>
+                                        <p:tgtEl>
+                                          <p:spTgt spid="13"/>
+                                        </p:tgtEl>
+                                        <p:attrNameLst>
+                                          <p:attrName>style.visibility</p:attrName>
+                                        </p:attrNameLst>
+                                      </p:cBhvr>
+                                      <p:to>
+                                        <p:strVal val="visible"/>
+                                      </p:to>
+                                    </p:set>
+                                    <p:animEffect transition="in" filter="wheel(1)">
+                                      <p:cBhvr>
+                                        <p:cTn id="19" dur="2000"/>
+                                        <p:tgtEl>
+                                          <p:spTgt spid="13"/>
+                                        </p:tgtEl>
+                                      </p:cBhvr>
+                                    </p:animEffect>
+                                  </p:childTnLst>
+                                </p:cTn>
+                              </p:par>
+                              <p:par>
+                                <p:cTn id="20" presetID="21" presetClass="entr" presetSubtype="1" fill="hold" nodeType="withEffect">
+                                  <p:stCondLst>
+                                    <p:cond delay="0"/>
+                                  </p:stCondLst>
+                                  <p:childTnLst>
+                                    <p:set>
+                                      <p:cBhvr>
+                                        <p:cTn id="21" dur="1" fill="hold">
+                                          <p:stCondLst>
+                                            <p:cond delay="0"/>
+                                          </p:stCondLst>
+                                        </p:cTn>
+                                        <p:tgtEl>
+                                          <p:spTgt spid="9"/>
+                                        </p:tgtEl>
+                                        <p:attrNameLst>
+                                          <p:attrName>style.visibility</p:attrName>
+                                        </p:attrNameLst>
+                                      </p:cBhvr>
+                                      <p:to>
+                                        <p:strVal val="visible"/>
+                                      </p:to>
+                                    </p:set>
+                                    <p:animEffect transition="in" filter="wheel(1)">
+                                      <p:cBhvr>
+                                        <p:cTn id="22" dur="2000"/>
+                                        <p:tgtEl>
+                                          <p:spTgt spid="9"/>
+                                        </p:tgtEl>
+                                      </p:cBhvr>
+                                    </p:animEffect>
+                                  </p:childTnLst>
+                                </p:cTn>
+                              </p:par>
+                            </p:childTnLst>
+                          </p:cTn>
+                        </p:par>
+                      </p:childTnLst>
+                    </p:cTn>
+                  </p:par>
+                  <p:par>
+                    <p:cTn id="23" fill="hold">
+                      <p:stCondLst>
+                        <p:cond delay="indefinite"/>
+                      </p:stCondLst>
+                      <p:childTnLst>
+                        <p:par>
+                          <p:cTn id="24" fill="hold">
+                            <p:stCondLst>
+                              <p:cond delay="0"/>
+                            </p:stCondLst>
+                            <p:childTnLst>
+                              <p:par>
+                                <p:cTn id="25" presetID="42" presetClass="entr" presetSubtype="0" fill="hold" grpId="0" nodeType="clickEffect">
+                                  <p:stCondLst>
+                                    <p:cond delay="0"/>
+                                  </p:stCondLst>
+                                  <p:childTnLst>
+                                    <p:set>
+                                      <p:cBhvr>
+                                        <p:cTn id="26" dur="1" fill="hold">
+                                          <p:stCondLst>
+                                            <p:cond delay="0"/>
+                                          </p:stCondLst>
+                                        </p:cTn>
+                                        <p:tgtEl>
+                                          <p:spTgt spid="10"/>
+                                        </p:tgtEl>
+                                        <p:attrNameLst>
+                                          <p:attrName>style.visibility</p:attrName>
+                                        </p:attrNameLst>
+                                      </p:cBhvr>
+                                      <p:to>
+                                        <p:strVal val="visible"/>
+                                      </p:to>
+                                    </p:set>
+                                    <p:animEffect transition="in" filter="fade">
+                                      <p:cBhvr>
+                                        <p:cTn id="27" dur="1000"/>
+                                        <p:tgtEl>
+                                          <p:spTgt spid="10"/>
+                                        </p:tgtEl>
+                                      </p:cBhvr>
+                                    </p:animEffect>
+                                    <p:anim calcmode="lin" valueType="num">
+                                      <p:cBhvr>
+                                        <p:cTn id="28" dur="1000" fill="hold"/>
+                                        <p:tgtEl>
+                                          <p:spTgt spid="10"/>
+                                        </p:tgtEl>
+                                        <p:attrNameLst>
+                                          <p:attrName>ppt_x</p:attrName>
+                                        </p:attrNameLst>
+                                      </p:cBhvr>
+                                      <p:tavLst>
+                                        <p:tav tm="0">
+                                          <p:val>
+                                            <p:strVal val="#ppt_x"/>
+                                          </p:val>
+                                        </p:tav>
+                                        <p:tav tm="100000">
+                                          <p:val>
+                                            <p:strVal val="#ppt_x"/>
+                                          </p:val>
+                                        </p:tav>
+                                      </p:tavLst>
+                                    </p:anim>
+                                    <p:anim calcmode="lin" valueType="num">
+                                      <p:cBhvr>
+                                        <p:cTn id="29" dur="1000" fill="hold"/>
+                                        <p:tgtEl>
+                                          <p:spTgt spid="10"/>
+                                        </p:tgtEl>
+                                        <p:attrNameLst>
+                                          <p:attrName>ppt_y</p:attrName>
+                                        </p:attrNameLst>
+                                      </p:cBhvr>
+                                      <p:tavLst>
+                                        <p:tav tm="0">
+                                          <p:val>
+                                            <p:strVal val="#ppt_y+.1"/>
+                                          </p:val>
+                                        </p:tav>
+                                        <p:tav tm="100000">
+                                          <p:val>
+                                            <p:strVal val="#ppt_y"/>
+                                          </p:val>
+                                        </p:tav>
+                                      </p:tavLst>
+                                    </p:anim>
+                                  </p:childTnLst>
+                                </p:cTn>
+                              </p:par>
+                            </p:childTnLst>
+                          </p:cTn>
+                        </p:par>
+                      </p:childTnLst>
+                    </p:cTn>
+                  </p:par>
+                  <p:par>
+                    <p:cTn id="30" fill="hold">
+                      <p:stCondLst>
+                        <p:cond delay="indefinite"/>
+                      </p:stCondLst>
+                      <p:childTnLst>
+                        <p:par>
+                          <p:cTn id="31" fill="hold">
+                            <p:stCondLst>
+                              <p:cond delay="0"/>
+                            </p:stCondLst>
+                            <p:childTnLst>
+                              <p:par>
+                                <p:cTn id="32" presetID="42" presetClass="entr" presetSubtype="0" fill="hold" grpId="0" nodeType="clickEffect">
+                                  <p:stCondLst>
+                                    <p:cond delay="0"/>
+                                  </p:stCondLst>
+                                  <p:childTnLst>
+                                    <p:set>
+                                      <p:cBhvr>
+                                        <p:cTn id="33" dur="1" fill="hold">
+                                          <p:stCondLst>
+                                            <p:cond delay="0"/>
+                                          </p:stCondLst>
+                                        </p:cTn>
+                                        <p:tgtEl>
+                                          <p:spTgt spid="15"/>
+                                        </p:tgtEl>
+                                        <p:attrNameLst>
+                                          <p:attrName>style.visibility</p:attrName>
+                                        </p:attrNameLst>
+                                      </p:cBhvr>
+                                      <p:to>
+                                        <p:strVal val="visible"/>
+                                      </p:to>
+                                    </p:set>
+                                    <p:animEffect transition="in" filter="fade">
+                                      <p:cBhvr>
+                                        <p:cTn id="34" dur="1000"/>
+                                        <p:tgtEl>
+                                          <p:spTgt spid="15"/>
+                                        </p:tgtEl>
+                                      </p:cBhvr>
+                                    </p:animEffect>
+                                    <p:anim calcmode="lin" valueType="num">
+                                      <p:cBhvr>
+                                        <p:cTn id="35" dur="1000" fill="hold"/>
+                                        <p:tgtEl>
+                                          <p:spTgt spid="15"/>
+                                        </p:tgtEl>
+                                        <p:attrNameLst>
+                                          <p:attrName>ppt_x</p:attrName>
+                                        </p:attrNameLst>
+                                      </p:cBhvr>
+                                      <p:tavLst>
+                                        <p:tav tm="0">
+                                          <p:val>
+                                            <p:strVal val="#ppt_x"/>
+                                          </p:val>
+                                        </p:tav>
+                                        <p:tav tm="100000">
+                                          <p:val>
+                                            <p:strVal val="#ppt_x"/>
+                                          </p:val>
+                                        </p:tav>
+                                      </p:tavLst>
+                                    </p:anim>
+                                    <p:anim calcmode="lin" valueType="num">
+                                      <p:cBhvr>
+                                        <p:cTn id="36" dur="1000" fill="hold"/>
+                                        <p:tgtEl>
+                                          <p:spTgt spid="15"/>
+                                        </p:tgtEl>
+                                        <p:attrNameLst>
+                                          <p:attrName>ppt_y</p:attrName>
+                                        </p:attrNameLst>
+                                      </p:cBhvr>
+                                      <p:tavLst>
+                                        <p:tav tm="0">
+                                          <p:val>
+                                            <p:strVal val="#ppt_y+.1"/>
                                           </p:val>
                                         </p:tav>
                                         <p:tav tm="100000">
@@ -10501,11 +15588,17 @@
         </p:cTn>
       </p:par>
     </p:tnLst>
+    <p:bldLst>
+      <p:bldP spid="10" grpId="0"/>
+      <p:bldP spid="12" grpId="0"/>
+      <p:bldP spid="13" grpId="0"/>
+      <p:bldP spid="15" grpId="0"/>
+    </p:bldLst>
   </p:timing>
 </p:sld>
 </file>
 
-<file path=ppt/slides/slide4.xml><?xml version="1.0" encoding="utf-8"?>
+<file path=ppt/slides/slide6.xml><?xml version="1.0" encoding="utf-8"?>
 <p:sld xmlns:a="http://schemas.openxmlformats.org/drawingml/2006/main" xmlns:r="http://schemas.openxmlformats.org/officeDocument/2006/relationships" xmlns:p="http://schemas.openxmlformats.org/presentationml/2006/main">
   <p:cSld>
     <p:spTree>
@@ -10567,7 +15660,192 @@
                 <a:latin typeface="Arial Rounded MT Bold" pitchFamily="34" charset="0"/>
                 <a:cs typeface="Arial" charset="0"/>
               </a:rPr>
-              <a:t>7.</a:t>
+              <a:t>4. 2s-AGCN</a:t>
+            </a:r>
+          </a:p>
+        </p:txBody>
+      </p:sp>
+      <p:sp>
+        <p:nvSpPr>
+          <p:cNvPr id="14" name="矩形 13">
+            <a:extLst>
+              <a:ext uri="{FF2B5EF4-FFF2-40B4-BE49-F238E27FC236}">
+                <a16:creationId xmlns:a16="http://schemas.microsoft.com/office/drawing/2014/main" id="{C46C3BD4-468F-4BC4-9BFD-95DD405D8924}"/>
+              </a:ext>
+            </a:extLst>
+          </p:cNvPr>
+          <p:cNvSpPr/>
+          <p:nvPr/>
+        </p:nvSpPr>
+        <p:spPr>
+          <a:xfrm>
+            <a:off x="-331075" y="1089959"/>
+            <a:ext cx="12370357" cy="580865"/>
+          </a:xfrm>
+          <a:prstGeom prst="rect">
+            <a:avLst/>
+          </a:prstGeom>
+        </p:spPr>
+        <p:txBody>
+          <a:bodyPr wrap="square">
+            <a:spAutoFit/>
+          </a:bodyPr>
+          <a:lstStyle/>
+          <a:p>
+            <a:pPr lvl="1">
+              <a:lnSpc>
+                <a:spcPct val="150000"/>
+              </a:lnSpc>
+            </a:pPr>
+            <a:r>
+              <a:rPr lang="en-US" altLang="zh-CN" sz="2400" dirty="0">
+                <a:latin typeface="Times New Roman" panose="02020603050405020304" pitchFamily="18" charset="0"/>
+                <a:ea typeface="微软雅黑" panose="020B0503020204020204" pitchFamily="34" charset="-122"/>
+                <a:cs typeface="Times New Roman" panose="02020603050405020304" pitchFamily="18" charset="0"/>
+              </a:rPr>
+              <a:t>Action recognition</a:t>
+            </a:r>
+            <a:r>
+              <a:rPr lang="zh-CN" altLang="en-US" sz="2400" dirty="0">
+                <a:latin typeface="Times New Roman" panose="02020603050405020304" pitchFamily="18" charset="0"/>
+                <a:ea typeface="微软雅黑" panose="020B0503020204020204" pitchFamily="34" charset="-122"/>
+                <a:cs typeface="Times New Roman" panose="02020603050405020304" pitchFamily="18" charset="0"/>
+              </a:rPr>
+              <a:t>：</a:t>
+            </a:r>
+            <a:r>
+              <a:rPr lang="en-US" altLang="zh-CN" sz="2400" dirty="0">
+                <a:latin typeface="Times New Roman" panose="02020603050405020304" pitchFamily="18" charset="0"/>
+                <a:ea typeface="微软雅黑" panose="020B0503020204020204" pitchFamily="34" charset="-122"/>
+                <a:cs typeface="Times New Roman" panose="02020603050405020304" pitchFamily="18" charset="0"/>
+              </a:rPr>
+              <a:t>Action recognition + Graph modeling of human skeleton +</a:t>
+            </a:r>
+            <a:r>
+              <a:rPr lang="zh-CN" altLang="en-US" sz="2400" dirty="0">
+                <a:latin typeface="Times New Roman" panose="02020603050405020304" pitchFamily="18" charset="0"/>
+                <a:ea typeface="微软雅黑" panose="020B0503020204020204" pitchFamily="34" charset="-122"/>
+                <a:cs typeface="Times New Roman" panose="02020603050405020304" pitchFamily="18" charset="0"/>
+              </a:rPr>
+              <a:t> </a:t>
+            </a:r>
+            <a:r>
+              <a:rPr lang="en-US" altLang="zh-CN" sz="2400" dirty="0">
+                <a:latin typeface="Times New Roman" panose="02020603050405020304" pitchFamily="18" charset="0"/>
+                <a:ea typeface="微软雅黑" panose="020B0503020204020204" pitchFamily="34" charset="-122"/>
+                <a:cs typeface="Times New Roman" panose="02020603050405020304" pitchFamily="18" charset="0"/>
+              </a:rPr>
+              <a:t>DNN</a:t>
+            </a:r>
+          </a:p>
+        </p:txBody>
+      </p:sp>
+      <p:pic>
+        <p:nvPicPr>
+          <p:cNvPr id="8" name="图片 7">
+            <a:extLst>
+              <a:ext uri="{FF2B5EF4-FFF2-40B4-BE49-F238E27FC236}">
+                <a16:creationId xmlns:a16="http://schemas.microsoft.com/office/drawing/2014/main" id="{3BB54A78-5893-4838-A471-738ACF6FB2EE}"/>
+              </a:ext>
+            </a:extLst>
+          </p:cNvPr>
+          <p:cNvPicPr>
+            <a:picLocks noChangeAspect="1"/>
+          </p:cNvPicPr>
+          <p:nvPr/>
+        </p:nvPicPr>
+        <p:blipFill>
+          <a:blip r:embed="rId3"/>
+          <a:stretch>
+            <a:fillRect/>
+          </a:stretch>
+        </p:blipFill>
+        <p:spPr>
+          <a:xfrm>
+            <a:off x="377048" y="1810844"/>
+            <a:ext cx="10953380" cy="3225485"/>
+          </a:xfrm>
+          <a:prstGeom prst="rect">
+            <a:avLst/>
+          </a:prstGeom>
+        </p:spPr>
+      </p:pic>
+    </p:spTree>
+    <p:extLst>
+      <p:ext uri="{BB962C8B-B14F-4D97-AF65-F5344CB8AC3E}">
+        <p14:creationId xmlns:p14="http://schemas.microsoft.com/office/powerpoint/2010/main" val="3101853677"/>
+      </p:ext>
+    </p:extLst>
+  </p:cSld>
+  <p:clrMapOvr>
+    <a:masterClrMapping/>
+  </p:clrMapOvr>
+</p:sld>
+</file>
+
+<file path=ppt/slides/slide7.xml><?xml version="1.0" encoding="utf-8"?>
+<p:sld xmlns:a="http://schemas.openxmlformats.org/drawingml/2006/main" xmlns:r="http://schemas.openxmlformats.org/officeDocument/2006/relationships" xmlns:p="http://schemas.openxmlformats.org/presentationml/2006/main">
+  <p:cSld>
+    <p:spTree>
+      <p:nvGrpSpPr>
+        <p:cNvPr id="1" name=""/>
+        <p:cNvGrpSpPr/>
+        <p:nvPr/>
+      </p:nvGrpSpPr>
+      <p:grpSpPr>
+        <a:xfrm>
+          <a:off x="0" y="0"/>
+          <a:ext cx="0" cy="0"/>
+          <a:chOff x="0" y="0"/>
+          <a:chExt cx="0" cy="0"/>
+        </a:xfrm>
+      </p:grpSpPr>
+      <p:sp>
+        <p:nvSpPr>
+          <p:cNvPr id="166" name="object 2">
+            <a:extLst>
+              <a:ext uri="{FF2B5EF4-FFF2-40B4-BE49-F238E27FC236}">
+                <a16:creationId xmlns:a16="http://schemas.microsoft.com/office/drawing/2014/main" id="{DA3D3201-782B-49B5-87ED-679053B4483C}"/>
+              </a:ext>
+            </a:extLst>
+          </p:cNvPr>
+          <p:cNvSpPr txBox="1">
+            <a:spLocks noGrp="1"/>
+          </p:cNvSpPr>
+          <p:nvPr>
+            <p:ph type="title"/>
+          </p:nvPr>
+        </p:nvSpPr>
+        <p:spPr>
+          <a:xfrm>
+            <a:off x="377048" y="363293"/>
+            <a:ext cx="11110443" cy="505405"/>
+          </a:xfrm>
+        </p:spPr>
+        <p:txBody>
+          <a:bodyPr>
+            <a:noAutofit/>
+          </a:bodyPr>
+          <a:lstStyle/>
+          <a:p>
+            <a:pPr algn="ctr" defTabSz="1095167"/>
+            <a:r>
+              <a:rPr lang="en-US" sz="2800" b="1" dirty="0">
+                <a:ln w="11430"/>
+                <a:solidFill>
+                  <a:srgbClr val="FFFF00"/>
+                </a:solidFill>
+                <a:effectLst>
+                  <a:outerShdw blurRad="50800" dist="39000" dir="5460000" algn="tl">
+                    <a:srgbClr val="000000">
+                      <a:alpha val="38000"/>
+                    </a:srgbClr>
+                  </a:outerShdw>
+                </a:effectLst>
+                <a:latin typeface="Arial Rounded MT Bold" pitchFamily="34" charset="0"/>
+                <a:cs typeface="Arial" charset="0"/>
+              </a:rPr>
+              <a:t>4.</a:t>
             </a:r>
             <a:r>
               <a:rPr lang="zh-CN" altLang="en-US" sz="2800" b="1" dirty="0">
@@ -10585,7 +15863,25 @@
                 <a:latin typeface="Arial Rounded MT Bold" pitchFamily="34" charset="0"/>
                 <a:cs typeface="Arial" charset="0"/>
               </a:rPr>
-              <a:t>针对姿态识别图卷积算法的软硬件加速设计</a:t>
+              <a:t> </a:t>
+            </a:r>
+            <a:r>
+              <a:rPr lang="en-US" altLang="zh-CN" sz="2800" b="1" dirty="0">
+                <a:ln w="11430"/>
+                <a:solidFill>
+                  <a:srgbClr val="FFFF00"/>
+                </a:solidFill>
+                <a:effectLst>
+                  <a:outerShdw blurRad="50800" dist="39000" dir="5460000" algn="tl">
+                    <a:srgbClr val="000000">
+                      <a:alpha val="38000"/>
+                    </a:srgbClr>
+                  </a:outerShdw>
+                </a:effectLst>
+                <a:latin typeface="Arial Rounded MT Bold" pitchFamily="34" charset="0"/>
+                <a:cs typeface="Arial" charset="0"/>
+              </a:rPr>
+              <a:t>2s-AGCN</a:t>
             </a:r>
             <a:endParaRPr lang="en-US" sz="2800" b="1" dirty="0">
               <a:ln w="11430"/>
@@ -10620,7 +15916,7 @@
         <p:spPr>
           <a:xfrm>
             <a:off x="-169029" y="1204298"/>
-            <a:ext cx="10907852" cy="499624"/>
+            <a:ext cx="10907852" cy="499432"/>
           </a:xfrm>
           <a:prstGeom prst="rect">
             <a:avLst/>
@@ -10638,29 +15934,25 @@
               </a:lnSpc>
             </a:pPr>
             <a:r>
+              <a:rPr lang="en-US" altLang="zh-CN" sz="2000" dirty="0">
+                <a:latin typeface="Times New Roman" panose="02020603050405020304" pitchFamily="18" charset="0"/>
+                <a:ea typeface="微软雅黑" panose="020B0503020204020204" pitchFamily="34" charset="-122"/>
+                <a:cs typeface="Times New Roman" panose="02020603050405020304" pitchFamily="18" charset="0"/>
+              </a:rPr>
+              <a:t>The graph convolution formula in 2s-AGCN</a:t>
+            </a:r>
+            <a:r>
               <a:rPr lang="zh-CN" altLang="en-US" sz="2000" dirty="0">
-                <a:latin typeface="微软雅黑" panose="020B0503020204020204" pitchFamily="34" charset="-122"/>
+                <a:latin typeface="Times New Roman" panose="02020603050405020304" pitchFamily="18" charset="0"/>
                 <a:ea typeface="微软雅黑" panose="020B0503020204020204" pitchFamily="34" charset="-122"/>
+                <a:cs typeface="Times New Roman" panose="02020603050405020304" pitchFamily="18" charset="0"/>
               </a:rPr>
-              <a:t>姿态识别图卷积</a:t>
-            </a:r>
-            <a:r>
-              <a:rPr lang="en-US" altLang="zh-CN" sz="2000" dirty="0">
-                <a:latin typeface="微软雅黑" panose="020B0503020204020204" pitchFamily="34" charset="-122"/>
-                <a:ea typeface="微软雅黑" panose="020B0503020204020204" pitchFamily="34" charset="-122"/>
-              </a:rPr>
-              <a:t>(2s-AGCN)</a:t>
-            </a:r>
-            <a:r>
-              <a:rPr lang="zh-CN" altLang="en-US" sz="2000" dirty="0">
-                <a:latin typeface="微软雅黑" panose="020B0503020204020204" pitchFamily="34" charset="-122"/>
-                <a:ea typeface="微软雅黑" panose="020B0503020204020204" pitchFamily="34" charset="-122"/>
-              </a:rPr>
-              <a:t>计算范式：</a:t>
+              <a:t>：</a:t>
             </a:r>
             <a:endParaRPr lang="en-US" altLang="zh-CN" sz="2000" dirty="0">
-              <a:latin typeface="微软雅黑" panose="020B0503020204020204" pitchFamily="34" charset="-122"/>
+              <a:latin typeface="Times New Roman" panose="02020603050405020304" pitchFamily="18" charset="0"/>
               <a:ea typeface="微软雅黑" panose="020B0503020204020204" pitchFamily="34" charset="-122"/>
+              <a:cs typeface="Times New Roman" panose="02020603050405020304" pitchFamily="18" charset="0"/>
             </a:endParaRPr>
           </a:p>
         </p:txBody>
@@ -10687,8 +15979,8 @@
         </p:blipFill>
         <p:spPr>
           <a:xfrm>
-            <a:off x="4772503" y="1568561"/>
-            <a:ext cx="4410952" cy="941922"/>
+            <a:off x="3131199" y="1605430"/>
+            <a:ext cx="4282124" cy="914412"/>
           </a:xfrm>
           <a:prstGeom prst="rect">
             <a:avLst/>
@@ -10715,7 +16007,7 @@
         </p:blipFill>
         <p:spPr>
           <a:xfrm>
-            <a:off x="490378" y="2341145"/>
+            <a:off x="490378" y="2468470"/>
             <a:ext cx="3367723" cy="3266122"/>
           </a:xfrm>
           <a:prstGeom prst="rect">
@@ -10745,7 +16037,7 @@
         </p:blipFill>
         <p:spPr>
           <a:xfrm>
-            <a:off x="4043362" y="2473542"/>
+            <a:off x="4043362" y="2600867"/>
             <a:ext cx="3190875" cy="3133725"/>
           </a:xfrm>
           <a:prstGeom prst="rect">
@@ -10775,7 +16067,7 @@
         </p:blipFill>
         <p:spPr>
           <a:xfrm>
-            <a:off x="7419498" y="2142639"/>
+            <a:off x="7532213" y="1806977"/>
             <a:ext cx="4282124" cy="4352068"/>
           </a:xfrm>
           <a:prstGeom prst="rect">
@@ -10805,7 +16097,7 @@
         </p:blipFill>
         <p:spPr>
           <a:xfrm>
-            <a:off x="334203" y="3050220"/>
+            <a:off x="334203" y="3177545"/>
             <a:ext cx="7403907" cy="1268453"/>
           </a:xfrm>
           <a:prstGeom prst="rect">
@@ -11228,7 +16520,7 @@
 </p:sld>
 </file>
 
-<file path=ppt/slides/slide5.xml><?xml version="1.0" encoding="utf-8"?>
+<file path=ppt/slides/slide8.xml><?xml version="1.0" encoding="utf-8"?>
 <p:sld xmlns:a="http://schemas.openxmlformats.org/drawingml/2006/main" xmlns:r="http://schemas.openxmlformats.org/officeDocument/2006/relationships" xmlns:p="http://schemas.openxmlformats.org/presentationml/2006/main">
   <p:cSld>
     <p:spTree>
@@ -11290,10 +16582,10 @@
                 <a:latin typeface="Arial Rounded MT Bold" pitchFamily="34" charset="0"/>
                 <a:cs typeface="Arial" charset="0"/>
               </a:rPr>
-              <a:t>7.</a:t>
-            </a:r>
-            <a:r>
-              <a:rPr lang="zh-CN" altLang="en-US" sz="2800" b="1" dirty="0">
+              <a:t>5.</a:t>
+            </a:r>
+            <a:r>
+              <a:rPr lang="en-US" altLang="zh-CN" sz="2800" b="1" dirty="0">
                 <a:ln w="11430"/>
                 <a:solidFill>
                   <a:srgbClr val="FFFF00"/>
@@ -11308,7 +16600,7 @@
                 <a:latin typeface="Arial Rounded MT Bold" pitchFamily="34" charset="0"/>
                 <a:cs typeface="Arial" charset="0"/>
               </a:rPr>
-              <a:t>针对姿态识别图卷积算法的软硬件加速设计</a:t>
+              <a:t>Pruning Method</a:t>
             </a:r>
             <a:endParaRPr lang="en-US" sz="2800" b="1" dirty="0">
               <a:ln w="11430"/>
@@ -11342,8 +16634,8 @@
         </p:nvSpPr>
         <p:spPr>
           <a:xfrm>
-            <a:off x="-169029" y="1204298"/>
-            <a:ext cx="10907852" cy="499624"/>
+            <a:off x="-423679" y="1169573"/>
+            <a:ext cx="12028246" cy="580865"/>
           </a:xfrm>
           <a:prstGeom prst="rect">
             <a:avLst/>
@@ -11361,30 +16653,93 @@
               </a:lnSpc>
             </a:pPr>
             <a:r>
-              <a:rPr lang="zh-CN" altLang="en-US" sz="2000" dirty="0">
-                <a:latin typeface="微软雅黑" panose="020B0503020204020204" pitchFamily="34" charset="-122"/>
+              <a:rPr lang="en-US" altLang="zh-CN" sz="2400" dirty="0">
+                <a:latin typeface="Times New Roman" panose="02020603050405020304" pitchFamily="18" charset="0"/>
                 <a:ea typeface="微软雅黑" panose="020B0503020204020204" pitchFamily="34" charset="-122"/>
+                <a:cs typeface="Times New Roman" panose="02020603050405020304" pitchFamily="18" charset="0"/>
               </a:rPr>
-              <a:t>混合剪枝方法：空间卷积数据流重排</a:t>
-            </a:r>
-            <a:r>
-              <a:rPr lang="en-US" altLang="zh-CN" sz="2000" dirty="0">
-                <a:latin typeface="微软雅黑" panose="020B0503020204020204" pitchFamily="34" charset="-122"/>
+              <a:t>Hybrid pruning</a:t>
+            </a:r>
+            <a:r>
+              <a:rPr lang="zh-CN" altLang="en-US" sz="2400" dirty="0">
+                <a:latin typeface="Times New Roman" panose="02020603050405020304" pitchFamily="18" charset="0"/>
                 <a:ea typeface="微软雅黑" panose="020B0503020204020204" pitchFamily="34" charset="-122"/>
+                <a:cs typeface="Times New Roman" panose="02020603050405020304" pitchFamily="18" charset="0"/>
               </a:rPr>
-              <a:t>+</a:t>
-            </a:r>
-            <a:r>
-              <a:rPr lang="zh-CN" altLang="en-US" sz="2000" dirty="0">
-                <a:latin typeface="微软雅黑" panose="020B0503020204020204" pitchFamily="34" charset="-122"/>
+              <a:t>：</a:t>
+            </a:r>
+            <a:r>
+              <a:rPr lang="en-US" altLang="zh-CN" sz="2400" dirty="0">
+                <a:latin typeface="Times New Roman" panose="02020603050405020304" pitchFamily="18" charset="0"/>
                 <a:ea typeface="微软雅黑" panose="020B0503020204020204" pitchFamily="34" charset="-122"/>
+                <a:cs typeface="Times New Roman" panose="02020603050405020304" pitchFamily="18" charset="0"/>
               </a:rPr>
-              <a:t>时间卷积粗细粒度剪枝</a:t>
-            </a:r>
-            <a:endParaRPr lang="en-US" altLang="zh-CN" sz="2000" dirty="0">
-              <a:latin typeface="微软雅黑" panose="020B0503020204020204" pitchFamily="34" charset="-122"/>
-              <a:ea typeface="微软雅黑" panose="020B0503020204020204" pitchFamily="34" charset="-122"/>
-            </a:endParaRPr>
+              <a:t>reorganization on spatial conv + coarse-grained</a:t>
+            </a:r>
+            <a:r>
+              <a:rPr lang="zh-CN" altLang="en-US" sz="2400" dirty="0">
+                <a:latin typeface="Times New Roman" panose="02020603050405020304" pitchFamily="18" charset="0"/>
+                <a:ea typeface="微软雅黑" panose="020B0503020204020204" pitchFamily="34" charset="-122"/>
+                <a:cs typeface="Times New Roman" panose="02020603050405020304" pitchFamily="18" charset="0"/>
+              </a:rPr>
+              <a:t> </a:t>
+            </a:r>
+            <a:r>
+              <a:rPr lang="en-US" altLang="zh-CN" sz="2400" dirty="0">
+                <a:latin typeface="Times New Roman" panose="02020603050405020304" pitchFamily="18" charset="0"/>
+                <a:ea typeface="微软雅黑" panose="020B0503020204020204" pitchFamily="34" charset="-122"/>
+                <a:cs typeface="Times New Roman" panose="02020603050405020304" pitchFamily="18" charset="0"/>
+              </a:rPr>
+              <a:t>pruning</a:t>
+            </a:r>
+            <a:r>
+              <a:rPr lang="zh-CN" altLang="en-US" sz="2400" dirty="0">
+                <a:latin typeface="Times New Roman" panose="02020603050405020304" pitchFamily="18" charset="0"/>
+                <a:ea typeface="微软雅黑" panose="020B0503020204020204" pitchFamily="34" charset="-122"/>
+                <a:cs typeface="Times New Roman" panose="02020603050405020304" pitchFamily="18" charset="0"/>
+              </a:rPr>
+              <a:t> </a:t>
+            </a:r>
+            <a:r>
+              <a:rPr lang="en-US" altLang="zh-CN" sz="2400" dirty="0">
+                <a:latin typeface="Times New Roman" panose="02020603050405020304" pitchFamily="18" charset="0"/>
+                <a:ea typeface="微软雅黑" panose="020B0503020204020204" pitchFamily="34" charset="-122"/>
+                <a:cs typeface="Times New Roman" panose="02020603050405020304" pitchFamily="18" charset="0"/>
+              </a:rPr>
+              <a:t>on</a:t>
+            </a:r>
+            <a:r>
+              <a:rPr lang="zh-CN" altLang="en-US" sz="2400" dirty="0">
+                <a:latin typeface="Times New Roman" panose="02020603050405020304" pitchFamily="18" charset="0"/>
+                <a:ea typeface="微软雅黑" panose="020B0503020204020204" pitchFamily="34" charset="-122"/>
+                <a:cs typeface="Times New Roman" panose="02020603050405020304" pitchFamily="18" charset="0"/>
+              </a:rPr>
+              <a:t> </a:t>
+            </a:r>
+            <a:r>
+              <a:rPr lang="en-US" altLang="zh-CN" sz="2400" dirty="0">
+                <a:latin typeface="Times New Roman" panose="02020603050405020304" pitchFamily="18" charset="0"/>
+                <a:ea typeface="微软雅黑" panose="020B0503020204020204" pitchFamily="34" charset="-122"/>
+                <a:cs typeface="Times New Roman" panose="02020603050405020304" pitchFamily="18" charset="0"/>
+              </a:rPr>
+              <a:t>temporal</a:t>
+            </a:r>
+            <a:r>
+              <a:rPr lang="zh-CN" altLang="en-US" sz="2400" dirty="0">
+                <a:latin typeface="Times New Roman" panose="02020603050405020304" pitchFamily="18" charset="0"/>
+                <a:ea typeface="微软雅黑" panose="020B0503020204020204" pitchFamily="34" charset="-122"/>
+                <a:cs typeface="Times New Roman" panose="02020603050405020304" pitchFamily="18" charset="0"/>
+              </a:rPr>
+              <a:t> </a:t>
+            </a:r>
+            <a:r>
+              <a:rPr lang="en-US" altLang="zh-CN" sz="2400" dirty="0">
+                <a:latin typeface="Times New Roman" panose="02020603050405020304" pitchFamily="18" charset="0"/>
+                <a:ea typeface="微软雅黑" panose="020B0503020204020204" pitchFamily="34" charset="-122"/>
+                <a:cs typeface="Times New Roman" panose="02020603050405020304" pitchFamily="18" charset="0"/>
+              </a:rPr>
+              <a:t>conv</a:t>
+            </a:r>
           </a:p>
         </p:txBody>
       </p:sp>
@@ -11410,7 +16765,7 @@
         </p:blipFill>
         <p:spPr>
           <a:xfrm>
-            <a:off x="4159567" y="1703922"/>
+            <a:off x="4483658" y="1708910"/>
             <a:ext cx="2524125" cy="742950"/>
           </a:xfrm>
           <a:prstGeom prst="rect">
@@ -11440,7 +16795,7 @@
         </p:blipFill>
         <p:spPr>
           <a:xfrm>
-            <a:off x="2960370" y="2401152"/>
+            <a:off x="3265269" y="2386797"/>
             <a:ext cx="5219700" cy="790575"/>
           </a:xfrm>
           <a:prstGeom prst="rect">
@@ -11500,7 +16855,7 @@
         </p:blipFill>
         <p:spPr>
           <a:xfrm>
-            <a:off x="5612897" y="3888957"/>
+            <a:off x="4895267" y="4155176"/>
             <a:ext cx="5134346" cy="2066073"/>
           </a:xfrm>
           <a:prstGeom prst="rect">
@@ -11530,7 +16885,7 @@
         </p:blipFill>
         <p:spPr>
           <a:xfrm>
-            <a:off x="2622608" y="3888957"/>
+            <a:off x="1904978" y="4155176"/>
             <a:ext cx="3096777" cy="1858066"/>
           </a:xfrm>
           <a:prstGeom prst="rect">
@@ -11622,7 +16977,7 @@
                             </p:stCondLst>
                             <p:childTnLst>
                               <p:par>
-                                <p:cTn id="10" presetID="16" presetClass="entr" presetSubtype="21" fill="hold" nodeType="clickEffect">
+                                <p:cTn id="10" presetID="2" presetClass="entr" presetSubtype="4" fill="hold" nodeType="clickEffect">
                                   <p:stCondLst>
                                     <p:cond delay="0"/>
                                   </p:stCondLst>
@@ -11630,158 +16985,6 @@
                                     <p:set>
                                       <p:cBhvr>
                                         <p:cTn id="11" dur="1" fill="hold">
-                                          <p:stCondLst>
-                                            <p:cond delay="0"/>
-                                          </p:stCondLst>
-                                        </p:cTn>
-                                        <p:tgtEl>
-                                          <p:spTgt spid="7"/>
-                                        </p:tgtEl>
-                                        <p:attrNameLst>
-                                          <p:attrName>style.visibility</p:attrName>
-                                        </p:attrNameLst>
-                                      </p:cBhvr>
-                                      <p:to>
-                                        <p:strVal val="visible"/>
-                                      </p:to>
-                                    </p:set>
-                                    <p:animEffect transition="in" filter="barn(inVertical)">
-                                      <p:cBhvr>
-                                        <p:cTn id="12" dur="500"/>
-                                        <p:tgtEl>
-                                          <p:spTgt spid="7"/>
-                                        </p:tgtEl>
-                                      </p:cBhvr>
-                                    </p:animEffect>
-                                  </p:childTnLst>
-                                </p:cTn>
-                              </p:par>
-                            </p:childTnLst>
-                          </p:cTn>
-                        </p:par>
-                      </p:childTnLst>
-                    </p:cTn>
-                  </p:par>
-                  <p:par>
-                    <p:cTn id="13" fill="hold">
-                      <p:stCondLst>
-                        <p:cond delay="indefinite"/>
-                      </p:stCondLst>
-                      <p:childTnLst>
-                        <p:par>
-                          <p:cTn id="14" fill="hold">
-                            <p:stCondLst>
-                              <p:cond delay="0"/>
-                            </p:stCondLst>
-                            <p:childTnLst>
-                              <p:par>
-                                <p:cTn id="15" presetID="42" presetClass="entr" presetSubtype="0" fill="hold" nodeType="clickEffect">
-                                  <p:stCondLst>
-                                    <p:cond delay="0"/>
-                                  </p:stCondLst>
-                                  <p:childTnLst>
-                                    <p:set>
-                                      <p:cBhvr>
-                                        <p:cTn id="16" dur="1" fill="hold">
-                                          <p:stCondLst>
-                                            <p:cond delay="0"/>
-                                          </p:stCondLst>
-                                        </p:cTn>
-                                        <p:tgtEl>
-                                          <p:spTgt spid="11"/>
-                                        </p:tgtEl>
-                                        <p:attrNameLst>
-                                          <p:attrName>style.visibility</p:attrName>
-                                        </p:attrNameLst>
-                                      </p:cBhvr>
-                                      <p:to>
-                                        <p:strVal val="visible"/>
-                                      </p:to>
-                                    </p:set>
-                                    <p:animEffect transition="in" filter="fade">
-                                      <p:cBhvr>
-                                        <p:cTn id="17" dur="1000"/>
-                                        <p:tgtEl>
-                                          <p:spTgt spid="11"/>
-                                        </p:tgtEl>
-                                      </p:cBhvr>
-                                    </p:animEffect>
-                                    <p:anim calcmode="lin" valueType="num">
-                                      <p:cBhvr>
-                                        <p:cTn id="18" dur="1000" fill="hold"/>
-                                        <p:tgtEl>
-                                          <p:spTgt spid="11"/>
-                                        </p:tgtEl>
-                                        <p:attrNameLst>
-                                          <p:attrName>ppt_x</p:attrName>
-                                        </p:attrNameLst>
-                                      </p:cBhvr>
-                                      <p:tavLst>
-                                        <p:tav tm="0">
-                                          <p:val>
-                                            <p:strVal val="#ppt_x"/>
-                                          </p:val>
-                                        </p:tav>
-                                        <p:tav tm="100000">
-                                          <p:val>
-                                            <p:strVal val="#ppt_x"/>
-                                          </p:val>
-                                        </p:tav>
-                                      </p:tavLst>
-                                    </p:anim>
-                                    <p:anim calcmode="lin" valueType="num">
-                                      <p:cBhvr>
-                                        <p:cTn id="19" dur="1000" fill="hold"/>
-                                        <p:tgtEl>
-                                          <p:spTgt spid="11"/>
-                                        </p:tgtEl>
-                                        <p:attrNameLst>
-                                          <p:attrName>ppt_y</p:attrName>
-                                        </p:attrNameLst>
-                                      </p:cBhvr>
-                                      <p:tavLst>
-                                        <p:tav tm="0">
-                                          <p:val>
-                                            <p:strVal val="#ppt_y+.1"/>
-                                          </p:val>
-                                        </p:tav>
-                                        <p:tav tm="100000">
-                                          <p:val>
-                                            <p:strVal val="#ppt_y"/>
-                                          </p:val>
-                                        </p:tav>
-                                      </p:tavLst>
-                                    </p:anim>
-                                  </p:childTnLst>
-                                </p:cTn>
-                              </p:par>
-                            </p:childTnLst>
-                          </p:cTn>
-                        </p:par>
-                      </p:childTnLst>
-                    </p:cTn>
-                  </p:par>
-                  <p:par>
-                    <p:cTn id="20" fill="hold">
-                      <p:stCondLst>
-                        <p:cond delay="indefinite"/>
-                      </p:stCondLst>
-                      <p:childTnLst>
-                        <p:par>
-                          <p:cTn id="21" fill="hold">
-                            <p:stCondLst>
-                              <p:cond delay="0"/>
-                            </p:stCondLst>
-                            <p:childTnLst>
-                              <p:par>
-                                <p:cTn id="22" presetID="2" presetClass="entr" presetSubtype="4" fill="hold" nodeType="clickEffect">
-                                  <p:stCondLst>
-                                    <p:cond delay="0"/>
-                                  </p:stCondLst>
-                                  <p:childTnLst>
-                                    <p:set>
-                                      <p:cBhvr>
-                                        <p:cTn id="23" dur="1" fill="hold">
                                           <p:stCondLst>
                                             <p:cond delay="0"/>
                                           </p:stCondLst>
@@ -11799,7 +17002,7 @@
                                     </p:set>
                                     <p:anim calcmode="lin" valueType="num">
                                       <p:cBhvr additive="base">
-                                        <p:cTn id="24" dur="500" fill="hold"/>
+                                        <p:cTn id="12" dur="500" fill="hold"/>
                                         <p:tgtEl>
                                           <p:spTgt spid="13"/>
                                         </p:tgtEl>
@@ -11822,7 +17025,7 @@
                                     </p:anim>
                                     <p:anim calcmode="lin" valueType="num">
                                       <p:cBhvr additive="base">
-                                        <p:cTn id="25" dur="500" fill="hold"/>
+                                        <p:cTn id="13" dur="500" fill="hold"/>
                                         <p:tgtEl>
                                           <p:spTgt spid="13"/>
                                         </p:tgtEl>
@@ -11853,26 +17056,114 @@
                     </p:cTn>
                   </p:par>
                   <p:par>
-                    <p:cTn id="26" fill="hold">
+                    <p:cTn id="14" fill="hold">
                       <p:stCondLst>
                         <p:cond delay="indefinite"/>
                       </p:stCondLst>
                       <p:childTnLst>
                         <p:par>
-                          <p:cTn id="27" fill="hold">
+                          <p:cTn id="15" fill="hold">
                             <p:stCondLst>
                               <p:cond delay="0"/>
                             </p:stCondLst>
                             <p:childTnLst>
                               <p:par>
-                                <p:cTn id="28" presetID="42" presetClass="entr" presetSubtype="0" fill="hold" nodeType="clickEffect">
+                                <p:cTn id="16" presetID="22" presetClass="entr" presetSubtype="4" fill="hold" nodeType="clickEffect">
                                   <p:stCondLst>
                                     <p:cond delay="0"/>
                                   </p:stCondLst>
                                   <p:childTnLst>
                                     <p:set>
                                       <p:cBhvr>
-                                        <p:cTn id="29" dur="1" fill="hold">
+                                        <p:cTn id="17" dur="1" fill="hold">
+                                          <p:stCondLst>
+                                            <p:cond delay="0"/>
+                                          </p:stCondLst>
+                                        </p:cTn>
+                                        <p:tgtEl>
+                                          <p:spTgt spid="7"/>
+                                        </p:tgtEl>
+                                        <p:attrNameLst>
+                                          <p:attrName>style.visibility</p:attrName>
+                                        </p:attrNameLst>
+                                      </p:cBhvr>
+                                      <p:to>
+                                        <p:strVal val="visible"/>
+                                      </p:to>
+                                    </p:set>
+                                    <p:animEffect transition="in" filter="wipe(down)">
+                                      <p:cBhvr>
+                                        <p:cTn id="18" dur="500"/>
+                                        <p:tgtEl>
+                                          <p:spTgt spid="7"/>
+                                        </p:tgtEl>
+                                      </p:cBhvr>
+                                    </p:animEffect>
+                                  </p:childTnLst>
+                                </p:cTn>
+                              </p:par>
+                              <p:par>
+                                <p:cTn id="19" presetID="22" presetClass="entr" presetSubtype="4" fill="hold" nodeType="withEffect">
+                                  <p:stCondLst>
+                                    <p:cond delay="0"/>
+                                  </p:stCondLst>
+                                  <p:childTnLst>
+                                    <p:set>
+                                      <p:cBhvr>
+                                        <p:cTn id="20" dur="1" fill="hold">
+                                          <p:stCondLst>
+                                            <p:cond delay="0"/>
+                                          </p:stCondLst>
+                                        </p:cTn>
+                                        <p:tgtEl>
+                                          <p:spTgt spid="11"/>
+                                        </p:tgtEl>
+                                        <p:attrNameLst>
+                                          <p:attrName>style.visibility</p:attrName>
+                                        </p:attrNameLst>
+                                      </p:cBhvr>
+                                      <p:to>
+                                        <p:strVal val="visible"/>
+                                      </p:to>
+                                    </p:set>
+                                    <p:animEffect transition="in" filter="wipe(down)">
+                                      <p:cBhvr>
+                                        <p:cTn id="21" dur="500"/>
+                                        <p:tgtEl>
+                                          <p:spTgt spid="11"/>
+                                        </p:tgtEl>
+                                      </p:cBhvr>
+                                    </p:animEffect>
+                                  </p:childTnLst>
+                                </p:cTn>
+                              </p:par>
+                            </p:childTnLst>
+                          </p:cTn>
+                        </p:par>
+                      </p:childTnLst>
+                    </p:cTn>
+                  </p:par>
+                  <p:par>
+                    <p:cTn id="22" fill="hold">
+                      <p:stCondLst>
+                        <p:cond delay="indefinite"/>
+                      </p:stCondLst>
+                      <p:childTnLst>
+                        <p:par>
+                          <p:cTn id="23" fill="hold">
+                            <p:stCondLst>
+                              <p:cond delay="0"/>
+                            </p:stCondLst>
+                            <p:childTnLst>
+                              <p:par>
+                                <p:cTn id="24" presetID="16" presetClass="entr" presetSubtype="21" fill="hold" nodeType="clickEffect">
+                                  <p:stCondLst>
+                                    <p:cond delay="0"/>
+                                  </p:stCondLst>
+                                  <p:childTnLst>
+                                    <p:set>
+                                      <p:cBhvr>
+                                        <p:cTn id="25" dur="1" fill="hold">
                                           <p:stCondLst>
                                             <p:cond delay="0"/>
                                           </p:stCondLst>
@@ -11888,60 +17179,14 @@
                                         <p:strVal val="visible"/>
                                       </p:to>
                                     </p:set>
-                                    <p:animEffect transition="in" filter="fade">
+                                    <p:animEffect transition="in" filter="barn(inVertical)">
                                       <p:cBhvr>
-                                        <p:cTn id="30" dur="1000"/>
+                                        <p:cTn id="26" dur="500"/>
                                         <p:tgtEl>
                                           <p:spTgt spid="16"/>
                                         </p:tgtEl>
                                       </p:cBhvr>
                                     </p:animEffect>
-                                    <p:anim calcmode="lin" valueType="num">
-                                      <p:cBhvr>
-                                        <p:cTn id="31" dur="1000" fill="hold"/>
-                                        <p:tgtEl>
-                                          <p:spTgt spid="16"/>
-                                        </p:tgtEl>
-                                        <p:attrNameLst>
-                                          <p:attrName>ppt_x</p:attrName>
-                                        </p:attrNameLst>
-                                      </p:cBhvr>
-                                      <p:tavLst>
-                                        <p:tav tm="0">
-                                          <p:val>
-                                            <p:strVal val="#ppt_x"/>
-                                          </p:val>
-                                        </p:tav>
-                                        <p:tav tm="100000">
-                                          <p:val>
-                                            <p:strVal val="#ppt_x"/>
-                                          </p:val>
-                                        </p:tav>
-                                      </p:tavLst>
-                                    </p:anim>
-                                    <p:anim calcmode="lin" valueType="num">
-                                      <p:cBhvr>
-                                        <p:cTn id="32" dur="1000" fill="hold"/>
-                                        <p:tgtEl>
-                                          <p:spTgt spid="16"/>
-                                        </p:tgtEl>
-                                        <p:attrNameLst>
-                                          <p:attrName>ppt_y</p:attrName>
-                                        </p:attrNameLst>
-                                      </p:cBhvr>
-                                      <p:tavLst>
-                                        <p:tav tm="0">
-                                          <p:val>
-                                            <p:strVal val="#ppt_y+.1"/>
-                                          </p:val>
-                                        </p:tav>
-                                        <p:tav tm="100000">
-                                          <p:val>
-                                            <p:strVal val="#ppt_y"/>
-                                          </p:val>
-                                        </p:tav>
-                                      </p:tavLst>
-                                    </p:anim>
                                   </p:childTnLst>
                                 </p:cTn>
                               </p:par>
@@ -11976,7 +17221,7 @@
 </p:sld>
 </file>
 
-<file path=ppt/slides/slide6.xml><?xml version="1.0" encoding="utf-8"?>
+<file path=ppt/slides/slide9.xml><?xml version="1.0" encoding="utf-8"?>
 <p:sld xmlns:a="http://schemas.openxmlformats.org/drawingml/2006/main" xmlns:r="http://schemas.openxmlformats.org/officeDocument/2006/relationships" xmlns:p="http://schemas.openxmlformats.org/presentationml/2006/main">
   <p:cSld>
     <p:spTree>
@@ -12023,7 +17268,7 @@
           <a:p>
             <a:pPr algn="ctr" defTabSz="1095167"/>
             <a:r>
-              <a:rPr lang="en-US" sz="2800" b="1" dirty="0">
+              <a:rPr lang="en-US" altLang="zh-CN" sz="2800" b="1" dirty="0">
                 <a:ln w="11430"/>
                 <a:solidFill>
                   <a:srgbClr val="FFFF00"/>
@@ -12038,25 +17283,7 @@
                 <a:latin typeface="Arial Rounded MT Bold" pitchFamily="34" charset="0"/>
                 <a:cs typeface="Arial" charset="0"/>
               </a:rPr>
-              <a:t>7.</a:t>
-            </a:r>
-            <a:r>
-              <a:rPr lang="zh-CN" altLang="en-US" sz="2800" b="1" dirty="0">
-                <a:ln w="11430"/>
-                <a:solidFill>
-                  <a:srgbClr val="FFFF00"/>
-                </a:solidFill>
-                <a:effectLst>
-                  <a:outerShdw blurRad="50800" dist="39000" dir="5460000" algn="tl">
-                    <a:srgbClr val="000000">
-                      <a:alpha val="38000"/>
-                    </a:srgbClr>
-                  </a:outerShdw>
-                </a:effectLst>
-                <a:latin typeface="Arial Rounded MT Bold" pitchFamily="34" charset="0"/>
-                <a:cs typeface="Arial" charset="0"/>
-              </a:rPr>
-              <a:t>针对姿态识别图卷积算法的软硬件加速设计</a:t>
+              <a:t>5.Pruning Method</a:t>
             </a:r>
             <a:endParaRPr lang="en-US" sz="2800" b="1" dirty="0">
               <a:ln w="11430"/>
@@ -12072,66 +17299,6 @@
               </a:effectLst>
               <a:latin typeface="Arial Rounded MT Bold" pitchFamily="34" charset="0"/>
               <a:cs typeface="Arial" charset="0"/>
-            </a:endParaRPr>
-          </a:p>
-        </p:txBody>
-      </p:sp>
-      <p:sp>
-        <p:nvSpPr>
-          <p:cNvPr id="14" name="矩形 13">
-            <a:extLst>
-              <a:ext uri="{FF2B5EF4-FFF2-40B4-BE49-F238E27FC236}">
-                <a16:creationId xmlns:a16="http://schemas.microsoft.com/office/drawing/2014/main" id="{C46C3BD4-468F-4BC4-9BFD-95DD405D8924}"/>
-              </a:ext>
-            </a:extLst>
-          </p:cNvPr>
-          <p:cNvSpPr/>
-          <p:nvPr/>
-        </p:nvSpPr>
-        <p:spPr>
-          <a:xfrm>
-            <a:off x="-169029" y="1204298"/>
-            <a:ext cx="10907852" cy="499624"/>
-          </a:xfrm>
-          <a:prstGeom prst="rect">
-            <a:avLst/>
-          </a:prstGeom>
-        </p:spPr>
-        <p:txBody>
-          <a:bodyPr wrap="square">
-            <a:spAutoFit/>
-          </a:bodyPr>
-          <a:lstStyle/>
-          <a:p>
-            <a:pPr lvl="1">
-              <a:lnSpc>
-                <a:spcPct val="150000"/>
-              </a:lnSpc>
-            </a:pPr>
-            <a:r>
-              <a:rPr lang="zh-CN" altLang="en-US" sz="2000" dirty="0">
-                <a:latin typeface="微软雅黑" panose="020B0503020204020204" pitchFamily="34" charset="-122"/>
-                <a:ea typeface="微软雅黑" panose="020B0503020204020204" pitchFamily="34" charset="-122"/>
-              </a:rPr>
-              <a:t>混合剪枝方法：空间卷积数据流重排</a:t>
-            </a:r>
-            <a:r>
-              <a:rPr lang="en-US" altLang="zh-CN" sz="2000" dirty="0">
-                <a:latin typeface="微软雅黑" panose="020B0503020204020204" pitchFamily="34" charset="-122"/>
-                <a:ea typeface="微软雅黑" panose="020B0503020204020204" pitchFamily="34" charset="-122"/>
-              </a:rPr>
-              <a:t>+</a:t>
-            </a:r>
-            <a:r>
-              <a:rPr lang="zh-CN" altLang="en-US" sz="2000" dirty="0">
-                <a:latin typeface="微软雅黑" panose="020B0503020204020204" pitchFamily="34" charset="-122"/>
-                <a:ea typeface="微软雅黑" panose="020B0503020204020204" pitchFamily="34" charset="-122"/>
-              </a:rPr>
-              <a:t>时间卷积粗细粒度剪枝</a:t>
-            </a:r>
-            <a:endParaRPr lang="en-US" altLang="zh-CN" sz="2000" dirty="0">
-              <a:latin typeface="微软雅黑" panose="020B0503020204020204" pitchFamily="34" charset="-122"/>
-              <a:ea typeface="微软雅黑" panose="020B0503020204020204" pitchFamily="34" charset="-122"/>
             </a:endParaRPr>
           </a:p>
         </p:txBody>
@@ -12196,12 +17363,135 @@
           </a:prstGeom>
         </p:spPr>
       </p:pic>
+      <p:sp>
+        <p:nvSpPr>
+          <p:cNvPr id="7" name="矩形 6">
+            <a:extLst>
+              <a:ext uri="{FF2B5EF4-FFF2-40B4-BE49-F238E27FC236}">
+                <a16:creationId xmlns:a16="http://schemas.microsoft.com/office/drawing/2014/main" id="{3367D7E5-C406-4041-96F4-D6D10A638EF0}"/>
+              </a:ext>
+            </a:extLst>
+          </p:cNvPr>
+          <p:cNvSpPr/>
+          <p:nvPr/>
+        </p:nvSpPr>
+        <p:spPr>
+          <a:xfrm>
+            <a:off x="-423679" y="1078946"/>
+            <a:ext cx="12028246" cy="580865"/>
+          </a:xfrm>
+          <a:prstGeom prst="rect">
+            <a:avLst/>
+          </a:prstGeom>
+        </p:spPr>
+        <p:txBody>
+          <a:bodyPr wrap="square">
+            <a:spAutoFit/>
+          </a:bodyPr>
+          <a:lstStyle/>
+          <a:p>
+            <a:pPr lvl="1">
+              <a:lnSpc>
+                <a:spcPct val="150000"/>
+              </a:lnSpc>
+            </a:pPr>
+            <a:r>
+              <a:rPr lang="en-US" altLang="zh-CN" sz="2400" dirty="0">
+                <a:latin typeface="Times New Roman" panose="02020603050405020304" pitchFamily="18" charset="0"/>
+                <a:ea typeface="微软雅黑" panose="020B0503020204020204" pitchFamily="34" charset="-122"/>
+                <a:cs typeface="Times New Roman" panose="02020603050405020304" pitchFamily="18" charset="0"/>
+              </a:rPr>
+              <a:t>Hybrid pruning</a:t>
+            </a:r>
+            <a:r>
+              <a:rPr lang="zh-CN" altLang="en-US" sz="2400" dirty="0">
+                <a:latin typeface="Times New Roman" panose="02020603050405020304" pitchFamily="18" charset="0"/>
+                <a:ea typeface="微软雅黑" panose="020B0503020204020204" pitchFamily="34" charset="-122"/>
+                <a:cs typeface="Times New Roman" panose="02020603050405020304" pitchFamily="18" charset="0"/>
+              </a:rPr>
+              <a:t>：</a:t>
+            </a:r>
+            <a:r>
+              <a:rPr lang="en-US" altLang="zh-CN" sz="2400" dirty="0">
+                <a:latin typeface="Times New Roman" panose="02020603050405020304" pitchFamily="18" charset="0"/>
+                <a:ea typeface="微软雅黑" panose="020B0503020204020204" pitchFamily="34" charset="-122"/>
+                <a:cs typeface="Times New Roman" panose="02020603050405020304" pitchFamily="18" charset="0"/>
+              </a:rPr>
+              <a:t>fine-grained</a:t>
+            </a:r>
+            <a:r>
+              <a:rPr lang="zh-CN" altLang="en-US" sz="2400" dirty="0">
+                <a:latin typeface="Times New Roman" panose="02020603050405020304" pitchFamily="18" charset="0"/>
+                <a:ea typeface="微软雅黑" panose="020B0503020204020204" pitchFamily="34" charset="-122"/>
+                <a:cs typeface="Times New Roman" panose="02020603050405020304" pitchFamily="18" charset="0"/>
+              </a:rPr>
+              <a:t> </a:t>
+            </a:r>
+            <a:r>
+              <a:rPr lang="en-US" altLang="zh-CN" sz="2400" dirty="0">
+                <a:latin typeface="Times New Roman" panose="02020603050405020304" pitchFamily="18" charset="0"/>
+                <a:ea typeface="微软雅黑" panose="020B0503020204020204" pitchFamily="34" charset="-122"/>
+                <a:cs typeface="Times New Roman" panose="02020603050405020304" pitchFamily="18" charset="0"/>
+              </a:rPr>
+              <a:t>pruning</a:t>
+            </a:r>
+            <a:r>
+              <a:rPr lang="zh-CN" altLang="en-US" sz="2400" dirty="0">
+                <a:latin typeface="Times New Roman" panose="02020603050405020304" pitchFamily="18" charset="0"/>
+                <a:ea typeface="微软雅黑" panose="020B0503020204020204" pitchFamily="34" charset="-122"/>
+                <a:cs typeface="Times New Roman" panose="02020603050405020304" pitchFamily="18" charset="0"/>
+              </a:rPr>
+              <a:t> </a:t>
+            </a:r>
+            <a:r>
+              <a:rPr lang="en-US" altLang="zh-CN" sz="2400" dirty="0">
+                <a:latin typeface="Times New Roman" panose="02020603050405020304" pitchFamily="18" charset="0"/>
+                <a:ea typeface="微软雅黑" panose="020B0503020204020204" pitchFamily="34" charset="-122"/>
+                <a:cs typeface="Times New Roman" panose="02020603050405020304" pitchFamily="18" charset="0"/>
+              </a:rPr>
+              <a:t>on</a:t>
+            </a:r>
+            <a:r>
+              <a:rPr lang="zh-CN" altLang="en-US" sz="2400" dirty="0">
+                <a:latin typeface="Times New Roman" panose="02020603050405020304" pitchFamily="18" charset="0"/>
+                <a:ea typeface="微软雅黑" panose="020B0503020204020204" pitchFamily="34" charset="-122"/>
+                <a:cs typeface="Times New Roman" panose="02020603050405020304" pitchFamily="18" charset="0"/>
+              </a:rPr>
+              <a:t> </a:t>
+            </a:r>
+            <a:r>
+              <a:rPr lang="en-US" altLang="zh-CN" sz="2400" dirty="0">
+                <a:latin typeface="Times New Roman" panose="02020603050405020304" pitchFamily="18" charset="0"/>
+                <a:ea typeface="微软雅黑" panose="020B0503020204020204" pitchFamily="34" charset="-122"/>
+                <a:cs typeface="Times New Roman" panose="02020603050405020304" pitchFamily="18" charset="0"/>
+              </a:rPr>
+              <a:t>temporal</a:t>
+            </a:r>
+            <a:r>
+              <a:rPr lang="zh-CN" altLang="en-US" sz="2400" dirty="0">
+                <a:latin typeface="Times New Roman" panose="02020603050405020304" pitchFamily="18" charset="0"/>
+                <a:ea typeface="微软雅黑" panose="020B0503020204020204" pitchFamily="34" charset="-122"/>
+                <a:cs typeface="Times New Roman" panose="02020603050405020304" pitchFamily="18" charset="0"/>
+              </a:rPr>
+              <a:t> </a:t>
+            </a:r>
+            <a:r>
+              <a:rPr lang="en-US" altLang="zh-CN" sz="2400" dirty="0">
+                <a:latin typeface="Times New Roman" panose="02020603050405020304" pitchFamily="18" charset="0"/>
+                <a:ea typeface="微软雅黑" panose="020B0503020204020204" pitchFamily="34" charset="-122"/>
+                <a:cs typeface="Times New Roman" panose="02020603050405020304" pitchFamily="18" charset="0"/>
+              </a:rPr>
+              <a:t>conv</a:t>
+            </a:r>
+          </a:p>
+        </p:txBody>
+      </p:sp>
       <p:pic>
         <p:nvPicPr>
-          <p:cNvPr id="17" name="图片 16">
+          <p:cNvPr id="8" name="图片 7">
             <a:extLst>
               <a:ext uri="{FF2B5EF4-FFF2-40B4-BE49-F238E27FC236}">
-                <a16:creationId xmlns:a16="http://schemas.microsoft.com/office/drawing/2014/main" id="{24095411-E047-404D-8873-23266CD4CFCE}"/>
+                <a16:creationId xmlns:a16="http://schemas.microsoft.com/office/drawing/2014/main" id="{6B8D9C50-33E1-40E5-B72B-A5DE1799FD6C}"/>
               </a:ext>
             </a:extLst>
           </p:cNvPr>
@@ -12218,8 +17508,8 @@
         </p:blipFill>
         <p:spPr>
           <a:xfrm>
-            <a:off x="5687598" y="2071687"/>
-            <a:ext cx="5074820" cy="3786188"/>
+            <a:off x="5845772" y="1828800"/>
+            <a:ext cx="5074820" cy="4029075"/>
           </a:xfrm>
           <a:prstGeom prst="rect">
             <a:avLst/>
@@ -12257,411 +17547,7 @@
                             </p:stCondLst>
                             <p:childTnLst>
                               <p:par>
-                                <p:cTn id="5" presetID="2" presetClass="entr" presetSubtype="4" fill="hold" nodeType="clickEffect">
-                                  <p:stCondLst>
-                                    <p:cond delay="0"/>
-                                  </p:stCondLst>
-                                  <p:childTnLst>
-                                    <p:set>
-                                      <p:cBhvr>
-                                        <p:cTn id="6" dur="1" fill="hold">
-                                          <p:stCondLst>
-                                            <p:cond delay="0"/>
-                                          </p:stCondLst>
-                                        </p:cTn>
-                                        <p:tgtEl>
-                                          <p:spTgt spid="12"/>
-                                        </p:tgtEl>
-                                        <p:attrNameLst>
-                                          <p:attrName>style.visibility</p:attrName>
-                                        </p:attrNameLst>
-                                      </p:cBhvr>
-                                      <p:to>
-                                        <p:strVal val="visible"/>
-                                      </p:to>
-                                    </p:set>
-                                    <p:anim calcmode="lin" valueType="num">
-                                      <p:cBhvr additive="base">
-                                        <p:cTn id="7" dur="500" fill="hold"/>
-                                        <p:tgtEl>
-                                          <p:spTgt spid="12"/>
-                                        </p:tgtEl>
-                                        <p:attrNameLst>
-                                          <p:attrName>ppt_x</p:attrName>
-                                        </p:attrNameLst>
-                                      </p:cBhvr>
-                                      <p:tavLst>
-                                        <p:tav tm="0">
-                                          <p:val>
-                                            <p:strVal val="#ppt_x"/>
-                                          </p:val>
-                                        </p:tav>
-                                        <p:tav tm="100000">
-                                          <p:val>
-                                            <p:strVal val="#ppt_x"/>
-                                          </p:val>
-                                        </p:tav>
-                                      </p:tavLst>
-                                    </p:anim>
-                                    <p:anim calcmode="lin" valueType="num">
-                                      <p:cBhvr additive="base">
-                                        <p:cTn id="8" dur="500" fill="hold"/>
-                                        <p:tgtEl>
-                                          <p:spTgt spid="12"/>
-                                        </p:tgtEl>
-                                        <p:attrNameLst>
-                                          <p:attrName>ppt_y</p:attrName>
-                                        </p:attrNameLst>
-                                      </p:cBhvr>
-                                      <p:tavLst>
-                                        <p:tav tm="0">
-                                          <p:val>
-                                            <p:strVal val="1+#ppt_h/2"/>
-                                          </p:val>
-                                        </p:tav>
-                                        <p:tav tm="100000">
-                                          <p:val>
-                                            <p:strVal val="#ppt_y"/>
-                                          </p:val>
-                                        </p:tav>
-                                      </p:tavLst>
-                                    </p:anim>
-                                  </p:childTnLst>
-                                </p:cTn>
-                              </p:par>
-                            </p:childTnLst>
-                          </p:cTn>
-                        </p:par>
-                      </p:childTnLst>
-                    </p:cTn>
-                  </p:par>
-                  <p:par>
-                    <p:cTn id="9" fill="hold">
-                      <p:stCondLst>
-                        <p:cond delay="indefinite"/>
-                      </p:stCondLst>
-                      <p:childTnLst>
-                        <p:par>
-                          <p:cTn id="10" fill="hold">
-                            <p:stCondLst>
-                              <p:cond delay="0"/>
-                            </p:stCondLst>
-                            <p:childTnLst>
-                              <p:par>
-                                <p:cTn id="11" presetID="2" presetClass="entr" presetSubtype="4" fill="hold" nodeType="clickEffect">
-                                  <p:stCondLst>
-                                    <p:cond delay="0"/>
-                                  </p:stCondLst>
-                                  <p:childTnLst>
-                                    <p:set>
-                                      <p:cBhvr>
-                                        <p:cTn id="12" dur="1" fill="hold">
-                                          <p:stCondLst>
-                                            <p:cond delay="0"/>
-                                          </p:stCondLst>
-                                        </p:cTn>
-                                        <p:tgtEl>
-                                          <p:spTgt spid="17"/>
-                                        </p:tgtEl>
-                                        <p:attrNameLst>
-                                          <p:attrName>style.visibility</p:attrName>
-                                        </p:attrNameLst>
-                                      </p:cBhvr>
-                                      <p:to>
-                                        <p:strVal val="visible"/>
-                                      </p:to>
-                                    </p:set>
-                                    <p:anim calcmode="lin" valueType="num">
-                                      <p:cBhvr additive="base">
-                                        <p:cTn id="13" dur="500" fill="hold"/>
-                                        <p:tgtEl>
-                                          <p:spTgt spid="17"/>
-                                        </p:tgtEl>
-                                        <p:attrNameLst>
-                                          <p:attrName>ppt_x</p:attrName>
-                                        </p:attrNameLst>
-                                      </p:cBhvr>
-                                      <p:tavLst>
-                                        <p:tav tm="0">
-                                          <p:val>
-                                            <p:strVal val="#ppt_x"/>
-                                          </p:val>
-                                        </p:tav>
-                                        <p:tav tm="100000">
-                                          <p:val>
-                                            <p:strVal val="#ppt_x"/>
-                                          </p:val>
-                                        </p:tav>
-                                      </p:tavLst>
-                                    </p:anim>
-                                    <p:anim calcmode="lin" valueType="num">
-                                      <p:cBhvr additive="base">
-                                        <p:cTn id="14" dur="500" fill="hold"/>
-                                        <p:tgtEl>
-                                          <p:spTgt spid="17"/>
-                                        </p:tgtEl>
-                                        <p:attrNameLst>
-                                          <p:attrName>ppt_y</p:attrName>
-                                        </p:attrNameLst>
-                                      </p:cBhvr>
-                                      <p:tavLst>
-                                        <p:tav tm="0">
-                                          <p:val>
-                                            <p:strVal val="1+#ppt_h/2"/>
-                                          </p:val>
-                                        </p:tav>
-                                        <p:tav tm="100000">
-                                          <p:val>
-                                            <p:strVal val="#ppt_y"/>
-                                          </p:val>
-                                        </p:tav>
-                                      </p:tavLst>
-                                    </p:anim>
-                                  </p:childTnLst>
-                                </p:cTn>
-                              </p:par>
-                            </p:childTnLst>
-                          </p:cTn>
-                        </p:par>
-                      </p:childTnLst>
-                    </p:cTn>
-                  </p:par>
-                </p:childTnLst>
-              </p:cTn>
-              <p:prevCondLst>
-                <p:cond evt="onPrev" delay="0">
-                  <p:tgtEl>
-                    <p:sldTgt/>
-                  </p:tgtEl>
-                </p:cond>
-              </p:prevCondLst>
-              <p:nextCondLst>
-                <p:cond evt="onNext" delay="0">
-                  <p:tgtEl>
-                    <p:sldTgt/>
-                  </p:tgtEl>
-                </p:cond>
-              </p:nextCondLst>
-            </p:seq>
-          </p:childTnLst>
-        </p:cTn>
-      </p:par>
-    </p:tnLst>
-  </p:timing>
-</p:sld>
-</file>
-
-<file path=ppt/slides/slide7.xml><?xml version="1.0" encoding="utf-8"?>
-<p:sld xmlns:a="http://schemas.openxmlformats.org/drawingml/2006/main" xmlns:r="http://schemas.openxmlformats.org/officeDocument/2006/relationships" xmlns:p="http://schemas.openxmlformats.org/presentationml/2006/main">
-  <p:cSld>
-    <p:spTree>
-      <p:nvGrpSpPr>
-        <p:cNvPr id="1" name=""/>
-        <p:cNvGrpSpPr/>
-        <p:nvPr/>
-      </p:nvGrpSpPr>
-      <p:grpSpPr>
-        <a:xfrm>
-          <a:off x="0" y="0"/>
-          <a:ext cx="0" cy="0"/>
-          <a:chOff x="0" y="0"/>
-          <a:chExt cx="0" cy="0"/>
-        </a:xfrm>
-      </p:grpSpPr>
-      <p:sp>
-        <p:nvSpPr>
-          <p:cNvPr id="166" name="object 2">
-            <a:extLst>
-              <a:ext uri="{FF2B5EF4-FFF2-40B4-BE49-F238E27FC236}">
-                <a16:creationId xmlns:a16="http://schemas.microsoft.com/office/drawing/2014/main" id="{DA3D3201-782B-49B5-87ED-679053B4483C}"/>
-              </a:ext>
-            </a:extLst>
-          </p:cNvPr>
-          <p:cNvSpPr txBox="1">
-            <a:spLocks noGrp="1"/>
-          </p:cNvSpPr>
-          <p:nvPr>
-            <p:ph type="title"/>
-          </p:nvPr>
-        </p:nvSpPr>
-        <p:spPr>
-          <a:xfrm>
-            <a:off x="377048" y="363293"/>
-            <a:ext cx="11110443" cy="505405"/>
-          </a:xfrm>
-        </p:spPr>
-        <p:txBody>
-          <a:bodyPr>
-            <a:noAutofit/>
-          </a:bodyPr>
-          <a:lstStyle/>
-          <a:p>
-            <a:pPr algn="ctr" defTabSz="1095167"/>
-            <a:r>
-              <a:rPr lang="en-US" sz="2800" b="1" dirty="0">
-                <a:ln w="11430"/>
-                <a:solidFill>
-                  <a:srgbClr val="FFFF00"/>
-                </a:solidFill>
-                <a:effectLst>
-                  <a:outerShdw blurRad="50800" dist="39000" dir="5460000" algn="tl">
-                    <a:srgbClr val="000000">
-                      <a:alpha val="38000"/>
-                    </a:srgbClr>
-                  </a:outerShdw>
-                </a:effectLst>
-                <a:latin typeface="Arial Rounded MT Bold" pitchFamily="34" charset="0"/>
-                <a:cs typeface="Arial" charset="0"/>
-              </a:rPr>
-              <a:t>7.</a:t>
-            </a:r>
-            <a:r>
-              <a:rPr lang="zh-CN" altLang="en-US" sz="2800" b="1" dirty="0">
-                <a:ln w="11430"/>
-                <a:solidFill>
-                  <a:srgbClr val="FFFF00"/>
-                </a:solidFill>
-                <a:effectLst>
-                  <a:outerShdw blurRad="50800" dist="39000" dir="5460000" algn="tl">
-                    <a:srgbClr val="000000">
-                      <a:alpha val="38000"/>
-                    </a:srgbClr>
-                  </a:outerShdw>
-                </a:effectLst>
-                <a:latin typeface="Arial Rounded MT Bold" pitchFamily="34" charset="0"/>
-                <a:cs typeface="Arial" charset="0"/>
-              </a:rPr>
-              <a:t>针对姿态识别图卷积算法的软硬件加速设计</a:t>
-            </a:r>
-            <a:endParaRPr lang="en-US" sz="2800" b="1" dirty="0">
-              <a:ln w="11430"/>
-              <a:solidFill>
-                <a:srgbClr val="FFFF00"/>
-              </a:solidFill>
-              <a:effectLst>
-                <a:outerShdw blurRad="50800" dist="39000" dir="5460000" algn="tl">
-                  <a:srgbClr val="000000">
-                    <a:alpha val="38000"/>
-                  </a:srgbClr>
-                </a:outerShdw>
-              </a:effectLst>
-              <a:latin typeface="Arial Rounded MT Bold" pitchFamily="34" charset="0"/>
-              <a:cs typeface="Arial" charset="0"/>
-            </a:endParaRPr>
-          </a:p>
-        </p:txBody>
-      </p:sp>
-      <p:sp>
-        <p:nvSpPr>
-          <p:cNvPr id="14" name="矩形 13">
-            <a:extLst>
-              <a:ext uri="{FF2B5EF4-FFF2-40B4-BE49-F238E27FC236}">
-                <a16:creationId xmlns:a16="http://schemas.microsoft.com/office/drawing/2014/main" id="{C46C3BD4-468F-4BC4-9BFD-95DD405D8924}"/>
-              </a:ext>
-            </a:extLst>
-          </p:cNvPr>
-          <p:cNvSpPr/>
-          <p:nvPr/>
-        </p:nvSpPr>
-        <p:spPr>
-          <a:xfrm>
-            <a:off x="-169029" y="1204298"/>
-            <a:ext cx="10907852" cy="499624"/>
-          </a:xfrm>
-          <a:prstGeom prst="rect">
-            <a:avLst/>
-          </a:prstGeom>
-        </p:spPr>
-        <p:txBody>
-          <a:bodyPr wrap="square">
-            <a:spAutoFit/>
-          </a:bodyPr>
-          <a:lstStyle/>
-          <a:p>
-            <a:pPr lvl="1">
-              <a:lnSpc>
-                <a:spcPct val="150000"/>
-              </a:lnSpc>
-            </a:pPr>
-            <a:r>
-              <a:rPr lang="zh-CN" altLang="en-US" sz="2000" dirty="0">
-                <a:latin typeface="微软雅黑" panose="020B0503020204020204" pitchFamily="34" charset="-122"/>
-                <a:ea typeface="微软雅黑" panose="020B0503020204020204" pitchFamily="34" charset="-122"/>
-              </a:rPr>
-              <a:t>硬件设计：</a:t>
-            </a:r>
-            <a:r>
-              <a:rPr lang="en-US" altLang="zh-CN" sz="2000" dirty="0">
-                <a:latin typeface="微软雅黑" panose="020B0503020204020204" pitchFamily="34" charset="-122"/>
-                <a:ea typeface="微软雅黑" panose="020B0503020204020204" pitchFamily="34" charset="-122"/>
-              </a:rPr>
-              <a:t>SCM+RFC+TCM</a:t>
-            </a:r>
-          </a:p>
-        </p:txBody>
-      </p:sp>
-      <p:pic>
-        <p:nvPicPr>
-          <p:cNvPr id="3" name="图片 2">
-            <a:extLst>
-              <a:ext uri="{FF2B5EF4-FFF2-40B4-BE49-F238E27FC236}">
-                <a16:creationId xmlns:a16="http://schemas.microsoft.com/office/drawing/2014/main" id="{7CA14EE3-7558-4AED-8C05-149DB3E7C62E}"/>
-              </a:ext>
-            </a:extLst>
-          </p:cNvPr>
-          <p:cNvPicPr>
-            <a:picLocks noChangeAspect="1"/>
-          </p:cNvPicPr>
-          <p:nvPr/>
-        </p:nvPicPr>
-        <p:blipFill>
-          <a:blip r:embed="rId3"/>
-          <a:stretch>
-            <a:fillRect/>
-          </a:stretch>
-        </p:blipFill>
-        <p:spPr>
-          <a:xfrm>
-            <a:off x="956310" y="1907429"/>
-            <a:ext cx="9422130" cy="3893295"/>
-          </a:xfrm>
-          <a:prstGeom prst="rect">
-            <a:avLst/>
-          </a:prstGeom>
-        </p:spPr>
-      </p:pic>
-    </p:spTree>
-    <p:extLst>
-      <p:ext uri="{BB962C8B-B14F-4D97-AF65-F5344CB8AC3E}">
-        <p14:creationId xmlns:p14="http://schemas.microsoft.com/office/powerpoint/2010/main" val="3418905996"/>
-      </p:ext>
-    </p:extLst>
-  </p:cSld>
-  <p:clrMapOvr>
-    <a:masterClrMapping/>
-  </p:clrMapOvr>
-  <p:timing>
-    <p:tnLst>
-      <p:par>
-        <p:cTn id="1" dur="indefinite" restart="never" nodeType="tmRoot">
-          <p:childTnLst>
-            <p:seq concurrent="1" nextAc="seek">
-              <p:cTn id="2" dur="indefinite" nodeType="mainSeq">
-                <p:childTnLst>
-                  <p:par>
-                    <p:cTn id="3" fill="hold">
-                      <p:stCondLst>
-                        <p:cond delay="indefinite"/>
-                      </p:stCondLst>
-                      <p:childTnLst>
-                        <p:par>
-                          <p:cTn id="4" fill="hold">
-                            <p:stCondLst>
-                              <p:cond delay="0"/>
-                            </p:stCondLst>
-                            <p:childTnLst>
-                              <p:par>
-                                <p:cTn id="5" presetID="42" presetClass="entr" presetSubtype="0" fill="hold" nodeType="clickEffect">
+                                <p:cTn id="5" presetID="10" presetClass="entr" presetSubtype="0" fill="hold" nodeType="clickEffect">
                                   <p:stCondLst>
                                     <p:cond delay="0"/>
                                   </p:stCondLst>
@@ -12686,17 +17572,70 @@
                                     </p:set>
                                     <p:animEffect transition="in" filter="fade">
                                       <p:cBhvr>
-                                        <p:cTn id="7" dur="1000"/>
+                                        <p:cTn id="7" dur="500"/>
                                         <p:tgtEl>
                                           <p:spTgt spid="3"/>
                                         </p:tgtEl>
                                       </p:cBhvr>
                                     </p:animEffect>
+                                  </p:childTnLst>
+                                </p:cTn>
+                              </p:par>
+                            </p:childTnLst>
+                          </p:cTn>
+                        </p:par>
+                      </p:childTnLst>
+                    </p:cTn>
+                  </p:par>
+                  <p:par>
+                    <p:cTn id="8" fill="hold">
+                      <p:stCondLst>
+                        <p:cond delay="indefinite"/>
+                      </p:stCondLst>
+                      <p:childTnLst>
+                        <p:par>
+                          <p:cTn id="9" fill="hold">
+                            <p:stCondLst>
+                              <p:cond delay="0"/>
+                            </p:stCondLst>
+                            <p:childTnLst>
+                              <p:par>
+                                <p:cTn id="10" presetID="42" presetClass="entr" presetSubtype="0" fill="hold" nodeType="clickEffect">
+                                  <p:stCondLst>
+                                    <p:cond delay="0"/>
+                                  </p:stCondLst>
+                                  <p:childTnLst>
+                                    <p:set>
+                                      <p:cBhvr>
+                                        <p:cTn id="11" dur="1" fill="hold">
+                                          <p:stCondLst>
+                                            <p:cond delay="0"/>
+                                          </p:stCondLst>
+                                        </p:cTn>
+                                        <p:tgtEl>
+                                          <p:spTgt spid="12"/>
+                                        </p:tgtEl>
+                                        <p:attrNameLst>
+                                          <p:attrName>style.visibility</p:attrName>
+                                        </p:attrNameLst>
+                                      </p:cBhvr>
+                                      <p:to>
+                                        <p:strVal val="visible"/>
+                                      </p:to>
+                                    </p:set>
+                                    <p:animEffect transition="in" filter="fade">
+                                      <p:cBhvr>
+                                        <p:cTn id="12" dur="1000"/>
+                                        <p:tgtEl>
+                                          <p:spTgt spid="12"/>
+                                        </p:tgtEl>
+                                      </p:cBhvr>
+                                    </p:animEffect>
                                     <p:anim calcmode="lin" valueType="num">
                                       <p:cBhvr>
-                                        <p:cTn id="8" dur="1000" fill="hold"/>
+                                        <p:cTn id="13" dur="1000" fill="hold"/>
                                         <p:tgtEl>
-                                          <p:spTgt spid="3"/>
+                                          <p:spTgt spid="12"/>
                                         </p:tgtEl>
                                         <p:attrNameLst>
                                           <p:attrName>ppt_x</p:attrName>
@@ -12717,390 +17656,9 @@
                                     </p:anim>
                                     <p:anim calcmode="lin" valueType="num">
                                       <p:cBhvr>
-                                        <p:cTn id="9" dur="1000" fill="hold"/>
+                                        <p:cTn id="14" dur="1000" fill="hold"/>
                                         <p:tgtEl>
-                                          <p:spTgt spid="3"/>
-                                        </p:tgtEl>
-                                        <p:attrNameLst>
-                                          <p:attrName>ppt_y</p:attrName>
-                                        </p:attrNameLst>
-                                      </p:cBhvr>
-                                      <p:tavLst>
-                                        <p:tav tm="0">
-                                          <p:val>
-                                            <p:strVal val="#ppt_y+.1"/>
-                                          </p:val>
-                                        </p:tav>
-                                        <p:tav tm="100000">
-                                          <p:val>
-                                            <p:strVal val="#ppt_y"/>
-                                          </p:val>
-                                        </p:tav>
-                                      </p:tavLst>
-                                    </p:anim>
-                                  </p:childTnLst>
-                                </p:cTn>
-                              </p:par>
-                            </p:childTnLst>
-                          </p:cTn>
-                        </p:par>
-                      </p:childTnLst>
-                    </p:cTn>
-                  </p:par>
-                </p:childTnLst>
-              </p:cTn>
-              <p:prevCondLst>
-                <p:cond evt="onPrev" delay="0">
-                  <p:tgtEl>
-                    <p:sldTgt/>
-                  </p:tgtEl>
-                </p:cond>
-              </p:prevCondLst>
-              <p:nextCondLst>
-                <p:cond evt="onNext" delay="0">
-                  <p:tgtEl>
-                    <p:sldTgt/>
-                  </p:tgtEl>
-                </p:cond>
-              </p:nextCondLst>
-            </p:seq>
-          </p:childTnLst>
-        </p:cTn>
-      </p:par>
-    </p:tnLst>
-  </p:timing>
-</p:sld>
-</file>
-
-<file path=ppt/slides/slide8.xml><?xml version="1.0" encoding="utf-8"?>
-<p:sld xmlns:a="http://schemas.openxmlformats.org/drawingml/2006/main" xmlns:r="http://schemas.openxmlformats.org/officeDocument/2006/relationships" xmlns:p="http://schemas.openxmlformats.org/presentationml/2006/main">
-  <p:cSld>
-    <p:spTree>
-      <p:nvGrpSpPr>
-        <p:cNvPr id="1" name=""/>
-        <p:cNvGrpSpPr/>
-        <p:nvPr/>
-      </p:nvGrpSpPr>
-      <p:grpSpPr>
-        <a:xfrm>
-          <a:off x="0" y="0"/>
-          <a:ext cx="0" cy="0"/>
-          <a:chOff x="0" y="0"/>
-          <a:chExt cx="0" cy="0"/>
-        </a:xfrm>
-      </p:grpSpPr>
-      <p:sp>
-        <p:nvSpPr>
-          <p:cNvPr id="166" name="object 2">
-            <a:extLst>
-              <a:ext uri="{FF2B5EF4-FFF2-40B4-BE49-F238E27FC236}">
-                <a16:creationId xmlns:a16="http://schemas.microsoft.com/office/drawing/2014/main" id="{DA3D3201-782B-49B5-87ED-679053B4483C}"/>
-              </a:ext>
-            </a:extLst>
-          </p:cNvPr>
-          <p:cNvSpPr txBox="1">
-            <a:spLocks noGrp="1"/>
-          </p:cNvSpPr>
-          <p:nvPr>
-            <p:ph type="title"/>
-          </p:nvPr>
-        </p:nvSpPr>
-        <p:spPr>
-          <a:xfrm>
-            <a:off x="377048" y="363293"/>
-            <a:ext cx="11110443" cy="505405"/>
-          </a:xfrm>
-        </p:spPr>
-        <p:txBody>
-          <a:bodyPr>
-            <a:noAutofit/>
-          </a:bodyPr>
-          <a:lstStyle/>
-          <a:p>
-            <a:pPr algn="ctr" defTabSz="1095167"/>
-            <a:r>
-              <a:rPr lang="en-US" sz="2800" b="1" dirty="0">
-                <a:ln w="11430"/>
-                <a:solidFill>
-                  <a:srgbClr val="FFFF00"/>
-                </a:solidFill>
-                <a:effectLst>
-                  <a:outerShdw blurRad="50800" dist="39000" dir="5460000" algn="tl">
-                    <a:srgbClr val="000000">
-                      <a:alpha val="38000"/>
-                    </a:srgbClr>
-                  </a:outerShdw>
-                </a:effectLst>
-                <a:latin typeface="Arial Rounded MT Bold" pitchFamily="34" charset="0"/>
-                <a:cs typeface="Arial" charset="0"/>
-              </a:rPr>
-              <a:t>7.</a:t>
-            </a:r>
-            <a:r>
-              <a:rPr lang="zh-CN" altLang="en-US" sz="2800" b="1" dirty="0">
-                <a:ln w="11430"/>
-                <a:solidFill>
-                  <a:srgbClr val="FFFF00"/>
-                </a:solidFill>
-                <a:effectLst>
-                  <a:outerShdw blurRad="50800" dist="39000" dir="5460000" algn="tl">
-                    <a:srgbClr val="000000">
-                      <a:alpha val="38000"/>
-                    </a:srgbClr>
-                  </a:outerShdw>
-                </a:effectLst>
-                <a:latin typeface="Arial Rounded MT Bold" pitchFamily="34" charset="0"/>
-                <a:cs typeface="Arial" charset="0"/>
-              </a:rPr>
-              <a:t>针对姿态识别图卷积算法的软硬件加速设计</a:t>
-            </a:r>
-            <a:endParaRPr lang="en-US" sz="2800" b="1" dirty="0">
-              <a:ln w="11430"/>
-              <a:solidFill>
-                <a:srgbClr val="FFFF00"/>
-              </a:solidFill>
-              <a:effectLst>
-                <a:outerShdw blurRad="50800" dist="39000" dir="5460000" algn="tl">
-                  <a:srgbClr val="000000">
-                    <a:alpha val="38000"/>
-                  </a:srgbClr>
-                </a:outerShdw>
-              </a:effectLst>
-              <a:latin typeface="Arial Rounded MT Bold" pitchFamily="34" charset="0"/>
-              <a:cs typeface="Arial" charset="0"/>
-            </a:endParaRPr>
-          </a:p>
-        </p:txBody>
-      </p:sp>
-      <p:sp>
-        <p:nvSpPr>
-          <p:cNvPr id="14" name="矩形 13">
-            <a:extLst>
-              <a:ext uri="{FF2B5EF4-FFF2-40B4-BE49-F238E27FC236}">
-                <a16:creationId xmlns:a16="http://schemas.microsoft.com/office/drawing/2014/main" id="{C46C3BD4-468F-4BC4-9BFD-95DD405D8924}"/>
-              </a:ext>
-            </a:extLst>
-          </p:cNvPr>
-          <p:cNvSpPr/>
-          <p:nvPr/>
-        </p:nvSpPr>
-        <p:spPr>
-          <a:xfrm>
-            <a:off x="-169029" y="1204298"/>
-            <a:ext cx="10907852" cy="499624"/>
-          </a:xfrm>
-          <a:prstGeom prst="rect">
-            <a:avLst/>
-          </a:prstGeom>
-        </p:spPr>
-        <p:txBody>
-          <a:bodyPr wrap="square">
-            <a:spAutoFit/>
-          </a:bodyPr>
-          <a:lstStyle/>
-          <a:p>
-            <a:pPr lvl="1">
-              <a:lnSpc>
-                <a:spcPct val="150000"/>
-              </a:lnSpc>
-            </a:pPr>
-            <a:r>
-              <a:rPr lang="zh-CN" altLang="en-US" sz="2000" dirty="0">
-                <a:latin typeface="微软雅黑" panose="020B0503020204020204" pitchFamily="34" charset="-122"/>
-                <a:ea typeface="微软雅黑" panose="020B0503020204020204" pitchFamily="34" charset="-122"/>
-              </a:rPr>
-              <a:t>硬件设计：</a:t>
-            </a:r>
-            <a:r>
-              <a:rPr lang="en-US" altLang="zh-CN" sz="2000" dirty="0">
-                <a:latin typeface="微软雅黑" panose="020B0503020204020204" pitchFamily="34" charset="-122"/>
-                <a:ea typeface="微软雅黑" panose="020B0503020204020204" pitchFamily="34" charset="-122"/>
-              </a:rPr>
-              <a:t>SCM+TCM+RFC</a:t>
-            </a:r>
-          </a:p>
-        </p:txBody>
-      </p:sp>
-      <p:pic>
-        <p:nvPicPr>
-          <p:cNvPr id="4" name="图片 3">
-            <a:extLst>
-              <a:ext uri="{FF2B5EF4-FFF2-40B4-BE49-F238E27FC236}">
-                <a16:creationId xmlns:a16="http://schemas.microsoft.com/office/drawing/2014/main" id="{31AC39FC-251E-4204-9620-8767664301D8}"/>
-              </a:ext>
-            </a:extLst>
-          </p:cNvPr>
-          <p:cNvPicPr>
-            <a:picLocks noChangeAspect="1"/>
-          </p:cNvPicPr>
-          <p:nvPr/>
-        </p:nvPicPr>
-        <p:blipFill>
-          <a:blip r:embed="rId3"/>
-          <a:stretch>
-            <a:fillRect/>
-          </a:stretch>
-        </p:blipFill>
-        <p:spPr>
-          <a:xfrm>
-            <a:off x="377048" y="1996094"/>
-            <a:ext cx="5806582" cy="2865811"/>
-          </a:xfrm>
-          <a:prstGeom prst="rect">
-            <a:avLst/>
-          </a:prstGeom>
-        </p:spPr>
-      </p:pic>
-      <p:pic>
-        <p:nvPicPr>
-          <p:cNvPr id="6" name="图片 5">
-            <a:extLst>
-              <a:ext uri="{FF2B5EF4-FFF2-40B4-BE49-F238E27FC236}">
-                <a16:creationId xmlns:a16="http://schemas.microsoft.com/office/drawing/2014/main" id="{4FD56CBE-9554-42AA-B908-767374BE624B}"/>
-              </a:ext>
-            </a:extLst>
-          </p:cNvPr>
-          <p:cNvPicPr>
-            <a:picLocks noChangeAspect="1"/>
-          </p:cNvPicPr>
-          <p:nvPr/>
-        </p:nvPicPr>
-        <p:blipFill>
-          <a:blip r:embed="rId4"/>
-          <a:stretch>
-            <a:fillRect/>
-          </a:stretch>
-        </p:blipFill>
-        <p:spPr>
-          <a:xfrm>
-            <a:off x="6183630" y="2358788"/>
-            <a:ext cx="5635943" cy="2395139"/>
-          </a:xfrm>
-          <a:prstGeom prst="rect">
-            <a:avLst/>
-          </a:prstGeom>
-        </p:spPr>
-      </p:pic>
-      <p:pic>
-        <p:nvPicPr>
-          <p:cNvPr id="8" name="图片 7">
-            <a:extLst>
-              <a:ext uri="{FF2B5EF4-FFF2-40B4-BE49-F238E27FC236}">
-                <a16:creationId xmlns:a16="http://schemas.microsoft.com/office/drawing/2014/main" id="{A8D87057-7C73-4EC7-B835-E954909D53C4}"/>
-              </a:ext>
-            </a:extLst>
-          </p:cNvPr>
-          <p:cNvPicPr>
-            <a:picLocks noChangeAspect="1"/>
-          </p:cNvPicPr>
-          <p:nvPr/>
-        </p:nvPicPr>
-        <p:blipFill>
-          <a:blip r:embed="rId5"/>
-          <a:stretch>
-            <a:fillRect/>
-          </a:stretch>
-        </p:blipFill>
-        <p:spPr>
-          <a:xfrm>
-            <a:off x="2633662" y="3556357"/>
-            <a:ext cx="6924675" cy="2247900"/>
-          </a:xfrm>
-          <a:prstGeom prst="rect">
-            <a:avLst/>
-          </a:prstGeom>
-        </p:spPr>
-      </p:pic>
-    </p:spTree>
-    <p:extLst>
-      <p:ext uri="{BB962C8B-B14F-4D97-AF65-F5344CB8AC3E}">
-        <p14:creationId xmlns:p14="http://schemas.microsoft.com/office/powerpoint/2010/main" val="92699865"/>
-      </p:ext>
-    </p:extLst>
-  </p:cSld>
-  <p:clrMapOvr>
-    <a:masterClrMapping/>
-  </p:clrMapOvr>
-  <p:timing>
-    <p:tnLst>
-      <p:par>
-        <p:cTn id="1" dur="indefinite" restart="never" nodeType="tmRoot">
-          <p:childTnLst>
-            <p:seq concurrent="1" nextAc="seek">
-              <p:cTn id="2" dur="indefinite" nodeType="mainSeq">
-                <p:childTnLst>
-                  <p:par>
-                    <p:cTn id="3" fill="hold">
-                      <p:stCondLst>
-                        <p:cond delay="indefinite"/>
-                      </p:stCondLst>
-                      <p:childTnLst>
-                        <p:par>
-                          <p:cTn id="4" fill="hold">
-                            <p:stCondLst>
-                              <p:cond delay="0"/>
-                            </p:stCondLst>
-                            <p:childTnLst>
-                              <p:par>
-                                <p:cTn id="5" presetID="42" presetClass="entr" presetSubtype="0" fill="hold" nodeType="clickEffect">
-                                  <p:stCondLst>
-                                    <p:cond delay="0"/>
-                                  </p:stCondLst>
-                                  <p:childTnLst>
-                                    <p:set>
-                                      <p:cBhvr>
-                                        <p:cTn id="6" dur="1" fill="hold">
-                                          <p:stCondLst>
-                                            <p:cond delay="0"/>
-                                          </p:stCondLst>
-                                        </p:cTn>
-                                        <p:tgtEl>
-                                          <p:spTgt spid="4"/>
-                                        </p:tgtEl>
-                                        <p:attrNameLst>
-                                          <p:attrName>style.visibility</p:attrName>
-                                        </p:attrNameLst>
-                                      </p:cBhvr>
-                                      <p:to>
-                                        <p:strVal val="visible"/>
-                                      </p:to>
-                                    </p:set>
-                                    <p:animEffect transition="in" filter="fade">
-                                      <p:cBhvr>
-                                        <p:cTn id="7" dur="1000"/>
-                                        <p:tgtEl>
-                                          <p:spTgt spid="4"/>
-                                        </p:tgtEl>
-                                      </p:cBhvr>
-                                    </p:animEffect>
-                                    <p:anim calcmode="lin" valueType="num">
-                                      <p:cBhvr>
-                                        <p:cTn id="8" dur="1000" fill="hold"/>
-                                        <p:tgtEl>
-                                          <p:spTgt spid="4"/>
-                                        </p:tgtEl>
-                                        <p:attrNameLst>
-                                          <p:attrName>ppt_x</p:attrName>
-                                        </p:attrNameLst>
-                                      </p:cBhvr>
-                                      <p:tavLst>
-                                        <p:tav tm="0">
-                                          <p:val>
-                                            <p:strVal val="#ppt_x"/>
-                                          </p:val>
-                                        </p:tav>
-                                        <p:tav tm="100000">
-                                          <p:val>
-                                            <p:strVal val="#ppt_x"/>
-                                          </p:val>
-                                        </p:tav>
-                                      </p:tavLst>
-                                    </p:anim>
-                                    <p:anim calcmode="lin" valueType="num">
-                                      <p:cBhvr>
-                                        <p:cTn id="9" dur="1000" fill="hold"/>
-                                        <p:tgtEl>
-                                          <p:spTgt spid="4"/>
+                                          <p:spTgt spid="12"/>
                                         </p:tgtEl>
                                         <p:attrNameLst>
                                           <p:attrName>ppt_y</p:attrName>
@@ -13129,125 +17687,26 @@
                     </p:cTn>
                   </p:par>
                   <p:par>
-                    <p:cTn id="10" fill="hold">
+                    <p:cTn id="15" fill="hold">
                       <p:stCondLst>
                         <p:cond delay="indefinite"/>
                       </p:stCondLst>
                       <p:childTnLst>
                         <p:par>
-                          <p:cTn id="11" fill="hold">
+                          <p:cTn id="16" fill="hold">
                             <p:stCondLst>
                               <p:cond delay="0"/>
                             </p:stCondLst>
                             <p:childTnLst>
                               <p:par>
-                                <p:cTn id="12" presetID="42" presetClass="entr" presetSubtype="0" fill="hold" nodeType="clickEffect">
+                                <p:cTn id="17" presetID="6" presetClass="entr" presetSubtype="16" fill="hold" nodeType="clickEffect">
                                   <p:stCondLst>
                                     <p:cond delay="0"/>
                                   </p:stCondLst>
                                   <p:childTnLst>
                                     <p:set>
                                       <p:cBhvr>
-                                        <p:cTn id="13" dur="1" fill="hold">
-                                          <p:stCondLst>
-                                            <p:cond delay="0"/>
-                                          </p:stCondLst>
-                                        </p:cTn>
-                                        <p:tgtEl>
-                                          <p:spTgt spid="6"/>
-                                        </p:tgtEl>
-                                        <p:attrNameLst>
-                                          <p:attrName>style.visibility</p:attrName>
-                                        </p:attrNameLst>
-                                      </p:cBhvr>
-                                      <p:to>
-                                        <p:strVal val="visible"/>
-                                      </p:to>
-                                    </p:set>
-                                    <p:animEffect transition="in" filter="fade">
-                                      <p:cBhvr>
-                                        <p:cTn id="14" dur="1000"/>
-                                        <p:tgtEl>
-                                          <p:spTgt spid="6"/>
-                                        </p:tgtEl>
-                                      </p:cBhvr>
-                                    </p:animEffect>
-                                    <p:anim calcmode="lin" valueType="num">
-                                      <p:cBhvr>
-                                        <p:cTn id="15" dur="1000" fill="hold"/>
-                                        <p:tgtEl>
-                                          <p:spTgt spid="6"/>
-                                        </p:tgtEl>
-                                        <p:attrNameLst>
-                                          <p:attrName>ppt_x</p:attrName>
-                                        </p:attrNameLst>
-                                      </p:cBhvr>
-                                      <p:tavLst>
-                                        <p:tav tm="0">
-                                          <p:val>
-                                            <p:strVal val="#ppt_x"/>
-                                          </p:val>
-                                        </p:tav>
-                                        <p:tav tm="100000">
-                                          <p:val>
-                                            <p:strVal val="#ppt_x"/>
-                                          </p:val>
-                                        </p:tav>
-                                      </p:tavLst>
-                                    </p:anim>
-                                    <p:anim calcmode="lin" valueType="num">
-                                      <p:cBhvr>
-                                        <p:cTn id="16" dur="1000" fill="hold"/>
-                                        <p:tgtEl>
-                                          <p:spTgt spid="6"/>
-                                        </p:tgtEl>
-                                        <p:attrNameLst>
-                                          <p:attrName>ppt_y</p:attrName>
-                                        </p:attrNameLst>
-                                      </p:cBhvr>
-                                      <p:tavLst>
-                                        <p:tav tm="0">
-                                          <p:val>
-                                            <p:strVal val="#ppt_y+.1"/>
-                                          </p:val>
-                                        </p:tav>
-                                        <p:tav tm="100000">
-                                          <p:val>
-                                            <p:strVal val="#ppt_y"/>
-                                          </p:val>
-                                        </p:tav>
-                                      </p:tavLst>
-                                    </p:anim>
-                                  </p:childTnLst>
-                                </p:cTn>
-                              </p:par>
-                            </p:childTnLst>
-                          </p:cTn>
-                        </p:par>
-                      </p:childTnLst>
-                    </p:cTn>
-                  </p:par>
-                  <p:par>
-                    <p:cTn id="17" fill="hold">
-                      <p:stCondLst>
-                        <p:cond delay="indefinite"/>
-                      </p:stCondLst>
-                      <p:childTnLst>
-                        <p:par>
-                          <p:cTn id="18" fill="hold">
-                            <p:stCondLst>
-                              <p:cond delay="0"/>
-                            </p:stCondLst>
-                            <p:childTnLst>
-                              <p:par>
-                                <p:cTn id="19" presetID="22" presetClass="entr" presetSubtype="4" fill="hold" nodeType="clickEffect">
-                                  <p:stCondLst>
-                                    <p:cond delay="0"/>
-                                  </p:stCondLst>
-                                  <p:childTnLst>
-                                    <p:set>
-                                      <p:cBhvr>
-                                        <p:cTn id="20" dur="1" fill="hold">
+                                        <p:cTn id="18" dur="1" fill="hold">
                                           <p:stCondLst>
                                             <p:cond delay="0"/>
                                           </p:stCondLst>
@@ -13263,708 +17722,14 @@
                                         <p:strVal val="visible"/>
                                       </p:to>
                                     </p:set>
-                                    <p:animEffect transition="in" filter="wipe(down)">
+                                    <p:animEffect transition="in" filter="circle(in)">
                                       <p:cBhvr>
-                                        <p:cTn id="21" dur="500"/>
+                                        <p:cTn id="19" dur="2000"/>
                                         <p:tgtEl>
                                           <p:spTgt spid="8"/>
                                         </p:tgtEl>
                                       </p:cBhvr>
                                     </p:animEffect>
-                                  </p:childTnLst>
-                                </p:cTn>
-                              </p:par>
-                            </p:childTnLst>
-                          </p:cTn>
-                        </p:par>
-                      </p:childTnLst>
-                    </p:cTn>
-                  </p:par>
-                </p:childTnLst>
-              </p:cTn>
-              <p:prevCondLst>
-                <p:cond evt="onPrev" delay="0">
-                  <p:tgtEl>
-                    <p:sldTgt/>
-                  </p:tgtEl>
-                </p:cond>
-              </p:prevCondLst>
-              <p:nextCondLst>
-                <p:cond evt="onNext" delay="0">
-                  <p:tgtEl>
-                    <p:sldTgt/>
-                  </p:tgtEl>
-                </p:cond>
-              </p:nextCondLst>
-            </p:seq>
-          </p:childTnLst>
-        </p:cTn>
-      </p:par>
-    </p:tnLst>
-  </p:timing>
-</p:sld>
-</file>
-
-<file path=ppt/slides/slide9.xml><?xml version="1.0" encoding="utf-8"?>
-<p:sld xmlns:a="http://schemas.openxmlformats.org/drawingml/2006/main" xmlns:r="http://schemas.openxmlformats.org/officeDocument/2006/relationships" xmlns:p="http://schemas.openxmlformats.org/presentationml/2006/main">
-  <p:cSld>
-    <p:spTree>
-      <p:nvGrpSpPr>
-        <p:cNvPr id="1" name=""/>
-        <p:cNvGrpSpPr/>
-        <p:nvPr/>
-      </p:nvGrpSpPr>
-      <p:grpSpPr>
-        <a:xfrm>
-          <a:off x="0" y="0"/>
-          <a:ext cx="0" cy="0"/>
-          <a:chOff x="0" y="0"/>
-          <a:chExt cx="0" cy="0"/>
-        </a:xfrm>
-      </p:grpSpPr>
-      <p:sp>
-        <p:nvSpPr>
-          <p:cNvPr id="166" name="object 2">
-            <a:extLst>
-              <a:ext uri="{FF2B5EF4-FFF2-40B4-BE49-F238E27FC236}">
-                <a16:creationId xmlns:a16="http://schemas.microsoft.com/office/drawing/2014/main" id="{DA3D3201-782B-49B5-87ED-679053B4483C}"/>
-              </a:ext>
-            </a:extLst>
-          </p:cNvPr>
-          <p:cNvSpPr txBox="1">
-            <a:spLocks noGrp="1"/>
-          </p:cNvSpPr>
-          <p:nvPr>
-            <p:ph type="title"/>
-          </p:nvPr>
-        </p:nvSpPr>
-        <p:spPr>
-          <a:xfrm>
-            <a:off x="377048" y="363293"/>
-            <a:ext cx="11110443" cy="505405"/>
-          </a:xfrm>
-        </p:spPr>
-        <p:txBody>
-          <a:bodyPr>
-            <a:noAutofit/>
-          </a:bodyPr>
-          <a:lstStyle/>
-          <a:p>
-            <a:pPr algn="ctr" defTabSz="1095167"/>
-            <a:r>
-              <a:rPr lang="en-US" sz="2800" b="1" dirty="0">
-                <a:ln w="11430"/>
-                <a:solidFill>
-                  <a:srgbClr val="FFFF00"/>
-                </a:solidFill>
-                <a:effectLst>
-                  <a:outerShdw blurRad="50800" dist="39000" dir="5460000" algn="tl">
-                    <a:srgbClr val="000000">
-                      <a:alpha val="38000"/>
-                    </a:srgbClr>
-                  </a:outerShdw>
-                </a:effectLst>
-                <a:latin typeface="Arial Rounded MT Bold" pitchFamily="34" charset="0"/>
-                <a:cs typeface="Arial" charset="0"/>
-              </a:rPr>
-              <a:t>7.</a:t>
-            </a:r>
-            <a:r>
-              <a:rPr lang="zh-CN" altLang="en-US" sz="2800" b="1" dirty="0">
-                <a:ln w="11430"/>
-                <a:solidFill>
-                  <a:srgbClr val="FFFF00"/>
-                </a:solidFill>
-                <a:effectLst>
-                  <a:outerShdw blurRad="50800" dist="39000" dir="5460000" algn="tl">
-                    <a:srgbClr val="000000">
-                      <a:alpha val="38000"/>
-                    </a:srgbClr>
-                  </a:outerShdw>
-                </a:effectLst>
-                <a:latin typeface="Arial Rounded MT Bold" pitchFamily="34" charset="0"/>
-                <a:cs typeface="Arial" charset="0"/>
-              </a:rPr>
-              <a:t>针对姿态识别图卷积算法的软硬件加速设计</a:t>
-            </a:r>
-            <a:endParaRPr lang="en-US" sz="2800" b="1" dirty="0">
-              <a:ln w="11430"/>
-              <a:solidFill>
-                <a:srgbClr val="FFFF00"/>
-              </a:solidFill>
-              <a:effectLst>
-                <a:outerShdw blurRad="50800" dist="39000" dir="5460000" algn="tl">
-                  <a:srgbClr val="000000">
-                    <a:alpha val="38000"/>
-                  </a:srgbClr>
-                </a:outerShdw>
-              </a:effectLst>
-              <a:latin typeface="Arial Rounded MT Bold" pitchFamily="34" charset="0"/>
-              <a:cs typeface="Arial" charset="0"/>
-            </a:endParaRPr>
-          </a:p>
-        </p:txBody>
-      </p:sp>
-      <p:sp>
-        <p:nvSpPr>
-          <p:cNvPr id="14" name="矩形 13">
-            <a:extLst>
-              <a:ext uri="{FF2B5EF4-FFF2-40B4-BE49-F238E27FC236}">
-                <a16:creationId xmlns:a16="http://schemas.microsoft.com/office/drawing/2014/main" id="{C46C3BD4-468F-4BC4-9BFD-95DD405D8924}"/>
-              </a:ext>
-            </a:extLst>
-          </p:cNvPr>
-          <p:cNvSpPr/>
-          <p:nvPr/>
-        </p:nvSpPr>
-        <p:spPr>
-          <a:xfrm>
-            <a:off x="-169029" y="1204298"/>
-            <a:ext cx="10907852" cy="499624"/>
-          </a:xfrm>
-          <a:prstGeom prst="rect">
-            <a:avLst/>
-          </a:prstGeom>
-        </p:spPr>
-        <p:txBody>
-          <a:bodyPr wrap="square">
-            <a:spAutoFit/>
-          </a:bodyPr>
-          <a:lstStyle/>
-          <a:p>
-            <a:pPr lvl="1">
-              <a:lnSpc>
-                <a:spcPct val="150000"/>
-              </a:lnSpc>
-            </a:pPr>
-            <a:r>
-              <a:rPr lang="en-US" altLang="zh-CN" sz="2000" dirty="0">
-                <a:latin typeface="微软雅黑" panose="020B0503020204020204" pitchFamily="34" charset="-122"/>
-                <a:ea typeface="微软雅黑" panose="020B0503020204020204" pitchFamily="34" charset="-122"/>
-              </a:rPr>
-              <a:t>RFC</a:t>
-            </a:r>
-            <a:r>
-              <a:rPr lang="zh-CN" altLang="en-US" sz="2000" dirty="0">
-                <a:latin typeface="微软雅黑" panose="020B0503020204020204" pitchFamily="34" charset="-122"/>
-                <a:ea typeface="微软雅黑" panose="020B0503020204020204" pitchFamily="34" charset="-122"/>
-              </a:rPr>
-              <a:t>：</a:t>
-            </a:r>
-            <a:r>
-              <a:rPr lang="en-US" altLang="zh-CN" sz="2000" dirty="0">
-                <a:latin typeface="微软雅黑" panose="020B0503020204020204" pitchFamily="34" charset="-122"/>
-                <a:ea typeface="微软雅黑" panose="020B0503020204020204" pitchFamily="34" charset="-122"/>
-              </a:rPr>
-              <a:t>bank/mini-bank/data-hot/</a:t>
-            </a:r>
-            <a:r>
-              <a:rPr lang="en-US" altLang="zh-CN" sz="2000" dirty="0" err="1">
-                <a:latin typeface="微软雅黑" panose="020B0503020204020204" pitchFamily="34" charset="-122"/>
-                <a:ea typeface="微软雅黑" panose="020B0503020204020204" pitchFamily="34" charset="-122"/>
-              </a:rPr>
-              <a:t>mbhot</a:t>
-            </a:r>
-            <a:endParaRPr lang="en-US" altLang="zh-CN" sz="2000" dirty="0">
-              <a:latin typeface="微软雅黑" panose="020B0503020204020204" pitchFamily="34" charset="-122"/>
-              <a:ea typeface="微软雅黑" panose="020B0503020204020204" pitchFamily="34" charset="-122"/>
-            </a:endParaRPr>
-          </a:p>
-        </p:txBody>
-      </p:sp>
-      <p:pic>
-        <p:nvPicPr>
-          <p:cNvPr id="3" name="图片 2">
-            <a:extLst>
-              <a:ext uri="{FF2B5EF4-FFF2-40B4-BE49-F238E27FC236}">
-                <a16:creationId xmlns:a16="http://schemas.microsoft.com/office/drawing/2014/main" id="{EEA48175-1CD9-4B35-8B76-31D2BFDB45E3}"/>
-              </a:ext>
-            </a:extLst>
-          </p:cNvPr>
-          <p:cNvPicPr>
-            <a:picLocks noChangeAspect="1"/>
-          </p:cNvPicPr>
-          <p:nvPr/>
-        </p:nvPicPr>
-        <p:blipFill>
-          <a:blip r:embed="rId3"/>
-          <a:stretch>
-            <a:fillRect/>
-          </a:stretch>
-        </p:blipFill>
-        <p:spPr>
-          <a:xfrm>
-            <a:off x="569595" y="1703922"/>
-            <a:ext cx="6343650" cy="4305300"/>
-          </a:xfrm>
-          <a:prstGeom prst="rect">
-            <a:avLst/>
-          </a:prstGeom>
-        </p:spPr>
-      </p:pic>
-      <p:pic>
-        <p:nvPicPr>
-          <p:cNvPr id="7" name="图片 6">
-            <a:extLst>
-              <a:ext uri="{FF2B5EF4-FFF2-40B4-BE49-F238E27FC236}">
-                <a16:creationId xmlns:a16="http://schemas.microsoft.com/office/drawing/2014/main" id="{82C5743D-CA7E-4A4F-9094-F7C05FE8EBDC}"/>
-              </a:ext>
-            </a:extLst>
-          </p:cNvPr>
-          <p:cNvPicPr>
-            <a:picLocks noChangeAspect="1"/>
-          </p:cNvPicPr>
-          <p:nvPr/>
-        </p:nvPicPr>
-        <p:blipFill>
-          <a:blip r:embed="rId4"/>
-          <a:stretch>
-            <a:fillRect/>
-          </a:stretch>
-        </p:blipFill>
-        <p:spPr>
-          <a:xfrm>
-            <a:off x="7747635" y="1349910"/>
-            <a:ext cx="2800350" cy="400050"/>
-          </a:xfrm>
-          <a:prstGeom prst="rect">
-            <a:avLst/>
-          </a:prstGeom>
-        </p:spPr>
-      </p:pic>
-      <p:pic>
-        <p:nvPicPr>
-          <p:cNvPr id="10" name="图片 9">
-            <a:extLst>
-              <a:ext uri="{FF2B5EF4-FFF2-40B4-BE49-F238E27FC236}">
-                <a16:creationId xmlns:a16="http://schemas.microsoft.com/office/drawing/2014/main" id="{CF0613BB-FA86-4231-ACA2-F8F275B1B502}"/>
-              </a:ext>
-            </a:extLst>
-          </p:cNvPr>
-          <p:cNvPicPr>
-            <a:picLocks noChangeAspect="1"/>
-          </p:cNvPicPr>
-          <p:nvPr/>
-        </p:nvPicPr>
-        <p:blipFill>
-          <a:blip r:embed="rId5"/>
-          <a:stretch>
-            <a:fillRect/>
-          </a:stretch>
-        </p:blipFill>
-        <p:spPr>
-          <a:xfrm>
-            <a:off x="8623935" y="1933774"/>
-            <a:ext cx="784098" cy="400050"/>
-          </a:xfrm>
-          <a:prstGeom prst="rect">
-            <a:avLst/>
-          </a:prstGeom>
-        </p:spPr>
-      </p:pic>
-      <p:pic>
-        <p:nvPicPr>
-          <p:cNvPr id="12" name="图片 11">
-            <a:extLst>
-              <a:ext uri="{FF2B5EF4-FFF2-40B4-BE49-F238E27FC236}">
-                <a16:creationId xmlns:a16="http://schemas.microsoft.com/office/drawing/2014/main" id="{CCF75F28-8F63-4291-A4D7-3C4FFE20FC96}"/>
-              </a:ext>
-            </a:extLst>
-          </p:cNvPr>
-          <p:cNvPicPr>
-            <a:picLocks noChangeAspect="1"/>
-          </p:cNvPicPr>
-          <p:nvPr/>
-        </p:nvPicPr>
-        <p:blipFill>
-          <a:blip r:embed="rId6"/>
-          <a:stretch>
-            <a:fillRect/>
-          </a:stretch>
-        </p:blipFill>
-        <p:spPr>
-          <a:xfrm>
-            <a:off x="6913245" y="2333824"/>
-            <a:ext cx="4343400" cy="1257300"/>
-          </a:xfrm>
-          <a:prstGeom prst="rect">
-            <a:avLst/>
-          </a:prstGeom>
-        </p:spPr>
-      </p:pic>
-      <p:pic>
-        <p:nvPicPr>
-          <p:cNvPr id="15" name="图片 14">
-            <a:extLst>
-              <a:ext uri="{FF2B5EF4-FFF2-40B4-BE49-F238E27FC236}">
-                <a16:creationId xmlns:a16="http://schemas.microsoft.com/office/drawing/2014/main" id="{4C3DFA77-8AD0-4835-841F-E4D9F9C20ED4}"/>
-              </a:ext>
-            </a:extLst>
-          </p:cNvPr>
-          <p:cNvPicPr>
-            <a:picLocks noChangeAspect="1"/>
-          </p:cNvPicPr>
-          <p:nvPr/>
-        </p:nvPicPr>
-        <p:blipFill>
-          <a:blip r:embed="rId7"/>
-          <a:stretch>
-            <a:fillRect/>
-          </a:stretch>
-        </p:blipFill>
-        <p:spPr>
-          <a:xfrm>
-            <a:off x="5330958" y="3591124"/>
-            <a:ext cx="6585954" cy="2690532"/>
-          </a:xfrm>
-          <a:prstGeom prst="rect">
-            <a:avLst/>
-          </a:prstGeom>
-        </p:spPr>
-      </p:pic>
-    </p:spTree>
-    <p:extLst>
-      <p:ext uri="{BB962C8B-B14F-4D97-AF65-F5344CB8AC3E}">
-        <p14:creationId xmlns:p14="http://schemas.microsoft.com/office/powerpoint/2010/main" val="359157400"/>
-      </p:ext>
-    </p:extLst>
-  </p:cSld>
-  <p:clrMapOvr>
-    <a:masterClrMapping/>
-  </p:clrMapOvr>
-  <p:timing>
-    <p:tnLst>
-      <p:par>
-        <p:cTn id="1" dur="indefinite" restart="never" nodeType="tmRoot">
-          <p:childTnLst>
-            <p:seq concurrent="1" nextAc="seek">
-              <p:cTn id="2" dur="indefinite" nodeType="mainSeq">
-                <p:childTnLst>
-                  <p:par>
-                    <p:cTn id="3" fill="hold">
-                      <p:stCondLst>
-                        <p:cond delay="indefinite"/>
-                      </p:stCondLst>
-                      <p:childTnLst>
-                        <p:par>
-                          <p:cTn id="4" fill="hold">
-                            <p:stCondLst>
-                              <p:cond delay="0"/>
-                            </p:stCondLst>
-                            <p:childTnLst>
-                              <p:par>
-                                <p:cTn id="5" presetID="42" presetClass="entr" presetSubtype="0" fill="hold" nodeType="clickEffect">
-                                  <p:stCondLst>
-                                    <p:cond delay="0"/>
-                                  </p:stCondLst>
-                                  <p:childTnLst>
-                                    <p:set>
-                                      <p:cBhvr>
-                                        <p:cTn id="6" dur="1" fill="hold">
-                                          <p:stCondLst>
-                                            <p:cond delay="0"/>
-                                          </p:stCondLst>
-                                        </p:cTn>
-                                        <p:tgtEl>
-                                          <p:spTgt spid="7"/>
-                                        </p:tgtEl>
-                                        <p:attrNameLst>
-                                          <p:attrName>style.visibility</p:attrName>
-                                        </p:attrNameLst>
-                                      </p:cBhvr>
-                                      <p:to>
-                                        <p:strVal val="visible"/>
-                                      </p:to>
-                                    </p:set>
-                                    <p:animEffect transition="in" filter="fade">
-                                      <p:cBhvr>
-                                        <p:cTn id="7" dur="1000"/>
-                                        <p:tgtEl>
-                                          <p:spTgt spid="7"/>
-                                        </p:tgtEl>
-                                      </p:cBhvr>
-                                    </p:animEffect>
-                                    <p:anim calcmode="lin" valueType="num">
-                                      <p:cBhvr>
-                                        <p:cTn id="8" dur="1000" fill="hold"/>
-                                        <p:tgtEl>
-                                          <p:spTgt spid="7"/>
-                                        </p:tgtEl>
-                                        <p:attrNameLst>
-                                          <p:attrName>ppt_x</p:attrName>
-                                        </p:attrNameLst>
-                                      </p:cBhvr>
-                                      <p:tavLst>
-                                        <p:tav tm="0">
-                                          <p:val>
-                                            <p:strVal val="#ppt_x"/>
-                                          </p:val>
-                                        </p:tav>
-                                        <p:tav tm="100000">
-                                          <p:val>
-                                            <p:strVal val="#ppt_x"/>
-                                          </p:val>
-                                        </p:tav>
-                                      </p:tavLst>
-                                    </p:anim>
-                                    <p:anim calcmode="lin" valueType="num">
-                                      <p:cBhvr>
-                                        <p:cTn id="9" dur="1000" fill="hold"/>
-                                        <p:tgtEl>
-                                          <p:spTgt spid="7"/>
-                                        </p:tgtEl>
-                                        <p:attrNameLst>
-                                          <p:attrName>ppt_y</p:attrName>
-                                        </p:attrNameLst>
-                                      </p:cBhvr>
-                                      <p:tavLst>
-                                        <p:tav tm="0">
-                                          <p:val>
-                                            <p:strVal val="#ppt_y+.1"/>
-                                          </p:val>
-                                        </p:tav>
-                                        <p:tav tm="100000">
-                                          <p:val>
-                                            <p:strVal val="#ppt_y"/>
-                                          </p:val>
-                                        </p:tav>
-                                      </p:tavLst>
-                                    </p:anim>
-                                  </p:childTnLst>
-                                </p:cTn>
-                              </p:par>
-                            </p:childTnLst>
-                          </p:cTn>
-                        </p:par>
-                      </p:childTnLst>
-                    </p:cTn>
-                  </p:par>
-                  <p:par>
-                    <p:cTn id="10" fill="hold">
-                      <p:stCondLst>
-                        <p:cond delay="indefinite"/>
-                      </p:stCondLst>
-                      <p:childTnLst>
-                        <p:par>
-                          <p:cTn id="11" fill="hold">
-                            <p:stCondLst>
-                              <p:cond delay="0"/>
-                            </p:stCondLst>
-                            <p:childTnLst>
-                              <p:par>
-                                <p:cTn id="12" presetID="2" presetClass="entr" presetSubtype="4" fill="hold" nodeType="clickEffect">
-                                  <p:stCondLst>
-                                    <p:cond delay="0"/>
-                                  </p:stCondLst>
-                                  <p:childTnLst>
-                                    <p:set>
-                                      <p:cBhvr>
-                                        <p:cTn id="13" dur="1" fill="hold">
-                                          <p:stCondLst>
-                                            <p:cond delay="0"/>
-                                          </p:stCondLst>
-                                        </p:cTn>
-                                        <p:tgtEl>
-                                          <p:spTgt spid="10"/>
-                                        </p:tgtEl>
-                                        <p:attrNameLst>
-                                          <p:attrName>style.visibility</p:attrName>
-                                        </p:attrNameLst>
-                                      </p:cBhvr>
-                                      <p:to>
-                                        <p:strVal val="visible"/>
-                                      </p:to>
-                                    </p:set>
-                                    <p:anim calcmode="lin" valueType="num">
-                                      <p:cBhvr additive="base">
-                                        <p:cTn id="14" dur="500" fill="hold"/>
-                                        <p:tgtEl>
-                                          <p:spTgt spid="10"/>
-                                        </p:tgtEl>
-                                        <p:attrNameLst>
-                                          <p:attrName>ppt_x</p:attrName>
-                                        </p:attrNameLst>
-                                      </p:cBhvr>
-                                      <p:tavLst>
-                                        <p:tav tm="0">
-                                          <p:val>
-                                            <p:strVal val="#ppt_x"/>
-                                          </p:val>
-                                        </p:tav>
-                                        <p:tav tm="100000">
-                                          <p:val>
-                                            <p:strVal val="#ppt_x"/>
-                                          </p:val>
-                                        </p:tav>
-                                      </p:tavLst>
-                                    </p:anim>
-                                    <p:anim calcmode="lin" valueType="num">
-                                      <p:cBhvr additive="base">
-                                        <p:cTn id="15" dur="500" fill="hold"/>
-                                        <p:tgtEl>
-                                          <p:spTgt spid="10"/>
-                                        </p:tgtEl>
-                                        <p:attrNameLst>
-                                          <p:attrName>ppt_y</p:attrName>
-                                        </p:attrNameLst>
-                                      </p:cBhvr>
-                                      <p:tavLst>
-                                        <p:tav tm="0">
-                                          <p:val>
-                                            <p:strVal val="1+#ppt_h/2"/>
-                                          </p:val>
-                                        </p:tav>
-                                        <p:tav tm="100000">
-                                          <p:val>
-                                            <p:strVal val="#ppt_y"/>
-                                          </p:val>
-                                        </p:tav>
-                                      </p:tavLst>
-                                    </p:anim>
-                                  </p:childTnLst>
-                                </p:cTn>
-                              </p:par>
-                            </p:childTnLst>
-                          </p:cTn>
-                        </p:par>
-                      </p:childTnLst>
-                    </p:cTn>
-                  </p:par>
-                  <p:par>
-                    <p:cTn id="16" fill="hold">
-                      <p:stCondLst>
-                        <p:cond delay="indefinite"/>
-                      </p:stCondLst>
-                      <p:childTnLst>
-                        <p:par>
-                          <p:cTn id="17" fill="hold">
-                            <p:stCondLst>
-                              <p:cond delay="0"/>
-                            </p:stCondLst>
-                            <p:childTnLst>
-                              <p:par>
-                                <p:cTn id="18" presetID="1" presetClass="entr" presetSubtype="0" fill="hold" nodeType="clickEffect">
-                                  <p:stCondLst>
-                                    <p:cond delay="0"/>
-                                  </p:stCondLst>
-                                  <p:childTnLst>
-                                    <p:set>
-                                      <p:cBhvr>
-                                        <p:cTn id="19" dur="1" fill="hold">
-                                          <p:stCondLst>
-                                            <p:cond delay="0"/>
-                                          </p:stCondLst>
-                                        </p:cTn>
-                                        <p:tgtEl>
-                                          <p:spTgt spid="12"/>
-                                        </p:tgtEl>
-                                        <p:attrNameLst>
-                                          <p:attrName>style.visibility</p:attrName>
-                                        </p:attrNameLst>
-                                      </p:cBhvr>
-                                      <p:to>
-                                        <p:strVal val="visible"/>
-                                      </p:to>
-                                    </p:set>
-                                  </p:childTnLst>
-                                </p:cTn>
-                              </p:par>
-                            </p:childTnLst>
-                          </p:cTn>
-                        </p:par>
-                      </p:childTnLst>
-                    </p:cTn>
-                  </p:par>
-                  <p:par>
-                    <p:cTn id="20" fill="hold">
-                      <p:stCondLst>
-                        <p:cond delay="indefinite"/>
-                      </p:stCondLst>
-                      <p:childTnLst>
-                        <p:par>
-                          <p:cTn id="21" fill="hold">
-                            <p:stCondLst>
-                              <p:cond delay="0"/>
-                            </p:stCondLst>
-                            <p:childTnLst>
-                              <p:par>
-                                <p:cTn id="22" presetID="42" presetClass="entr" presetSubtype="0" fill="hold" nodeType="clickEffect">
-                                  <p:stCondLst>
-                                    <p:cond delay="0"/>
-                                  </p:stCondLst>
-                                  <p:childTnLst>
-                                    <p:set>
-                                      <p:cBhvr>
-                                        <p:cTn id="23" dur="1" fill="hold">
-                                          <p:stCondLst>
-                                            <p:cond delay="0"/>
-                                          </p:stCondLst>
-                                        </p:cTn>
-                                        <p:tgtEl>
-                                          <p:spTgt spid="15"/>
-                                        </p:tgtEl>
-                                        <p:attrNameLst>
-                                          <p:attrName>style.visibility</p:attrName>
-                                        </p:attrNameLst>
-                                      </p:cBhvr>
-                                      <p:to>
-                                        <p:strVal val="visible"/>
-                                      </p:to>
-                                    </p:set>
-                                    <p:animEffect transition="in" filter="fade">
-                                      <p:cBhvr>
-                                        <p:cTn id="24" dur="1000"/>
-                                        <p:tgtEl>
-                                          <p:spTgt spid="15"/>
-                                        </p:tgtEl>
-                                      </p:cBhvr>
-                                    </p:animEffect>
-                                    <p:anim calcmode="lin" valueType="num">
-                                      <p:cBhvr>
-                                        <p:cTn id="25" dur="1000" fill="hold"/>
-                                        <p:tgtEl>
-                                          <p:spTgt spid="15"/>
-                                        </p:tgtEl>
-                                        <p:attrNameLst>
-                                          <p:attrName>ppt_x</p:attrName>
-                                        </p:attrNameLst>
-                                      </p:cBhvr>
-                                      <p:tavLst>
-                                        <p:tav tm="0">
-                                          <p:val>
-                                            <p:strVal val="#ppt_x"/>
-                                          </p:val>
-                                        </p:tav>
-                                        <p:tav tm="100000">
-                                          <p:val>
-                                            <p:strVal val="#ppt_x"/>
-                                          </p:val>
-                                        </p:tav>
-                                      </p:tavLst>
-                                    </p:anim>
-                                    <p:anim calcmode="lin" valueType="num">
-                                      <p:cBhvr>
-                                        <p:cTn id="26" dur="1000" fill="hold"/>
-                                        <p:tgtEl>
-                                          <p:spTgt spid="15"/>
-                                        </p:tgtEl>
-                                        <p:attrNameLst>
-                                          <p:attrName>ppt_y</p:attrName>
-                                        </p:attrNameLst>
-                                      </p:cBhvr>
-                                      <p:tavLst>
-                                        <p:tav tm="0">
-                                          <p:val>
-                                            <p:strVal val="#ppt_y+.1"/>
-                                          </p:val>
-                                        </p:tav>
-                                        <p:tav tm="100000">
-                                          <p:val>
-                                            <p:strVal val="#ppt_y"/>
-                                          </p:val>
-                                        </p:tav>
-                                      </p:tavLst>
-                                    </p:anim>
                                   </p:childTnLst>
                                 </p:cTn>
                               </p:par>

--- a/Video/RFC-HyPGCN.pptx
+++ b/Video/RFC-HyPGCN.pptx
@@ -655,6 +655,33 @@
             </a:pPr>
             <a:r>
               <a:rPr lang="en-US" altLang="zh-CN" dirty="0"/>
+              <a:t>This is our overall </a:t>
+            </a:r>
+            <a:r>
+              <a:rPr lang="en-US" altLang="zh-CN"/>
+              <a:t>architecture design</a:t>
+            </a:r>
+          </a:p>
+          <a:p>
+            <a:pPr marL="0" marR="0" lvl="0" indent="0" algn="l" defTabSz="914400" rtl="0" eaLnBrk="1" fontAlgn="auto" latinLnBrk="0" hangingPunct="1">
+              <a:lnSpc>
+                <a:spcPct val="100000"/>
+              </a:lnSpc>
+              <a:spcBef>
+                <a:spcPts val="0"/>
+              </a:spcBef>
+              <a:spcAft>
+                <a:spcPts val="0"/>
+              </a:spcAft>
+              <a:buClrTx/>
+              <a:buSzTx/>
+              <a:buFontTx/>
+              <a:buNone/>
+              <a:tabLst/>
+              <a:defRPr/>
+            </a:pPr>
+            <a:r>
+              <a:rPr lang="en-US" altLang="zh-CN" dirty="0"/>
               <a:t>Our architecture is a layer-by-layer pipeline. There are ten conv blocks in neural networks, so there are ten function modules on our accelerator, and one module takes one block.</a:t>
             </a:r>
           </a:p>
@@ -1485,6 +1512,41 @@
               <a:tabLst/>
               <a:defRPr/>
             </a:pPr>
+            <a:r>
+              <a:rPr lang="en-US" altLang="zh-CN" dirty="0"/>
+              <a:t>Today, graph neural network is widely used. For instance, GNN is widely used in social networks, which have huge amount of points and edges. Also, GNN can be applied in medicine and biology to help research. In some sub-area of computer science, like nature </a:t>
+            </a:r>
+            <a:r>
+              <a:rPr lang="en-US" altLang="zh-CN" dirty="0" err="1"/>
+              <a:t>lanauage</a:t>
+            </a:r>
+            <a:r>
+              <a:rPr lang="en-US" altLang="zh-CN" dirty="0"/>
+              <a:t> processing, syntax tree is introduced to help understanding the context.</a:t>
+            </a:r>
+          </a:p>
+          <a:p>
+            <a:pPr marL="0" marR="0" lvl="0" indent="0" algn="l" defTabSz="914400" rtl="0" eaLnBrk="1" fontAlgn="auto" latinLnBrk="0" hangingPunct="1">
+              <a:lnSpc>
+                <a:spcPct val="100000"/>
+              </a:lnSpc>
+              <a:spcBef>
+                <a:spcPts val="0"/>
+              </a:spcBef>
+              <a:spcAft>
+                <a:spcPts val="0"/>
+              </a:spcAft>
+              <a:buClrTx/>
+              <a:buSzTx/>
+              <a:buFontTx/>
+              <a:buNone/>
+              <a:tabLst/>
+              <a:defRPr/>
+            </a:pPr>
+            <a:r>
+              <a:rPr lang="en-US" altLang="zh-CN" dirty="0"/>
+              <a:t>In a word, graph modeling plus deep learning starts to get excellent performance in many tasks, where graphs have different size, sparsity of computing modes. </a:t>
+            </a:r>
             <a:endParaRPr lang="zh-CN" altLang="en-US" dirty="0"/>
           </a:p>
         </p:txBody>
@@ -1588,7 +1650,15 @@
             </a:pPr>
             <a:r>
               <a:rPr lang="en-US" altLang="zh-CN" dirty="0"/>
-              <a:t>Human skeleton is modeled by a graph with 25 points. Joints is seen as the points, and the main skeletons are seen as the edge with no direction.</a:t>
+              <a:t>Skeleton-based </a:t>
+            </a:r>
+            <a:r>
+              <a:rPr lang="en-US" altLang="zh-CN" dirty="0" err="1"/>
+              <a:t>gcns</a:t>
+            </a:r>
+            <a:r>
+              <a:rPr lang="en-US" altLang="zh-CN" dirty="0"/>
+              <a:t> action recognition model is the topic we research today</a:t>
             </a:r>
           </a:p>
           <a:p>
@@ -1611,7 +1681,7 @@
             </a:pPr>
             <a:r>
               <a:rPr lang="en-US" altLang="zh-CN" dirty="0"/>
-              <a:t>Using pose estimation technology, such as open-pose from CMU and alpha-pose from SJTU, we can take human skeletons from video stream and actual circumstances</a:t>
+              <a:t>Human skeleton is modeled by a graph with 25 points. Joints is seen as the points, and the main skeletons are seen as the edge with no direction.</a:t>
             </a:r>
           </a:p>
           <a:p>
@@ -1634,7 +1704,30 @@
             </a:pPr>
             <a:r>
               <a:rPr lang="en-US" altLang="zh-CN" dirty="0"/>
-              <a:t>Human skeletons’ feature is then be processed into tensors, and GCN action recognition models take such skeleton features as global input and output the prediction of body action, such as walking, drinking, sitting.</a:t>
+              <a:t>Using pose estimation technology, such as open-pose from CMU and alpha-pose from SJTU, we can take human skeletons from video stream and actual circumstances</a:t>
+            </a:r>
+          </a:p>
+          <a:p>
+            <a:pPr marL="0" marR="0" lvl="0" indent="0" algn="l" defTabSz="914400" rtl="0" eaLnBrk="1" fontAlgn="auto" latinLnBrk="0" hangingPunct="1">
+              <a:lnSpc>
+                <a:spcPct val="100000"/>
+              </a:lnSpc>
+              <a:spcBef>
+                <a:spcPts val="0"/>
+              </a:spcBef>
+              <a:spcAft>
+                <a:spcPts val="0"/>
+              </a:spcAft>
+              <a:buClrTx/>
+              <a:buSzTx/>
+              <a:buFontTx/>
+              <a:buNone/>
+              <a:tabLst/>
+              <a:defRPr/>
+            </a:pPr>
+            <a:r>
+              <a:rPr lang="en-US" altLang="zh-CN" dirty="0"/>
+              <a:t>Human skeletons’ feature is then processed into tensors, and GCN action recognition models take such skeleton features as global input and output the prediction of body action, such as walking, drinking, waving.</a:t>
             </a:r>
             <a:endParaRPr lang="zh-CN" altLang="en-US" dirty="0"/>
           </a:p>
@@ -1813,6 +1906,29 @@
             </a:pPr>
             <a:r>
               <a:rPr lang="en-US" altLang="zh-CN" dirty="0"/>
+              <a:t>However, the gap between fronting models and backend models impede it’s application.</a:t>
+            </a:r>
+          </a:p>
+          <a:p>
+            <a:pPr marL="0" marR="0" lvl="0" indent="0" algn="l" defTabSz="914400" rtl="0" eaLnBrk="1" fontAlgn="auto" latinLnBrk="0" hangingPunct="1">
+              <a:lnSpc>
+                <a:spcPct val="100000"/>
+              </a:lnSpc>
+              <a:spcBef>
+                <a:spcPts val="0"/>
+              </a:spcBef>
+              <a:spcAft>
+                <a:spcPts val="0"/>
+              </a:spcAft>
+              <a:buClrTx/>
+              <a:buSzTx/>
+              <a:buFontTx/>
+              <a:buNone/>
+              <a:tabLst/>
+              <a:defRPr/>
+            </a:pPr>
+            <a:r>
+              <a:rPr lang="en-US" altLang="zh-CN" dirty="0"/>
               <a:t>As shown in the table, 2s-AGCN model needs high-end GPU platforms for deploy, and having a big gap between pose-estimation algorithms on </a:t>
             </a:r>
             <a:r>
@@ -1926,7 +2042,7 @@
             </a:pPr>
             <a:r>
               <a:rPr lang="en-US" altLang="zh-CN" dirty="0"/>
-              <a:t>First, human skeleton graph is static and unchangeable, while some other graphs have less important edge and points, which are ignored in some works. </a:t>
+              <a:t>Thirdly, human skeleton graph is static and unchangeable, while some other graphs have less important edge and points, which are ignored in some works to accelerate computing.  </a:t>
             </a:r>
           </a:p>
           <a:p>
@@ -1957,7 +2073,7 @@
                 <a:ea typeface="微软雅黑" panose="020B0503020204020204" pitchFamily="34" charset="-122"/>
                 <a:cs typeface="Times New Roman" panose="02020603050405020304" pitchFamily="18" charset="0"/>
               </a:rPr>
-              <a:t>GCN action recognition models, which learns global relationship between points and edges. This graph is dense and positive to prediction accuracy.</a:t>
+              <a:t>GCN action recognition models, which learns global relationship between points and edges. This graph is dense, and positive to prediction accuracy.</a:t>
             </a:r>
           </a:p>
           <a:p>
@@ -1985,6 +2101,33 @@
                 <a:cs typeface="Times New Roman" panose="02020603050405020304" pitchFamily="18" charset="0"/>
               </a:rPr>
               <a:t>Computing scale of this algorithms put great challenges to edge and embedded device.</a:t>
+            </a:r>
+          </a:p>
+          <a:p>
+            <a:pPr marL="0" marR="0" lvl="0" indent="0" algn="l" defTabSz="914400" rtl="0" eaLnBrk="1" fontAlgn="auto" latinLnBrk="0" hangingPunct="1">
+              <a:lnSpc>
+                <a:spcPct val="100000"/>
+              </a:lnSpc>
+              <a:spcBef>
+                <a:spcPts val="0"/>
+              </a:spcBef>
+              <a:spcAft>
+                <a:spcPts val="0"/>
+              </a:spcAft>
+              <a:buClrTx/>
+              <a:buSzTx/>
+              <a:buFontTx/>
+              <a:buNone/>
+              <a:tabLst/>
+              <a:defRPr/>
+            </a:pPr>
+            <a:r>
+              <a:rPr lang="en-US" altLang="zh-CN" sz="1200" dirty="0">
+                <a:latin typeface="Times New Roman" panose="02020603050405020304" pitchFamily="18" charset="0"/>
+                <a:ea typeface="微软雅黑" panose="020B0503020204020204" pitchFamily="34" charset="-122"/>
+                <a:cs typeface="Times New Roman" panose="02020603050405020304" pitchFamily="18" charset="0"/>
+              </a:rPr>
+              <a:t>For example, ST-GCN has 12 convolution layers and 2s-AGCN has twenty convolution layers</a:t>
             </a:r>
             <a:endParaRPr lang="zh-CN" altLang="en-US" dirty="0"/>
           </a:p>
@@ -2089,7 +2232,38 @@
             </a:pPr>
             <a:r>
               <a:rPr lang="en-US" altLang="zh-CN" dirty="0"/>
-              <a:t>The basic function block of 2s-AGCN contains XXX, and ten blocks consist the whole nets.</a:t>
+              <a:t>Now, I want to describe the detail of 2s-AGCN model. </a:t>
+            </a:r>
+          </a:p>
+          <a:p>
+            <a:pPr marL="0" marR="0" lvl="0" indent="0" algn="l" defTabSz="914400" rtl="0" eaLnBrk="1" fontAlgn="auto" latinLnBrk="0" hangingPunct="1">
+              <a:lnSpc>
+                <a:spcPct val="100000"/>
+              </a:lnSpc>
+              <a:spcBef>
+                <a:spcPts val="0"/>
+              </a:spcBef>
+              <a:spcAft>
+                <a:spcPts val="0"/>
+              </a:spcAft>
+              <a:buClrTx/>
+              <a:buSzTx/>
+              <a:buFontTx/>
+              <a:buNone/>
+              <a:tabLst/>
+              <a:defRPr/>
+            </a:pPr>
+            <a:r>
+              <a:rPr lang="en-US" altLang="zh-CN" dirty="0"/>
+              <a:t>This model is consisted of ten function blocks, each block has a similarity process, a graph computation, spatial and temporal convolutions, normalization and </a:t>
+            </a:r>
+            <a:r>
+              <a:rPr lang="en-US" altLang="zh-CN" dirty="0" err="1"/>
+              <a:t>relu</a:t>
+            </a:r>
+            <a:r>
+              <a:rPr lang="en-US" altLang="zh-CN" dirty="0"/>
+              <a:t> functions. There are also two shortcut path.</a:t>
             </a:r>
           </a:p>
           <a:p>
@@ -2240,6 +2414,52 @@
             </a:pPr>
             <a:r>
               <a:rPr lang="en-US" altLang="zh-CN" dirty="0"/>
+              <a:t>The computing formula in this model is as follows.</a:t>
+            </a:r>
+          </a:p>
+          <a:p>
+            <a:pPr marL="0" marR="0" lvl="0" indent="0" algn="l" defTabSz="914400" rtl="0" eaLnBrk="1" fontAlgn="auto" latinLnBrk="0" hangingPunct="1">
+              <a:lnSpc>
+                <a:spcPct val="100000"/>
+              </a:lnSpc>
+              <a:spcBef>
+                <a:spcPts val="0"/>
+              </a:spcBef>
+              <a:spcAft>
+                <a:spcPts val="0"/>
+              </a:spcAft>
+              <a:buClrTx/>
+              <a:buSzTx/>
+              <a:buFontTx/>
+              <a:buNone/>
+              <a:tabLst/>
+              <a:defRPr/>
+            </a:pPr>
+            <a:r>
+              <a:rPr lang="en-US" altLang="zh-CN" dirty="0"/>
+              <a:t>Ak stands for human skeleton graph. Bk stands for relationship graph</a:t>
+            </a:r>
+          </a:p>
+          <a:p>
+            <a:pPr marL="0" marR="0" lvl="0" indent="0" algn="l" defTabSz="914400" rtl="0" eaLnBrk="1" fontAlgn="auto" latinLnBrk="0" hangingPunct="1">
+              <a:lnSpc>
+                <a:spcPct val="100000"/>
+              </a:lnSpc>
+              <a:spcBef>
+                <a:spcPts val="0"/>
+              </a:spcBef>
+              <a:spcAft>
+                <a:spcPts val="0"/>
+              </a:spcAft>
+              <a:buClrTx/>
+              <a:buSzTx/>
+              <a:buFontTx/>
+              <a:buNone/>
+              <a:tabLst/>
+              <a:defRPr/>
+            </a:pPr>
+            <a:r>
+              <a:rPr lang="en-US" altLang="zh-CN" dirty="0"/>
               <a:t>The ck is the self-similarity matrix. It is produced by procedures in red circle, which contains high-dimension matrix transposition and multiplication.</a:t>
             </a:r>
           </a:p>
@@ -2559,7 +2779,7 @@
             </a:pPr>
             <a:r>
               <a:rPr lang="en-US" altLang="zh-CN" dirty="0"/>
-              <a:t>The input of temporal conv are skeleton vectors stacked by time order, and the temporal kernel size is nine multiplies one. The nine stands for the reception field in time dimension. The insight of fine-grained pruning here is like sampling. Zero weight in kernel not only means ‘pruned’, but also means ‘not sampled’. By set some elements as zero, we can control the sampling frequency, starting points and schemes. </a:t>
+              <a:t>The input of temporal convolution are skeleton vectors stacked by time order, and the temporal kernel size is nine multiplies one. The nine stands for the reception field in time dimension. The insight of fine-grained pruning here is like sampling. Zero weight in kernel not only means ‘pruned’, but also means ‘not sampled’. By set some elements as zero, we can control the sampling frequency, starting points and schemes. </a:t>
             </a:r>
           </a:p>
           <a:p>
@@ -2582,7 +2802,7 @@
             </a:pPr>
             <a:r>
               <a:rPr lang="en-US" altLang="zh-CN" dirty="0"/>
-              <a:t>By trying several pruning schemes, we got the best pruning pattern which can keep balance between compression rate and accuracy. We found that the sampling pattern plays a vital role here, with similar pruning rate, a more balanced sampling scheme can obviously take the better accuracy, like AA and BB. In AA, every elements has three or two chances to </a:t>
+              <a:t>By trying several pruning schemes, we got the best pruning pattern which can keep balance between compression rate and accuracy. We found that the sampling pattern plays a vital role here, with similar pruning rate, a more balanced sampling scheme can obviously take the better accuracy, like AA and BB. In AA, every elements has three or two chances to be </a:t>
             </a:r>
             <a:r>
               <a:rPr lang="en-US" altLang="zh-CN" dirty="0" err="1"/>
@@ -2590,7 +2810,7 @@
             </a:r>
             <a:r>
               <a:rPr lang="en-US" altLang="zh-CN" dirty="0"/>
-              <a:t> in sampling, while BB  </a:t>
+              <a:t> in sampling, while BB’s elements have unbalanced chances, leading to a worse accuracy. </a:t>
             </a:r>
             <a:endParaRPr lang="zh-CN" altLang="en-US" dirty="0"/>
           </a:p>
@@ -13590,7 +13810,7 @@
         <p:spPr>
           <a:xfrm>
             <a:off x="-228079" y="4916480"/>
-            <a:ext cx="12370357" cy="1052660"/>
+            <a:ext cx="12370357" cy="1226298"/>
           </a:xfrm>
           <a:prstGeom prst="rect">
             <a:avLst/>
@@ -13608,12 +13828,12 @@
               </a:lnSpc>
             </a:pPr>
             <a:r>
-              <a:rPr lang="en-US" altLang="zh-CN" sz="2000" dirty="0">
+              <a:rPr lang="en-US" altLang="zh-CN" sz="2800" dirty="0">
                 <a:latin typeface="Times New Roman" panose="02020603050405020304" pitchFamily="18" charset="0"/>
                 <a:ea typeface="微软雅黑" panose="020B0503020204020204" pitchFamily="34" charset="-122"/>
                 <a:cs typeface="Times New Roman" panose="02020603050405020304" pitchFamily="18" charset="0"/>
               </a:rPr>
-              <a:t>First </a:t>
+              <a:t>First</a:t>
             </a:r>
             <a:r>
               <a:rPr lang="en-US" altLang="zh-CN" sz="2400" dirty="0">
@@ -13621,10 +13841,18 @@
                 <a:ea typeface="微软雅黑" panose="020B0503020204020204" pitchFamily="34" charset="-122"/>
                 <a:cs typeface="Times New Roman" panose="02020603050405020304" pitchFamily="18" charset="0"/>
               </a:rPr>
+              <a:t> </a:t>
+            </a:r>
+            <a:r>
+              <a:rPr lang="en-US" altLang="zh-CN" sz="2800" dirty="0">
+                <a:latin typeface="Times New Roman" panose="02020603050405020304" pitchFamily="18" charset="0"/>
+                <a:ea typeface="微软雅黑" panose="020B0503020204020204" pitchFamily="34" charset="-122"/>
+                <a:cs typeface="Times New Roman" panose="02020603050405020304" pitchFamily="18" charset="0"/>
+              </a:rPr>
               <a:t>introduced</a:t>
             </a:r>
             <a:r>
-              <a:rPr lang="en-US" altLang="zh-CN" sz="2000" dirty="0">
+              <a:rPr lang="en-US" altLang="zh-CN" sz="2400" dirty="0">
                 <a:latin typeface="Times New Roman" panose="02020603050405020304" pitchFamily="18" charset="0"/>
                 <a:ea typeface="微软雅黑" panose="020B0503020204020204" pitchFamily="34" charset="-122"/>
                 <a:cs typeface="Times New Roman" panose="02020603050405020304" pitchFamily="18" charset="0"/>
@@ -13639,7 +13867,7 @@
               </a:lnSpc>
             </a:pPr>
             <a:r>
-              <a:rPr lang="en-US" altLang="zh-CN" sz="2000" dirty="0">
+              <a:rPr lang="en-US" altLang="zh-CN" sz="2400" dirty="0">
                 <a:latin typeface="Times New Roman" panose="02020603050405020304" pitchFamily="18" charset="0"/>
                 <a:ea typeface="微软雅黑" panose="020B0503020204020204" pitchFamily="34" charset="-122"/>
                 <a:cs typeface="Times New Roman" panose="02020603050405020304" pitchFamily="18" charset="0"/>
@@ -15697,46 +15925,11 @@
                 <a:spcPct val="150000"/>
               </a:lnSpc>
             </a:pPr>
-            <a:r>
-              <a:rPr lang="en-US" altLang="zh-CN" sz="2400" dirty="0">
-                <a:latin typeface="Times New Roman" panose="02020603050405020304" pitchFamily="18" charset="0"/>
-                <a:ea typeface="微软雅黑" panose="020B0503020204020204" pitchFamily="34" charset="-122"/>
-                <a:cs typeface="Times New Roman" panose="02020603050405020304" pitchFamily="18" charset="0"/>
-              </a:rPr>
-              <a:t>Action recognition</a:t>
-            </a:r>
-            <a:r>
-              <a:rPr lang="zh-CN" altLang="en-US" sz="2400" dirty="0">
-                <a:latin typeface="Times New Roman" panose="02020603050405020304" pitchFamily="18" charset="0"/>
-                <a:ea typeface="微软雅黑" panose="020B0503020204020204" pitchFamily="34" charset="-122"/>
-                <a:cs typeface="Times New Roman" panose="02020603050405020304" pitchFamily="18" charset="0"/>
-              </a:rPr>
-              <a:t>：</a:t>
-            </a:r>
-            <a:r>
-              <a:rPr lang="en-US" altLang="zh-CN" sz="2400" dirty="0">
-                <a:latin typeface="Times New Roman" panose="02020603050405020304" pitchFamily="18" charset="0"/>
-                <a:ea typeface="微软雅黑" panose="020B0503020204020204" pitchFamily="34" charset="-122"/>
-                <a:cs typeface="Times New Roman" panose="02020603050405020304" pitchFamily="18" charset="0"/>
-              </a:rPr>
-              <a:t>Action recognition + Graph modeling of human skeleton +</a:t>
-            </a:r>
-            <a:r>
-              <a:rPr lang="zh-CN" altLang="en-US" sz="2400" dirty="0">
-                <a:latin typeface="Times New Roman" panose="02020603050405020304" pitchFamily="18" charset="0"/>
-                <a:ea typeface="微软雅黑" panose="020B0503020204020204" pitchFamily="34" charset="-122"/>
-                <a:cs typeface="Times New Roman" panose="02020603050405020304" pitchFamily="18" charset="0"/>
-              </a:rPr>
-              <a:t> </a:t>
-            </a:r>
-            <a:r>
-              <a:rPr lang="en-US" altLang="zh-CN" sz="2400" dirty="0">
-                <a:latin typeface="Times New Roman" panose="02020603050405020304" pitchFamily="18" charset="0"/>
-                <a:ea typeface="微软雅黑" panose="020B0503020204020204" pitchFamily="34" charset="-122"/>
-                <a:cs typeface="Times New Roman" panose="02020603050405020304" pitchFamily="18" charset="0"/>
-              </a:rPr>
-              <a:t>DNN</a:t>
-            </a:r>
+            <a:endParaRPr lang="en-US" altLang="zh-CN" sz="2400" dirty="0">
+              <a:latin typeface="Times New Roman" panose="02020603050405020304" pitchFamily="18" charset="0"/>
+              <a:ea typeface="微软雅黑" panose="020B0503020204020204" pitchFamily="34" charset="-122"/>
+              <a:cs typeface="Times New Roman" panose="02020603050405020304" pitchFamily="18" charset="0"/>
+            </a:endParaRPr>
           </a:p>
         </p:txBody>
       </p:sp>
